--- a/Developer Documentation/Presentación_Help_Cert Tr_1.pptx
+++ b/Developer Documentation/Presentación_Help_Cert Tr_1.pptx
@@ -1,49 +1,51 @@
 
 <file path=ppt/presentation.xml><?xml version="1.0" encoding="utf-8"?>
-<p:presentation xmlns:a="http://schemas.openxmlformats.org/drawingml/2006/main" xmlns:r="http://schemas.openxmlformats.org/officeDocument/2006/relationships" xmlns:p="http://schemas.openxmlformats.org/presentationml/2006/main" xmlns:p14="http://schemas.microsoft.com/office/powerpoint/2010/main" strictFirstAndLastChars="0" saveSubsetFonts="1" autoCompressPictures="0">
+<p:presentation xmlns:a="http://schemas.openxmlformats.org/drawingml/2006/main" xmlns:r="http://schemas.openxmlformats.org/officeDocument/2006/relationships" xmlns:p="http://schemas.openxmlformats.org/presentationml/2006/main" strictFirstAndLastChars="0" saveSubsetFonts="1" autoCompressPictures="0">
   <p:sldMasterIdLst>
-    <p:sldMasterId id="2147483662" r:id="rId14"/>
+    <p:sldMasterId id="2147483662" r:id="rId1"/>
   </p:sldMasterIdLst>
   <p:notesMasterIdLst>
-    <p:notesMasterId r:id="rId16"/>
+    <p:notesMasterId r:id="rId38"/>
   </p:notesMasterIdLst>
   <p:sldIdLst>
-    <p:sldId id="256" r:id="rId18"/>
-    <p:sldId id="257" r:id="rId20"/>
-    <p:sldId id="339" r:id="rId22"/>
-    <p:sldId id="319" r:id="rId24"/>
-    <p:sldId id="314" r:id="rId26"/>
-    <p:sldId id="317" r:id="rId27"/>
-    <p:sldId id="318" r:id="rId28"/>
-    <p:sldId id="316" r:id="rId29"/>
-    <p:sldId id="351" r:id="rId30"/>
-    <p:sldId id="332" r:id="rId31"/>
-    <p:sldId id="261" r:id="rId33"/>
-    <p:sldId id="262" r:id="rId34"/>
-    <p:sldId id="306" r:id="rId35"/>
-    <p:sldId id="259" r:id="rId36"/>
-    <p:sldId id="308" r:id="rId38"/>
-    <p:sldId id="309" r:id="rId39"/>
-    <p:sldId id="333" r:id="rId40"/>
-    <p:sldId id="327" r:id="rId42"/>
-    <p:sldId id="335" r:id="rId43"/>
-    <p:sldId id="320" r:id="rId44"/>
-    <p:sldId id="328" r:id="rId45"/>
-    <p:sldId id="329" r:id="rId46"/>
-    <p:sldId id="321" r:id="rId47"/>
-    <p:sldId id="330" r:id="rId48"/>
-    <p:sldId id="331" r:id="rId49"/>
-    <p:sldId id="334" r:id="rId50"/>
-    <p:sldId id="325" r:id="rId52"/>
-    <p:sldId id="348" r:id="rId53"/>
-    <p:sldId id="326" r:id="rId54"/>
-    <p:sldId id="345" r:id="rId55"/>
-    <p:sldId id="340" r:id="rId56"/>
-    <p:sldId id="342" r:id="rId57"/>
-    <p:sldId id="341" r:id="rId58"/>
-    <p:sldId id="298" r:id="rId59"/>
+    <p:sldId id="256" r:id="rId2"/>
+    <p:sldId id="257" r:id="rId3"/>
+    <p:sldId id="339" r:id="rId4"/>
+    <p:sldId id="319" r:id="rId5"/>
+    <p:sldId id="314" r:id="rId6"/>
+    <p:sldId id="317" r:id="rId7"/>
+    <p:sldId id="318" r:id="rId8"/>
+    <p:sldId id="316" r:id="rId9"/>
+    <p:sldId id="351" r:id="rId10"/>
+    <p:sldId id="353" r:id="rId11"/>
+    <p:sldId id="352" r:id="rId12"/>
+    <p:sldId id="332" r:id="rId13"/>
+    <p:sldId id="261" r:id="rId14"/>
+    <p:sldId id="262" r:id="rId15"/>
+    <p:sldId id="306" r:id="rId16"/>
+    <p:sldId id="259" r:id="rId17"/>
+    <p:sldId id="308" r:id="rId18"/>
+    <p:sldId id="309" r:id="rId19"/>
+    <p:sldId id="333" r:id="rId20"/>
+    <p:sldId id="327" r:id="rId21"/>
+    <p:sldId id="335" r:id="rId22"/>
+    <p:sldId id="320" r:id="rId23"/>
+    <p:sldId id="328" r:id="rId24"/>
+    <p:sldId id="329" r:id="rId25"/>
+    <p:sldId id="321" r:id="rId26"/>
+    <p:sldId id="330" r:id="rId27"/>
+    <p:sldId id="331" r:id="rId28"/>
+    <p:sldId id="334" r:id="rId29"/>
+    <p:sldId id="325" r:id="rId30"/>
+    <p:sldId id="348" r:id="rId31"/>
+    <p:sldId id="326" r:id="rId32"/>
+    <p:sldId id="345" r:id="rId33"/>
+    <p:sldId id="340" r:id="rId34"/>
+    <p:sldId id="342" r:id="rId35"/>
+    <p:sldId id="341" r:id="rId36"/>
+    <p:sldId id="298" r:id="rId37"/>
   </p:sldIdLst>
-  <p:sldSz cx="9144000" cy="6858000"/>
+  <p:sldSz cx="9144000" cy="6858000" type="screen4x3"/>
   <p:notesSz cx="6858000" cy="9144000"/>
   <p:defaultTextStyle>
     <a:defPPr marR="0" lvl="0" algn="l" rtl="0">
@@ -275,6 +277,20 @@
     </a:lvl9pPr>
   </p:defaultTextStyle>
   <p:extLst>
+    <p:ext uri="{EFAFB233-063F-42B5-8137-9DF3F51BA10A}">
+      <p15:sldGuideLst xmlns:p15="http://schemas.microsoft.com/office/powerpoint/2012/main">
+        <p15:guide id="1" orient="horz" pos="2159">
+          <p15:clr>
+            <a:srgbClr val="A4A3A4"/>
+          </p15:clr>
+        </p15:guide>
+        <p15:guide id="2" pos="2879">
+          <p15:clr>
+            <a:srgbClr val="A4A3A4"/>
+          </p15:clr>
+        </p15:guide>
+      </p15:sldGuideLst>
+    </p:ext>
     <p:ext uri="{2D200454-40CA-4A62-9FC3-DE9A4176ACB9}">
       <p15:notesGuideLst xmlns:p15="http://schemas.microsoft.com/office/powerpoint/2012/main">
         <p15:guide id="1" orient="horz" pos="2880">
@@ -287,21 +303,17 @@
             <a:srgbClr val="A4A3A4"/>
           </p15:clr>
         </p15:guide>
-      </p15:notesGuideLst>
-    </p:ext>
-    <p:ext uri="{EFAFB233-063F-42B5-8137-9DF3F51BA10A}">
-      <p15:sldGuideLst xmlns:p15="http://schemas.microsoft.com/office/powerpoint/2012/main">
-        <p15:guide id="1" orient="horz" pos="2159" userDrawn="0">
+        <p15:guide id="3" orient="horz" pos="2159">
           <p15:clr>
             <a:srgbClr val="A4A3A4"/>
           </p15:clr>
         </p15:guide>
-        <p15:guide id="2" pos="2879" userDrawn="0">
+        <p15:guide id="4" pos="2879">
           <p15:clr>
             <a:srgbClr val="A4A3A4"/>
           </p15:clr>
         </p15:guide>
-      </p15:sldGuideLst>
+      </p15:notesGuideLst>
     </p:ext>
   </p:extLst>
 </p:presentation>
@@ -2015,6 +2027,691 @@
     </p:spTree>
     <p:extLst>
       <p:ext uri="{BB962C8B-B14F-4D97-AF65-F5344CB8AC3E}">
+        <p14:creationId xmlns:p14="http://schemas.microsoft.com/office/powerpoint/2010/main" val="2066430339"/>
+      </p:ext>
+    </p:extLst>
+  </p:cSld>
+  <p:clrMapOvr>
+    <a:masterClrMapping/>
+  </p:clrMapOvr>
+</p:notes>
+</file>
+
+<file path=ppt/notesSlides/notesSlide11.xml><?xml version="1.0" encoding="utf-8"?>
+<p:notes xmlns:a="http://schemas.openxmlformats.org/drawingml/2006/main" xmlns:r="http://schemas.openxmlformats.org/officeDocument/2006/relationships" xmlns:p="http://schemas.openxmlformats.org/presentationml/2006/main" showMasterSp="0" showMasterPhAnim="0">
+  <p:cSld>
+    <p:spTree>
+      <p:nvGrpSpPr>
+        <p:cNvPr id="1" name="Shape 509"/>
+        <p:cNvGrpSpPr/>
+        <p:nvPr/>
+      </p:nvGrpSpPr>
+      <p:grpSpPr>
+        <a:xfrm>
+          <a:off x="0" y="0"/>
+          <a:ext cx="0" cy="0"/>
+          <a:chOff x="0" y="0"/>
+          <a:chExt cx="0" cy="0"/>
+        </a:xfrm>
+      </p:grpSpPr>
+      <p:sp>
+        <p:nvSpPr>
+          <p:cNvPr id="510" name="Google Shape;510;p40:notes"/>
+          <p:cNvSpPr txBox="1">
+            <a:spLocks noGrp="1"/>
+          </p:cNvSpPr>
+          <p:nvPr>
+            <p:ph type="body" idx="1"/>
+          </p:nvPr>
+        </p:nvSpPr>
+        <p:spPr>
+          <a:xfrm>
+            <a:off x="685800" y="4343400"/>
+            <a:ext cx="5486400" cy="4114800"/>
+          </a:xfrm>
+          <a:prstGeom prst="rect">
+            <a:avLst/>
+          </a:prstGeom>
+          <a:noFill/>
+          <a:ln>
+            <a:noFill/>
+          </a:ln>
+        </p:spPr>
+        <p:txBody>
+          <a:bodyPr spcFirstLastPara="1" wrap="square" lIns="91425" tIns="45700" rIns="91425" bIns="45700" anchor="t" anchorCtr="0">
+            <a:noAutofit/>
+          </a:bodyPr>
+          <a:lstStyle/>
+          <a:p>
+            <a:pPr marL="0" marR="0" lvl="0" indent="0" algn="l" rtl="0">
+              <a:lnSpc>
+                <a:spcPct val="100000"/>
+              </a:lnSpc>
+              <a:spcBef>
+                <a:spcPts val="0"/>
+              </a:spcBef>
+              <a:spcAft>
+                <a:spcPts val="0"/>
+              </a:spcAft>
+              <a:buClr>
+                <a:srgbClr val="000000"/>
+              </a:buClr>
+              <a:buSzPts val="1400"/>
+              <a:buFont typeface="Arial"/>
+              <a:buNone/>
+            </a:pPr>
+            <a:endParaRPr sz="1200" b="0" i="0" u="none" strike="noStrike" cap="none">
+              <a:solidFill>
+                <a:schemeClr val="dk1"/>
+              </a:solidFill>
+              <a:latin typeface="Calibri"/>
+              <a:ea typeface="Calibri"/>
+              <a:cs typeface="Calibri"/>
+              <a:sym typeface="Calibri"/>
+            </a:endParaRPr>
+          </a:p>
+        </p:txBody>
+      </p:sp>
+      <p:sp>
+        <p:nvSpPr>
+          <p:cNvPr id="511" name="Google Shape;511;p40:notes"/>
+          <p:cNvSpPr>
+            <a:spLocks noGrp="1" noRot="1" noChangeAspect="1"/>
+          </p:cNvSpPr>
+          <p:nvPr>
+            <p:ph type="sldImg" idx="2"/>
+          </p:nvPr>
+        </p:nvSpPr>
+        <p:spPr>
+          <a:xfrm>
+            <a:off x="1143000" y="685800"/>
+            <a:ext cx="4572000" cy="3429000"/>
+          </a:xfrm>
+          <a:custGeom>
+            <a:avLst/>
+            <a:gdLst/>
+            <a:ahLst/>
+            <a:cxnLst/>
+            <a:rect l="l" t="t" r="r" b="b"/>
+            <a:pathLst>
+              <a:path w="120000" h="120000" extrusionOk="0">
+                <a:moveTo>
+                  <a:pt x="0" y="0"/>
+                </a:moveTo>
+                <a:lnTo>
+                  <a:pt x="120000" y="0"/>
+                </a:lnTo>
+                <a:lnTo>
+                  <a:pt x="120000" y="120000"/>
+                </a:lnTo>
+                <a:lnTo>
+                  <a:pt x="0" y="120000"/>
+                </a:lnTo>
+                <a:close/>
+              </a:path>
+            </a:pathLst>
+          </a:custGeom>
+          <a:noFill/>
+          <a:ln w="12700" cap="flat" cmpd="sng">
+            <a:solidFill>
+              <a:srgbClr val="000000"/>
+            </a:solidFill>
+            <a:prstDash val="solid"/>
+            <a:round/>
+            <a:headEnd type="none" w="sm" len="sm"/>
+            <a:tailEnd type="none" w="sm" len="sm"/>
+          </a:ln>
+        </p:spPr>
+      </p:sp>
+    </p:spTree>
+  </p:cSld>
+  <p:clrMapOvr>
+    <a:masterClrMapping/>
+  </p:clrMapOvr>
+</p:notes>
+</file>
+
+<file path=ppt/notesSlides/notesSlide2.xml><?xml version="1.0" encoding="utf-8"?>
+<p:notes xmlns:a="http://schemas.openxmlformats.org/drawingml/2006/main" xmlns:r="http://schemas.openxmlformats.org/officeDocument/2006/relationships" xmlns:p="http://schemas.openxmlformats.org/presentationml/2006/main" showMasterSp="0" showMasterPhAnim="0">
+  <p:cSld>
+    <p:spTree>
+      <p:nvGrpSpPr>
+        <p:cNvPr id="1" name="Shape 135"/>
+        <p:cNvGrpSpPr/>
+        <p:nvPr/>
+      </p:nvGrpSpPr>
+      <p:grpSpPr>
+        <a:xfrm>
+          <a:off x="0" y="0"/>
+          <a:ext cx="0" cy="0"/>
+          <a:chOff x="0" y="0"/>
+          <a:chExt cx="0" cy="0"/>
+        </a:xfrm>
+      </p:grpSpPr>
+      <p:sp>
+        <p:nvSpPr>
+          <p:cNvPr id="136" name="Google Shape;136;p2:notes"/>
+          <p:cNvSpPr txBox="1">
+            <a:spLocks noGrp="1"/>
+          </p:cNvSpPr>
+          <p:nvPr>
+            <p:ph type="body" idx="1"/>
+          </p:nvPr>
+        </p:nvSpPr>
+        <p:spPr>
+          <a:xfrm>
+            <a:off x="685800" y="4343400"/>
+            <a:ext cx="5486400" cy="4114800"/>
+          </a:xfrm>
+          <a:prstGeom prst="rect">
+            <a:avLst/>
+          </a:prstGeom>
+          <a:noFill/>
+          <a:ln>
+            <a:noFill/>
+          </a:ln>
+        </p:spPr>
+        <p:txBody>
+          <a:bodyPr spcFirstLastPara="1" wrap="square" lIns="91425" tIns="45700" rIns="91425" bIns="45700" anchor="t" anchorCtr="0">
+            <a:noAutofit/>
+          </a:bodyPr>
+          <a:lstStyle/>
+          <a:p>
+            <a:pPr marL="0" marR="0" lvl="0" indent="0" algn="l" rtl="0">
+              <a:lnSpc>
+                <a:spcPct val="100000"/>
+              </a:lnSpc>
+              <a:spcBef>
+                <a:spcPts val="0"/>
+              </a:spcBef>
+              <a:spcAft>
+                <a:spcPts val="0"/>
+              </a:spcAft>
+              <a:buClr>
+                <a:srgbClr val="000000"/>
+              </a:buClr>
+              <a:buSzPts val="1400"/>
+              <a:buFont typeface="Arial"/>
+              <a:buNone/>
+            </a:pPr>
+            <a:endParaRPr sz="1200" b="0" i="0" u="none" strike="noStrike" cap="none">
+              <a:solidFill>
+                <a:schemeClr val="dk1"/>
+              </a:solidFill>
+              <a:latin typeface="Calibri"/>
+              <a:ea typeface="Calibri"/>
+              <a:cs typeface="Calibri"/>
+              <a:sym typeface="Calibri"/>
+            </a:endParaRPr>
+          </a:p>
+        </p:txBody>
+      </p:sp>
+      <p:sp>
+        <p:nvSpPr>
+          <p:cNvPr id="137" name="Google Shape;137;p2:notes"/>
+          <p:cNvSpPr>
+            <a:spLocks noGrp="1" noRot="1" noChangeAspect="1"/>
+          </p:cNvSpPr>
+          <p:nvPr>
+            <p:ph type="sldImg" idx="2"/>
+          </p:nvPr>
+        </p:nvSpPr>
+        <p:spPr>
+          <a:xfrm>
+            <a:off x="1143000" y="685800"/>
+            <a:ext cx="4572000" cy="3429000"/>
+          </a:xfrm>
+          <a:custGeom>
+            <a:avLst/>
+            <a:gdLst/>
+            <a:ahLst/>
+            <a:cxnLst/>
+            <a:rect l="l" t="t" r="r" b="b"/>
+            <a:pathLst>
+              <a:path w="120000" h="120000" extrusionOk="0">
+                <a:moveTo>
+                  <a:pt x="0" y="0"/>
+                </a:moveTo>
+                <a:lnTo>
+                  <a:pt x="120000" y="0"/>
+                </a:lnTo>
+                <a:lnTo>
+                  <a:pt x="120000" y="120000"/>
+                </a:lnTo>
+                <a:lnTo>
+                  <a:pt x="0" y="120000"/>
+                </a:lnTo>
+                <a:close/>
+              </a:path>
+            </a:pathLst>
+          </a:custGeom>
+          <a:noFill/>
+          <a:ln w="12700" cap="flat" cmpd="sng">
+            <a:solidFill>
+              <a:srgbClr val="000000"/>
+            </a:solidFill>
+            <a:prstDash val="solid"/>
+            <a:round/>
+            <a:headEnd type="none" w="sm" len="sm"/>
+            <a:tailEnd type="none" w="sm" len="sm"/>
+          </a:ln>
+        </p:spPr>
+      </p:sp>
+    </p:spTree>
+  </p:cSld>
+  <p:clrMapOvr>
+    <a:masterClrMapping/>
+  </p:clrMapOvr>
+</p:notes>
+</file>
+
+<file path=ppt/notesSlides/notesSlide3.xml><?xml version="1.0" encoding="utf-8"?>
+<p:notes xmlns:a="http://schemas.openxmlformats.org/drawingml/2006/main" xmlns:r="http://schemas.openxmlformats.org/officeDocument/2006/relationships" xmlns:p="http://schemas.openxmlformats.org/presentationml/2006/main" showMasterSp="0" showMasterPhAnim="0">
+  <p:cSld>
+    <p:spTree>
+      <p:nvGrpSpPr>
+        <p:cNvPr id="1" name="Shape 135"/>
+        <p:cNvGrpSpPr/>
+        <p:nvPr/>
+      </p:nvGrpSpPr>
+      <p:grpSpPr>
+        <a:xfrm>
+          <a:off x="0" y="0"/>
+          <a:ext cx="0" cy="0"/>
+          <a:chOff x="0" y="0"/>
+          <a:chExt cx="0" cy="0"/>
+        </a:xfrm>
+      </p:grpSpPr>
+      <p:sp>
+        <p:nvSpPr>
+          <p:cNvPr id="136" name="Google Shape;136;p2:notes"/>
+          <p:cNvSpPr txBox="1">
+            <a:spLocks noGrp="1"/>
+          </p:cNvSpPr>
+          <p:nvPr>
+            <p:ph type="body" idx="1"/>
+          </p:nvPr>
+        </p:nvSpPr>
+        <p:spPr>
+          <a:xfrm>
+            <a:off x="685800" y="4343400"/>
+            <a:ext cx="5486400" cy="4114800"/>
+          </a:xfrm>
+          <a:prstGeom prst="rect">
+            <a:avLst/>
+          </a:prstGeom>
+          <a:noFill/>
+          <a:ln>
+            <a:noFill/>
+          </a:ln>
+        </p:spPr>
+        <p:txBody>
+          <a:bodyPr spcFirstLastPara="1" wrap="square" lIns="91425" tIns="45700" rIns="91425" bIns="45700" anchor="t" anchorCtr="0">
+            <a:noAutofit/>
+          </a:bodyPr>
+          <a:lstStyle/>
+          <a:p>
+            <a:pPr marL="0" marR="0" lvl="0" indent="0" algn="l" rtl="0">
+              <a:lnSpc>
+                <a:spcPct val="100000"/>
+              </a:lnSpc>
+              <a:spcBef>
+                <a:spcPts val="0"/>
+              </a:spcBef>
+              <a:spcAft>
+                <a:spcPts val="0"/>
+              </a:spcAft>
+              <a:buClr>
+                <a:srgbClr val="000000"/>
+              </a:buClr>
+              <a:buSzPts val="1400"/>
+              <a:buFont typeface="Arial"/>
+              <a:buNone/>
+            </a:pPr>
+            <a:endParaRPr sz="1200" b="0" i="0" u="none" strike="noStrike" cap="none">
+              <a:solidFill>
+                <a:schemeClr val="dk1"/>
+              </a:solidFill>
+              <a:latin typeface="Calibri"/>
+              <a:ea typeface="Calibri"/>
+              <a:cs typeface="Calibri"/>
+              <a:sym typeface="Calibri"/>
+            </a:endParaRPr>
+          </a:p>
+        </p:txBody>
+      </p:sp>
+      <p:sp>
+        <p:nvSpPr>
+          <p:cNvPr id="137" name="Google Shape;137;p2:notes"/>
+          <p:cNvSpPr>
+            <a:spLocks noGrp="1" noRot="1" noChangeAspect="1"/>
+          </p:cNvSpPr>
+          <p:nvPr>
+            <p:ph type="sldImg" idx="2"/>
+          </p:nvPr>
+        </p:nvSpPr>
+        <p:spPr>
+          <a:xfrm>
+            <a:off x="1143000" y="685800"/>
+            <a:ext cx="4572000" cy="3429000"/>
+          </a:xfrm>
+          <a:custGeom>
+            <a:avLst/>
+            <a:gdLst/>
+            <a:ahLst/>
+            <a:cxnLst/>
+            <a:rect l="l" t="t" r="r" b="b"/>
+            <a:pathLst>
+              <a:path w="120000" h="120000" extrusionOk="0">
+                <a:moveTo>
+                  <a:pt x="0" y="0"/>
+                </a:moveTo>
+                <a:lnTo>
+                  <a:pt x="120000" y="0"/>
+                </a:lnTo>
+                <a:lnTo>
+                  <a:pt x="120000" y="120000"/>
+                </a:lnTo>
+                <a:lnTo>
+                  <a:pt x="0" y="120000"/>
+                </a:lnTo>
+                <a:close/>
+              </a:path>
+            </a:pathLst>
+          </a:custGeom>
+          <a:noFill/>
+          <a:ln w="12700" cap="flat" cmpd="sng">
+            <a:solidFill>
+              <a:srgbClr val="000000"/>
+            </a:solidFill>
+            <a:prstDash val="solid"/>
+            <a:round/>
+            <a:headEnd type="none" w="sm" len="sm"/>
+            <a:tailEnd type="none" w="sm" len="sm"/>
+          </a:ln>
+        </p:spPr>
+      </p:sp>
+    </p:spTree>
+    <p:extLst>
+      <p:ext uri="{BB962C8B-B14F-4D97-AF65-F5344CB8AC3E}">
+        <p14:creationId xmlns:p14="http://schemas.microsoft.com/office/powerpoint/2010/main" val="2050617391"/>
+      </p:ext>
+    </p:extLst>
+  </p:cSld>
+  <p:clrMapOvr>
+    <a:masterClrMapping/>
+  </p:clrMapOvr>
+</p:notes>
+</file>
+
+<file path=ppt/notesSlides/notesSlide4.xml><?xml version="1.0" encoding="utf-8"?>
+<p:notes xmlns:a="http://schemas.openxmlformats.org/drawingml/2006/main" xmlns:r="http://schemas.openxmlformats.org/officeDocument/2006/relationships" xmlns:p="http://schemas.openxmlformats.org/presentationml/2006/main" showMasterSp="0" showMasterPhAnim="0">
+  <p:cSld>
+    <p:spTree>
+      <p:nvGrpSpPr>
+        <p:cNvPr id="1" name="Shape 135"/>
+        <p:cNvGrpSpPr/>
+        <p:nvPr/>
+      </p:nvGrpSpPr>
+      <p:grpSpPr>
+        <a:xfrm>
+          <a:off x="0" y="0"/>
+          <a:ext cx="0" cy="0"/>
+          <a:chOff x="0" y="0"/>
+          <a:chExt cx="0" cy="0"/>
+        </a:xfrm>
+      </p:grpSpPr>
+      <p:sp>
+        <p:nvSpPr>
+          <p:cNvPr id="136" name="Google Shape;136;p2:notes"/>
+          <p:cNvSpPr txBox="1">
+            <a:spLocks noGrp="1"/>
+          </p:cNvSpPr>
+          <p:nvPr>
+            <p:ph type="body" idx="1"/>
+          </p:nvPr>
+        </p:nvSpPr>
+        <p:spPr>
+          <a:xfrm>
+            <a:off x="685800" y="4343400"/>
+            <a:ext cx="5486400" cy="4114800"/>
+          </a:xfrm>
+          <a:prstGeom prst="rect">
+            <a:avLst/>
+          </a:prstGeom>
+          <a:noFill/>
+          <a:ln>
+            <a:noFill/>
+          </a:ln>
+        </p:spPr>
+        <p:txBody>
+          <a:bodyPr spcFirstLastPara="1" wrap="square" lIns="91425" tIns="45700" rIns="91425" bIns="45700" anchor="t" anchorCtr="0">
+            <a:noAutofit/>
+          </a:bodyPr>
+          <a:lstStyle/>
+          <a:p>
+            <a:pPr marL="0" marR="0" lvl="0" indent="0" algn="l" rtl="0">
+              <a:lnSpc>
+                <a:spcPct val="100000"/>
+              </a:lnSpc>
+              <a:spcBef>
+                <a:spcPts val="0"/>
+              </a:spcBef>
+              <a:spcAft>
+                <a:spcPts val="0"/>
+              </a:spcAft>
+              <a:buClr>
+                <a:srgbClr val="000000"/>
+              </a:buClr>
+              <a:buSzPts val="1400"/>
+              <a:buFont typeface="Arial"/>
+              <a:buNone/>
+            </a:pPr>
+            <a:endParaRPr sz="1200" b="0" i="0" u="none" strike="noStrike" cap="none">
+              <a:solidFill>
+                <a:schemeClr val="dk1"/>
+              </a:solidFill>
+              <a:latin typeface="Calibri"/>
+              <a:ea typeface="Calibri"/>
+              <a:cs typeface="Calibri"/>
+              <a:sym typeface="Calibri"/>
+            </a:endParaRPr>
+          </a:p>
+        </p:txBody>
+      </p:sp>
+      <p:sp>
+        <p:nvSpPr>
+          <p:cNvPr id="137" name="Google Shape;137;p2:notes"/>
+          <p:cNvSpPr>
+            <a:spLocks noGrp="1" noRot="1" noChangeAspect="1"/>
+          </p:cNvSpPr>
+          <p:nvPr>
+            <p:ph type="sldImg" idx="2"/>
+          </p:nvPr>
+        </p:nvSpPr>
+        <p:spPr>
+          <a:xfrm>
+            <a:off x="1143000" y="685800"/>
+            <a:ext cx="4572000" cy="3429000"/>
+          </a:xfrm>
+          <a:custGeom>
+            <a:avLst/>
+            <a:gdLst/>
+            <a:ahLst/>
+            <a:cxnLst/>
+            <a:rect l="l" t="t" r="r" b="b"/>
+            <a:pathLst>
+              <a:path w="120000" h="120000" extrusionOk="0">
+                <a:moveTo>
+                  <a:pt x="0" y="0"/>
+                </a:moveTo>
+                <a:lnTo>
+                  <a:pt x="120000" y="0"/>
+                </a:lnTo>
+                <a:lnTo>
+                  <a:pt x="120000" y="120000"/>
+                </a:lnTo>
+                <a:lnTo>
+                  <a:pt x="0" y="120000"/>
+                </a:lnTo>
+                <a:close/>
+              </a:path>
+            </a:pathLst>
+          </a:custGeom>
+          <a:noFill/>
+          <a:ln w="12700" cap="flat" cmpd="sng">
+            <a:solidFill>
+              <a:srgbClr val="000000"/>
+            </a:solidFill>
+            <a:prstDash val="solid"/>
+            <a:round/>
+            <a:headEnd type="none" w="sm" len="sm"/>
+            <a:tailEnd type="none" w="sm" len="sm"/>
+          </a:ln>
+        </p:spPr>
+      </p:sp>
+    </p:spTree>
+    <p:extLst>
+      <p:ext uri="{BB962C8B-B14F-4D97-AF65-F5344CB8AC3E}">
+        <p14:creationId xmlns:p14="http://schemas.microsoft.com/office/powerpoint/2010/main" val="1756815241"/>
+      </p:ext>
+    </p:extLst>
+  </p:cSld>
+  <p:clrMapOvr>
+    <a:masterClrMapping/>
+  </p:clrMapOvr>
+</p:notes>
+</file>
+
+<file path=ppt/notesSlides/notesSlide5.xml><?xml version="1.0" encoding="utf-8"?>
+<p:notes xmlns:a="http://schemas.openxmlformats.org/drawingml/2006/main" xmlns:r="http://schemas.openxmlformats.org/officeDocument/2006/relationships" xmlns:p="http://schemas.openxmlformats.org/presentationml/2006/main" showMasterSp="0" showMasterPhAnim="0">
+  <p:cSld>
+    <p:spTree>
+      <p:nvGrpSpPr>
+        <p:cNvPr id="1" name="Shape 184"/>
+        <p:cNvGrpSpPr/>
+        <p:nvPr/>
+      </p:nvGrpSpPr>
+      <p:grpSpPr>
+        <a:xfrm>
+          <a:off x="0" y="0"/>
+          <a:ext cx="0" cy="0"/>
+          <a:chOff x="0" y="0"/>
+          <a:chExt cx="0" cy="0"/>
+        </a:xfrm>
+      </p:grpSpPr>
+      <p:sp>
+        <p:nvSpPr>
+          <p:cNvPr id="185" name="Google Shape;185;p6:notes"/>
+          <p:cNvSpPr txBox="1">
+            <a:spLocks noGrp="1"/>
+          </p:cNvSpPr>
+          <p:nvPr>
+            <p:ph type="body" idx="1"/>
+          </p:nvPr>
+        </p:nvSpPr>
+        <p:spPr>
+          <a:xfrm>
+            <a:off x="685800" y="4343400"/>
+            <a:ext cx="5486400" cy="4114800"/>
+          </a:xfrm>
+          <a:prstGeom prst="rect">
+            <a:avLst/>
+          </a:prstGeom>
+          <a:noFill/>
+          <a:ln>
+            <a:noFill/>
+          </a:ln>
+        </p:spPr>
+        <p:txBody>
+          <a:bodyPr spcFirstLastPara="1" wrap="square" lIns="91425" tIns="45700" rIns="91425" bIns="45700" anchor="t" anchorCtr="0">
+            <a:noAutofit/>
+          </a:bodyPr>
+          <a:lstStyle/>
+          <a:p>
+            <a:pPr marL="0" marR="0" lvl="0" indent="0" algn="l" rtl="0">
+              <a:lnSpc>
+                <a:spcPct val="100000"/>
+              </a:lnSpc>
+              <a:spcBef>
+                <a:spcPts val="0"/>
+              </a:spcBef>
+              <a:spcAft>
+                <a:spcPts val="0"/>
+              </a:spcAft>
+              <a:buClr>
+                <a:srgbClr val="000000"/>
+              </a:buClr>
+              <a:buSzPts val="1400"/>
+              <a:buFont typeface="Arial"/>
+              <a:buNone/>
+            </a:pPr>
+            <a:endParaRPr sz="1200" b="0" i="0" u="none" strike="noStrike" cap="none">
+              <a:solidFill>
+                <a:schemeClr val="dk1"/>
+              </a:solidFill>
+              <a:latin typeface="Calibri"/>
+              <a:ea typeface="Calibri"/>
+              <a:cs typeface="Calibri"/>
+              <a:sym typeface="Calibri"/>
+            </a:endParaRPr>
+          </a:p>
+        </p:txBody>
+      </p:sp>
+      <p:sp>
+        <p:nvSpPr>
+          <p:cNvPr id="186" name="Google Shape;186;p6:notes"/>
+          <p:cNvSpPr>
+            <a:spLocks noGrp="1" noRot="1" noChangeAspect="1"/>
+          </p:cNvSpPr>
+          <p:nvPr>
+            <p:ph type="sldImg" idx="2"/>
+          </p:nvPr>
+        </p:nvSpPr>
+        <p:spPr>
+          <a:xfrm>
+            <a:off x="1143000" y="685800"/>
+            <a:ext cx="4572000" cy="3429000"/>
+          </a:xfrm>
+          <a:custGeom>
+            <a:avLst/>
+            <a:gdLst/>
+            <a:ahLst/>
+            <a:cxnLst/>
+            <a:rect l="l" t="t" r="r" b="b"/>
+            <a:pathLst>
+              <a:path w="120000" h="120000" extrusionOk="0">
+                <a:moveTo>
+                  <a:pt x="0" y="0"/>
+                </a:moveTo>
+                <a:lnTo>
+                  <a:pt x="120000" y="0"/>
+                </a:lnTo>
+                <a:lnTo>
+                  <a:pt x="120000" y="120000"/>
+                </a:lnTo>
+                <a:lnTo>
+                  <a:pt x="0" y="120000"/>
+                </a:lnTo>
+                <a:close/>
+              </a:path>
+            </a:pathLst>
+          </a:custGeom>
+          <a:noFill/>
+          <a:ln w="12700" cap="flat" cmpd="sng">
+            <a:solidFill>
+              <a:srgbClr val="000000"/>
+            </a:solidFill>
+            <a:prstDash val="solid"/>
+            <a:round/>
+            <a:headEnd type="none" w="sm" len="sm"/>
+            <a:tailEnd type="none" w="sm" len="sm"/>
+          </a:ln>
+        </p:spPr>
+      </p:sp>
+    </p:spTree>
+    <p:extLst>
+      <p:ext uri="{BB962C8B-B14F-4D97-AF65-F5344CB8AC3E}">
         <p14:creationId xmlns:p14="http://schemas.microsoft.com/office/powerpoint/2010/main" val="1477679960"/>
       </p:ext>
     </p:extLst>
@@ -2025,7 +2722,7 @@
 </p:notes>
 </file>
 
-<file path=ppt/notesSlides/notesSlide11.xml><?xml version="1.0" encoding="utf-8"?>
+<file path=ppt/notesSlides/notesSlide6.xml><?xml version="1.0" encoding="utf-8"?>
 <p:notes xmlns:a="http://schemas.openxmlformats.org/drawingml/2006/main" xmlns:r="http://schemas.openxmlformats.org/officeDocument/2006/relationships" xmlns:p="http://schemas.openxmlformats.org/presentationml/2006/main" showMasterSp="0" showMasterPhAnim="0">
   <p:cSld>
     <p:spTree>
@@ -2159,7 +2856,7 @@
 </p:notes>
 </file>
 
-<file path=ppt/notesSlides/notesSlide12.xml><?xml version="1.0" encoding="utf-8"?>
+<file path=ppt/notesSlides/notesSlide7.xml><?xml version="1.0" encoding="utf-8"?>
 <p:notes xmlns:a="http://schemas.openxmlformats.org/drawingml/2006/main" xmlns:r="http://schemas.openxmlformats.org/officeDocument/2006/relationships" xmlns:p="http://schemas.openxmlformats.org/presentationml/2006/main" showMasterSp="0" showMasterPhAnim="0">
   <p:cSld>
     <p:spTree>
@@ -2296,7 +2993,7 @@
             </a:pPr>
             <a:fld id="{00000000-1234-1234-1234-123412341234}" type="slidenum">
               <a:rPr lang="es-ES"/>
-              <a:t>11</a:t>
+              <a:t>14</a:t>
             </a:fld>
             <a:endParaRPr/>
           </a:p>
@@ -2310,7 +3007,7 @@
 </p:notes>
 </file>
 
-<file path=ppt/notesSlides/notesSlide14.xml><?xml version="1.0" encoding="utf-8"?>
+<file path=ppt/notesSlides/notesSlide8.xml><?xml version="1.0" encoding="utf-8"?>
 <p:notes xmlns:a="http://schemas.openxmlformats.org/drawingml/2006/main" xmlns:r="http://schemas.openxmlformats.org/officeDocument/2006/relationships" xmlns:p="http://schemas.openxmlformats.org/presentationml/2006/main" showMasterSp="0" showMasterPhAnim="0">
   <p:cSld>
     <p:spTree>
@@ -2444,7 +3141,7 @@
 </p:notes>
 </file>
 
-<file path=ppt/notesSlides/notesSlide17.xml><?xml version="1.0" encoding="utf-8"?>
+<file path=ppt/notesSlides/notesSlide9.xml><?xml version="1.0" encoding="utf-8"?>
 <p:notes xmlns:a="http://schemas.openxmlformats.org/drawingml/2006/main" xmlns:r="http://schemas.openxmlformats.org/officeDocument/2006/relationships" xmlns:p="http://schemas.openxmlformats.org/presentationml/2006/main" showMasterSp="0" showMasterPhAnim="0">
   <p:cSld>
     <p:spTree>
@@ -2574,691 +3271,6 @@
     <p:extLst>
       <p:ext uri="{BB962C8B-B14F-4D97-AF65-F5344CB8AC3E}">
         <p14:creationId xmlns:p14="http://schemas.microsoft.com/office/powerpoint/2010/main" val="1330125259"/>
-      </p:ext>
-    </p:extLst>
-  </p:cSld>
-  <p:clrMapOvr>
-    <a:masterClrMapping/>
-  </p:clrMapOvr>
-</p:notes>
-</file>
-
-<file path=ppt/notesSlides/notesSlide2.xml><?xml version="1.0" encoding="utf-8"?>
-<p:notes xmlns:a="http://schemas.openxmlformats.org/drawingml/2006/main" xmlns:r="http://schemas.openxmlformats.org/officeDocument/2006/relationships" xmlns:p="http://schemas.openxmlformats.org/presentationml/2006/main" showMasterSp="0" showMasterPhAnim="0">
-  <p:cSld>
-    <p:spTree>
-      <p:nvGrpSpPr>
-        <p:cNvPr id="1" name="Shape 135"/>
-        <p:cNvGrpSpPr/>
-        <p:nvPr/>
-      </p:nvGrpSpPr>
-      <p:grpSpPr>
-        <a:xfrm>
-          <a:off x="0" y="0"/>
-          <a:ext cx="0" cy="0"/>
-          <a:chOff x="0" y="0"/>
-          <a:chExt cx="0" cy="0"/>
-        </a:xfrm>
-      </p:grpSpPr>
-      <p:sp>
-        <p:nvSpPr>
-          <p:cNvPr id="136" name="Google Shape;136;p2:notes"/>
-          <p:cNvSpPr txBox="1">
-            <a:spLocks noGrp="1"/>
-          </p:cNvSpPr>
-          <p:nvPr>
-            <p:ph type="body" idx="1"/>
-          </p:nvPr>
-        </p:nvSpPr>
-        <p:spPr>
-          <a:xfrm>
-            <a:off x="685800" y="4343400"/>
-            <a:ext cx="5486400" cy="4114800"/>
-          </a:xfrm>
-          <a:prstGeom prst="rect">
-            <a:avLst/>
-          </a:prstGeom>
-          <a:noFill/>
-          <a:ln>
-            <a:noFill/>
-          </a:ln>
-        </p:spPr>
-        <p:txBody>
-          <a:bodyPr spcFirstLastPara="1" wrap="square" lIns="91425" tIns="45700" rIns="91425" bIns="45700" anchor="t" anchorCtr="0">
-            <a:noAutofit/>
-          </a:bodyPr>
-          <a:lstStyle/>
-          <a:p>
-            <a:pPr marL="0" marR="0" lvl="0" indent="0" algn="l" rtl="0">
-              <a:lnSpc>
-                <a:spcPct val="100000"/>
-              </a:lnSpc>
-              <a:spcBef>
-                <a:spcPts val="0"/>
-              </a:spcBef>
-              <a:spcAft>
-                <a:spcPts val="0"/>
-              </a:spcAft>
-              <a:buClr>
-                <a:srgbClr val="000000"/>
-              </a:buClr>
-              <a:buSzPts val="1400"/>
-              <a:buFont typeface="Arial"/>
-              <a:buNone/>
-            </a:pPr>
-            <a:endParaRPr sz="1200" b="0" i="0" u="none" strike="noStrike" cap="none">
-              <a:solidFill>
-                <a:schemeClr val="dk1"/>
-              </a:solidFill>
-              <a:latin typeface="Calibri"/>
-              <a:ea typeface="Calibri"/>
-              <a:cs typeface="Calibri"/>
-              <a:sym typeface="Calibri"/>
-            </a:endParaRPr>
-          </a:p>
-        </p:txBody>
-      </p:sp>
-      <p:sp>
-        <p:nvSpPr>
-          <p:cNvPr id="137" name="Google Shape;137;p2:notes"/>
-          <p:cNvSpPr>
-            <a:spLocks noGrp="1" noRot="1" noChangeAspect="1"/>
-          </p:cNvSpPr>
-          <p:nvPr>
-            <p:ph type="sldImg" idx="2"/>
-          </p:nvPr>
-        </p:nvSpPr>
-        <p:spPr>
-          <a:xfrm>
-            <a:off x="1143000" y="685800"/>
-            <a:ext cx="4572000" cy="3429000"/>
-          </a:xfrm>
-          <a:custGeom>
-            <a:avLst/>
-            <a:gdLst/>
-            <a:ahLst/>
-            <a:cxnLst/>
-            <a:rect l="l" t="t" r="r" b="b"/>
-            <a:pathLst>
-              <a:path w="120000" h="120000" extrusionOk="0">
-                <a:moveTo>
-                  <a:pt x="0" y="0"/>
-                </a:moveTo>
-                <a:lnTo>
-                  <a:pt x="120000" y="0"/>
-                </a:lnTo>
-                <a:lnTo>
-                  <a:pt x="120000" y="120000"/>
-                </a:lnTo>
-                <a:lnTo>
-                  <a:pt x="0" y="120000"/>
-                </a:lnTo>
-                <a:close/>
-              </a:path>
-            </a:pathLst>
-          </a:custGeom>
-          <a:noFill/>
-          <a:ln w="12700" cap="flat" cmpd="sng">
-            <a:solidFill>
-              <a:srgbClr val="000000"/>
-            </a:solidFill>
-            <a:prstDash val="solid"/>
-            <a:round/>
-            <a:headEnd type="none" w="sm" len="sm"/>
-            <a:tailEnd type="none" w="sm" len="sm"/>
-          </a:ln>
-        </p:spPr>
-      </p:sp>
-    </p:spTree>
-  </p:cSld>
-  <p:clrMapOvr>
-    <a:masterClrMapping/>
-  </p:clrMapOvr>
-</p:notes>
-</file>
-
-<file path=ppt/notesSlides/notesSlide26.xml><?xml version="1.0" encoding="utf-8"?>
-<p:notes xmlns:a="http://schemas.openxmlformats.org/drawingml/2006/main" xmlns:r="http://schemas.openxmlformats.org/officeDocument/2006/relationships" xmlns:p="http://schemas.openxmlformats.org/presentationml/2006/main" showMasterSp="0" showMasterPhAnim="0">
-  <p:cSld>
-    <p:spTree>
-      <p:nvGrpSpPr>
-        <p:cNvPr id="1" name="Shape 184"/>
-        <p:cNvGrpSpPr/>
-        <p:nvPr/>
-      </p:nvGrpSpPr>
-      <p:grpSpPr>
-        <a:xfrm>
-          <a:off x="0" y="0"/>
-          <a:ext cx="0" cy="0"/>
-          <a:chOff x="0" y="0"/>
-          <a:chExt cx="0" cy="0"/>
-        </a:xfrm>
-      </p:grpSpPr>
-      <p:sp>
-        <p:nvSpPr>
-          <p:cNvPr id="185" name="Google Shape;185;p6:notes"/>
-          <p:cNvSpPr txBox="1">
-            <a:spLocks noGrp="1"/>
-          </p:cNvSpPr>
-          <p:nvPr>
-            <p:ph type="body" idx="1"/>
-          </p:nvPr>
-        </p:nvSpPr>
-        <p:spPr>
-          <a:xfrm>
-            <a:off x="685800" y="4343400"/>
-            <a:ext cx="5486400" cy="4114800"/>
-          </a:xfrm>
-          <a:prstGeom prst="rect">
-            <a:avLst/>
-          </a:prstGeom>
-          <a:noFill/>
-          <a:ln>
-            <a:noFill/>
-          </a:ln>
-        </p:spPr>
-        <p:txBody>
-          <a:bodyPr spcFirstLastPara="1" wrap="square" lIns="91425" tIns="45700" rIns="91425" bIns="45700" anchor="t" anchorCtr="0">
-            <a:noAutofit/>
-          </a:bodyPr>
-          <a:lstStyle/>
-          <a:p>
-            <a:pPr marL="0" marR="0" lvl="0" indent="0" algn="l" rtl="0">
-              <a:lnSpc>
-                <a:spcPct val="100000"/>
-              </a:lnSpc>
-              <a:spcBef>
-                <a:spcPts val="0"/>
-              </a:spcBef>
-              <a:spcAft>
-                <a:spcPts val="0"/>
-              </a:spcAft>
-              <a:buClr>
-                <a:srgbClr val="000000"/>
-              </a:buClr>
-              <a:buSzPts val="1400"/>
-              <a:buFont typeface="Arial"/>
-              <a:buNone/>
-            </a:pPr>
-            <a:endParaRPr sz="1200" b="0" i="0" u="none" strike="noStrike" cap="none">
-              <a:solidFill>
-                <a:schemeClr val="dk1"/>
-              </a:solidFill>
-              <a:latin typeface="Calibri"/>
-              <a:ea typeface="Calibri"/>
-              <a:cs typeface="Calibri"/>
-              <a:sym typeface="Calibri"/>
-            </a:endParaRPr>
-          </a:p>
-        </p:txBody>
-      </p:sp>
-      <p:sp>
-        <p:nvSpPr>
-          <p:cNvPr id="186" name="Google Shape;186;p6:notes"/>
-          <p:cNvSpPr>
-            <a:spLocks noGrp="1" noRot="1" noChangeAspect="1"/>
-          </p:cNvSpPr>
-          <p:nvPr>
-            <p:ph type="sldImg" idx="2"/>
-          </p:nvPr>
-        </p:nvSpPr>
-        <p:spPr>
-          <a:xfrm>
-            <a:off x="1143000" y="685800"/>
-            <a:ext cx="4572000" cy="3429000"/>
-          </a:xfrm>
-          <a:custGeom>
-            <a:avLst/>
-            <a:gdLst/>
-            <a:ahLst/>
-            <a:cxnLst/>
-            <a:rect l="l" t="t" r="r" b="b"/>
-            <a:pathLst>
-              <a:path w="120000" h="120000" extrusionOk="0">
-                <a:moveTo>
-                  <a:pt x="0" y="0"/>
-                </a:moveTo>
-                <a:lnTo>
-                  <a:pt x="120000" y="0"/>
-                </a:lnTo>
-                <a:lnTo>
-                  <a:pt x="120000" y="120000"/>
-                </a:lnTo>
-                <a:lnTo>
-                  <a:pt x="0" y="120000"/>
-                </a:lnTo>
-                <a:close/>
-              </a:path>
-            </a:pathLst>
-          </a:custGeom>
-          <a:noFill/>
-          <a:ln w="12700" cap="flat" cmpd="sng">
-            <a:solidFill>
-              <a:srgbClr val="000000"/>
-            </a:solidFill>
-            <a:prstDash val="solid"/>
-            <a:round/>
-            <a:headEnd type="none" w="sm" len="sm"/>
-            <a:tailEnd type="none" w="sm" len="sm"/>
-          </a:ln>
-        </p:spPr>
-      </p:sp>
-    </p:spTree>
-    <p:extLst>
-      <p:ext uri="{BB962C8B-B14F-4D97-AF65-F5344CB8AC3E}">
-        <p14:creationId xmlns:p14="http://schemas.microsoft.com/office/powerpoint/2010/main" val="2066430339"/>
-      </p:ext>
-    </p:extLst>
-  </p:cSld>
-  <p:clrMapOvr>
-    <a:masterClrMapping/>
-  </p:clrMapOvr>
-</p:notes>
-</file>
-
-<file path=ppt/notesSlides/notesSlide3.xml><?xml version="1.0" encoding="utf-8"?>
-<p:notes xmlns:a="http://schemas.openxmlformats.org/drawingml/2006/main" xmlns:r="http://schemas.openxmlformats.org/officeDocument/2006/relationships" xmlns:p="http://schemas.openxmlformats.org/presentationml/2006/main" showMasterSp="0" showMasterPhAnim="0">
-  <p:cSld>
-    <p:spTree>
-      <p:nvGrpSpPr>
-        <p:cNvPr id="1" name="Shape 135"/>
-        <p:cNvGrpSpPr/>
-        <p:nvPr/>
-      </p:nvGrpSpPr>
-      <p:grpSpPr>
-        <a:xfrm>
-          <a:off x="0" y="0"/>
-          <a:ext cx="0" cy="0"/>
-          <a:chOff x="0" y="0"/>
-          <a:chExt cx="0" cy="0"/>
-        </a:xfrm>
-      </p:grpSpPr>
-      <p:sp>
-        <p:nvSpPr>
-          <p:cNvPr id="136" name="Google Shape;136;p2:notes"/>
-          <p:cNvSpPr txBox="1">
-            <a:spLocks noGrp="1"/>
-          </p:cNvSpPr>
-          <p:nvPr>
-            <p:ph type="body" idx="1"/>
-          </p:nvPr>
-        </p:nvSpPr>
-        <p:spPr>
-          <a:xfrm>
-            <a:off x="685800" y="4343400"/>
-            <a:ext cx="5486400" cy="4114800"/>
-          </a:xfrm>
-          <a:prstGeom prst="rect">
-            <a:avLst/>
-          </a:prstGeom>
-          <a:noFill/>
-          <a:ln>
-            <a:noFill/>
-          </a:ln>
-        </p:spPr>
-        <p:txBody>
-          <a:bodyPr spcFirstLastPara="1" wrap="square" lIns="91425" tIns="45700" rIns="91425" bIns="45700" anchor="t" anchorCtr="0">
-            <a:noAutofit/>
-          </a:bodyPr>
-          <a:lstStyle/>
-          <a:p>
-            <a:pPr marL="0" marR="0" lvl="0" indent="0" algn="l" rtl="0">
-              <a:lnSpc>
-                <a:spcPct val="100000"/>
-              </a:lnSpc>
-              <a:spcBef>
-                <a:spcPts val="0"/>
-              </a:spcBef>
-              <a:spcAft>
-                <a:spcPts val="0"/>
-              </a:spcAft>
-              <a:buClr>
-                <a:srgbClr val="000000"/>
-              </a:buClr>
-              <a:buSzPts val="1400"/>
-              <a:buFont typeface="Arial"/>
-              <a:buNone/>
-            </a:pPr>
-            <a:endParaRPr sz="1200" b="0" i="0" u="none" strike="noStrike" cap="none">
-              <a:solidFill>
-                <a:schemeClr val="dk1"/>
-              </a:solidFill>
-              <a:latin typeface="Calibri"/>
-              <a:ea typeface="Calibri"/>
-              <a:cs typeface="Calibri"/>
-              <a:sym typeface="Calibri"/>
-            </a:endParaRPr>
-          </a:p>
-        </p:txBody>
-      </p:sp>
-      <p:sp>
-        <p:nvSpPr>
-          <p:cNvPr id="137" name="Google Shape;137;p2:notes"/>
-          <p:cNvSpPr>
-            <a:spLocks noGrp="1" noRot="1" noChangeAspect="1"/>
-          </p:cNvSpPr>
-          <p:nvPr>
-            <p:ph type="sldImg" idx="2"/>
-          </p:nvPr>
-        </p:nvSpPr>
-        <p:spPr>
-          <a:xfrm>
-            <a:off x="1143000" y="685800"/>
-            <a:ext cx="4572000" cy="3429000"/>
-          </a:xfrm>
-          <a:custGeom>
-            <a:avLst/>
-            <a:gdLst/>
-            <a:ahLst/>
-            <a:cxnLst/>
-            <a:rect l="l" t="t" r="r" b="b"/>
-            <a:pathLst>
-              <a:path w="120000" h="120000" extrusionOk="0">
-                <a:moveTo>
-                  <a:pt x="0" y="0"/>
-                </a:moveTo>
-                <a:lnTo>
-                  <a:pt x="120000" y="0"/>
-                </a:lnTo>
-                <a:lnTo>
-                  <a:pt x="120000" y="120000"/>
-                </a:lnTo>
-                <a:lnTo>
-                  <a:pt x="0" y="120000"/>
-                </a:lnTo>
-                <a:close/>
-              </a:path>
-            </a:pathLst>
-          </a:custGeom>
-          <a:noFill/>
-          <a:ln w="12700" cap="flat" cmpd="sng">
-            <a:solidFill>
-              <a:srgbClr val="000000"/>
-            </a:solidFill>
-            <a:prstDash val="solid"/>
-            <a:round/>
-            <a:headEnd type="none" w="sm" len="sm"/>
-            <a:tailEnd type="none" w="sm" len="sm"/>
-          </a:ln>
-        </p:spPr>
-      </p:sp>
-    </p:spTree>
-    <p:extLst>
-      <p:ext uri="{BB962C8B-B14F-4D97-AF65-F5344CB8AC3E}">
-        <p14:creationId xmlns:p14="http://schemas.microsoft.com/office/powerpoint/2010/main" val="2050617391"/>
-      </p:ext>
-    </p:extLst>
-  </p:cSld>
-  <p:clrMapOvr>
-    <a:masterClrMapping/>
-  </p:clrMapOvr>
-</p:notes>
-</file>
-
-<file path=ppt/notesSlides/notesSlide34.xml><?xml version="1.0" encoding="utf-8"?>
-<p:notes xmlns:a="http://schemas.openxmlformats.org/drawingml/2006/main" xmlns:r="http://schemas.openxmlformats.org/officeDocument/2006/relationships" xmlns:p="http://schemas.openxmlformats.org/presentationml/2006/main" showMasterSp="0" showMasterPhAnim="0">
-  <p:cSld>
-    <p:spTree>
-      <p:nvGrpSpPr>
-        <p:cNvPr id="1" name="Shape 509"/>
-        <p:cNvGrpSpPr/>
-        <p:nvPr/>
-      </p:nvGrpSpPr>
-      <p:grpSpPr>
-        <a:xfrm>
-          <a:off x="0" y="0"/>
-          <a:ext cx="0" cy="0"/>
-          <a:chOff x="0" y="0"/>
-          <a:chExt cx="0" cy="0"/>
-        </a:xfrm>
-      </p:grpSpPr>
-      <p:sp>
-        <p:nvSpPr>
-          <p:cNvPr id="510" name="Google Shape;510;p40:notes"/>
-          <p:cNvSpPr txBox="1">
-            <a:spLocks noGrp="1"/>
-          </p:cNvSpPr>
-          <p:nvPr>
-            <p:ph type="body" idx="1"/>
-          </p:nvPr>
-        </p:nvSpPr>
-        <p:spPr>
-          <a:xfrm>
-            <a:off x="685800" y="4343400"/>
-            <a:ext cx="5486400" cy="4114800"/>
-          </a:xfrm>
-          <a:prstGeom prst="rect">
-            <a:avLst/>
-          </a:prstGeom>
-          <a:noFill/>
-          <a:ln>
-            <a:noFill/>
-          </a:ln>
-        </p:spPr>
-        <p:txBody>
-          <a:bodyPr spcFirstLastPara="1" wrap="square" lIns="91425" tIns="45700" rIns="91425" bIns="45700" anchor="t" anchorCtr="0">
-            <a:noAutofit/>
-          </a:bodyPr>
-          <a:lstStyle/>
-          <a:p>
-            <a:pPr marL="0" marR="0" lvl="0" indent="0" algn="l" rtl="0">
-              <a:lnSpc>
-                <a:spcPct val="100000"/>
-              </a:lnSpc>
-              <a:spcBef>
-                <a:spcPts val="0"/>
-              </a:spcBef>
-              <a:spcAft>
-                <a:spcPts val="0"/>
-              </a:spcAft>
-              <a:buClr>
-                <a:srgbClr val="000000"/>
-              </a:buClr>
-              <a:buSzPts val="1400"/>
-              <a:buFont typeface="Arial"/>
-              <a:buNone/>
-            </a:pPr>
-            <a:endParaRPr sz="1200" b="0" i="0" u="none" strike="noStrike" cap="none">
-              <a:solidFill>
-                <a:schemeClr val="dk1"/>
-              </a:solidFill>
-              <a:latin typeface="Calibri"/>
-              <a:ea typeface="Calibri"/>
-              <a:cs typeface="Calibri"/>
-              <a:sym typeface="Calibri"/>
-            </a:endParaRPr>
-          </a:p>
-        </p:txBody>
-      </p:sp>
-      <p:sp>
-        <p:nvSpPr>
-          <p:cNvPr id="511" name="Google Shape;511;p40:notes"/>
-          <p:cNvSpPr>
-            <a:spLocks noGrp="1" noRot="1" noChangeAspect="1"/>
-          </p:cNvSpPr>
-          <p:nvPr>
-            <p:ph type="sldImg" idx="2"/>
-          </p:nvPr>
-        </p:nvSpPr>
-        <p:spPr>
-          <a:xfrm>
-            <a:off x="1143000" y="685800"/>
-            <a:ext cx="4572000" cy="3429000"/>
-          </a:xfrm>
-          <a:custGeom>
-            <a:avLst/>
-            <a:gdLst/>
-            <a:ahLst/>
-            <a:cxnLst/>
-            <a:rect l="l" t="t" r="r" b="b"/>
-            <a:pathLst>
-              <a:path w="120000" h="120000" extrusionOk="0">
-                <a:moveTo>
-                  <a:pt x="0" y="0"/>
-                </a:moveTo>
-                <a:lnTo>
-                  <a:pt x="120000" y="0"/>
-                </a:lnTo>
-                <a:lnTo>
-                  <a:pt x="120000" y="120000"/>
-                </a:lnTo>
-                <a:lnTo>
-                  <a:pt x="0" y="120000"/>
-                </a:lnTo>
-                <a:close/>
-              </a:path>
-            </a:pathLst>
-          </a:custGeom>
-          <a:noFill/>
-          <a:ln w="12700" cap="flat" cmpd="sng">
-            <a:solidFill>
-              <a:srgbClr val="000000"/>
-            </a:solidFill>
-            <a:prstDash val="solid"/>
-            <a:round/>
-            <a:headEnd type="none" w="sm" len="sm"/>
-            <a:tailEnd type="none" w="sm" len="sm"/>
-          </a:ln>
-        </p:spPr>
-      </p:sp>
-    </p:spTree>
-  </p:cSld>
-  <p:clrMapOvr>
-    <a:masterClrMapping/>
-  </p:clrMapOvr>
-</p:notes>
-</file>
-
-<file path=ppt/notesSlides/notesSlide4.xml><?xml version="1.0" encoding="utf-8"?>
-<p:notes xmlns:a="http://schemas.openxmlformats.org/drawingml/2006/main" xmlns:r="http://schemas.openxmlformats.org/officeDocument/2006/relationships" xmlns:p="http://schemas.openxmlformats.org/presentationml/2006/main" showMasterSp="0" showMasterPhAnim="0">
-  <p:cSld>
-    <p:spTree>
-      <p:nvGrpSpPr>
-        <p:cNvPr id="1" name="Shape 135"/>
-        <p:cNvGrpSpPr/>
-        <p:nvPr/>
-      </p:nvGrpSpPr>
-      <p:grpSpPr>
-        <a:xfrm>
-          <a:off x="0" y="0"/>
-          <a:ext cx="0" cy="0"/>
-          <a:chOff x="0" y="0"/>
-          <a:chExt cx="0" cy="0"/>
-        </a:xfrm>
-      </p:grpSpPr>
-      <p:sp>
-        <p:nvSpPr>
-          <p:cNvPr id="136" name="Google Shape;136;p2:notes"/>
-          <p:cNvSpPr txBox="1">
-            <a:spLocks noGrp="1"/>
-          </p:cNvSpPr>
-          <p:nvPr>
-            <p:ph type="body" idx="1"/>
-          </p:nvPr>
-        </p:nvSpPr>
-        <p:spPr>
-          <a:xfrm>
-            <a:off x="685800" y="4343400"/>
-            <a:ext cx="5486400" cy="4114800"/>
-          </a:xfrm>
-          <a:prstGeom prst="rect">
-            <a:avLst/>
-          </a:prstGeom>
-          <a:noFill/>
-          <a:ln>
-            <a:noFill/>
-          </a:ln>
-        </p:spPr>
-        <p:txBody>
-          <a:bodyPr spcFirstLastPara="1" wrap="square" lIns="91425" tIns="45700" rIns="91425" bIns="45700" anchor="t" anchorCtr="0">
-            <a:noAutofit/>
-          </a:bodyPr>
-          <a:lstStyle/>
-          <a:p>
-            <a:pPr marL="0" marR="0" lvl="0" indent="0" algn="l" rtl="0">
-              <a:lnSpc>
-                <a:spcPct val="100000"/>
-              </a:lnSpc>
-              <a:spcBef>
-                <a:spcPts val="0"/>
-              </a:spcBef>
-              <a:spcAft>
-                <a:spcPts val="0"/>
-              </a:spcAft>
-              <a:buClr>
-                <a:srgbClr val="000000"/>
-              </a:buClr>
-              <a:buSzPts val="1400"/>
-              <a:buFont typeface="Arial"/>
-              <a:buNone/>
-            </a:pPr>
-            <a:endParaRPr sz="1200" b="0" i="0" u="none" strike="noStrike" cap="none">
-              <a:solidFill>
-                <a:schemeClr val="dk1"/>
-              </a:solidFill>
-              <a:latin typeface="Calibri"/>
-              <a:ea typeface="Calibri"/>
-              <a:cs typeface="Calibri"/>
-              <a:sym typeface="Calibri"/>
-            </a:endParaRPr>
-          </a:p>
-        </p:txBody>
-      </p:sp>
-      <p:sp>
-        <p:nvSpPr>
-          <p:cNvPr id="137" name="Google Shape;137;p2:notes"/>
-          <p:cNvSpPr>
-            <a:spLocks noGrp="1" noRot="1" noChangeAspect="1"/>
-          </p:cNvSpPr>
-          <p:nvPr>
-            <p:ph type="sldImg" idx="2"/>
-          </p:nvPr>
-        </p:nvSpPr>
-        <p:spPr>
-          <a:xfrm>
-            <a:off x="1143000" y="685800"/>
-            <a:ext cx="4572000" cy="3429000"/>
-          </a:xfrm>
-          <a:custGeom>
-            <a:avLst/>
-            <a:gdLst/>
-            <a:ahLst/>
-            <a:cxnLst/>
-            <a:rect l="l" t="t" r="r" b="b"/>
-            <a:pathLst>
-              <a:path w="120000" h="120000" extrusionOk="0">
-                <a:moveTo>
-                  <a:pt x="0" y="0"/>
-                </a:moveTo>
-                <a:lnTo>
-                  <a:pt x="120000" y="0"/>
-                </a:lnTo>
-                <a:lnTo>
-                  <a:pt x="120000" y="120000"/>
-                </a:lnTo>
-                <a:lnTo>
-                  <a:pt x="0" y="120000"/>
-                </a:lnTo>
-                <a:close/>
-              </a:path>
-            </a:pathLst>
-          </a:custGeom>
-          <a:noFill/>
-          <a:ln w="12700" cap="flat" cmpd="sng">
-            <a:solidFill>
-              <a:srgbClr val="000000"/>
-            </a:solidFill>
-            <a:prstDash val="solid"/>
-            <a:round/>
-            <a:headEnd type="none" w="sm" len="sm"/>
-            <a:tailEnd type="none" w="sm" len="sm"/>
-          </a:ln>
-        </p:spPr>
-      </p:sp>
-    </p:spTree>
-    <p:extLst>
-      <p:ext uri="{BB962C8B-B14F-4D97-AF65-F5344CB8AC3E}">
-        <p14:creationId xmlns:p14="http://schemas.microsoft.com/office/powerpoint/2010/main" val="1756815241"/>
       </p:ext>
     </p:extLst>
   </p:cSld>
@@ -18041,6 +18053,1097 @@
   <p:cSld>
     <p:spTree>
       <p:nvGrpSpPr>
+        <p:cNvPr id="1" name=""/>
+        <p:cNvGrpSpPr/>
+        <p:nvPr/>
+      </p:nvGrpSpPr>
+      <p:grpSpPr>
+        <a:xfrm>
+          <a:off x="0" y="0"/>
+          <a:ext cx="0" cy="0"/>
+          <a:chOff x="0" y="0"/>
+          <a:chExt cx="0" cy="0"/>
+        </a:xfrm>
+      </p:grpSpPr>
+      <p:sp>
+        <p:nvSpPr>
+          <p:cNvPr id="2" name="Google 1"/>
+          <p:cNvSpPr>
+            <a:spLocks/>
+          </p:cNvSpPr>
+          <p:nvPr/>
+        </p:nvSpPr>
+        <p:spPr>
+          <a:xfrm>
+            <a:off x="0" y="512445"/>
+            <a:ext cx="9271635" cy="1042035"/>
+          </a:xfrm>
+          <a:prstGeom prst="rect">
+            <a:avLst/>
+          </a:prstGeom>
+          <a:noFill/>
+          <a:ln w="0">
+            <a:noFill/>
+            <a:prstDash/>
+          </a:ln>
+        </p:spPr>
+        <p:txBody>
+          <a:bodyPr vert="horz" wrap="square" lIns="91440" tIns="45720" rIns="91440" bIns="45720" numCol="1" anchor="t">
+            <a:noAutofit/>
+          </a:bodyPr>
+          <a:lstStyle/>
+          <a:p>
+            <a:pPr marL="0" indent="0" algn="ctr" defTabSz="508000">
+              <a:lnSpc>
+                <a:spcPct val="114999"/>
+              </a:lnSpc>
+              <a:spcBef>
+                <a:spcPts val="0"/>
+              </a:spcBef>
+              <a:spcAft>
+                <a:spcPts val="0"/>
+              </a:spcAft>
+              <a:buFontTx/>
+              <a:buNone/>
+            </a:pPr>
+            <a:r>
+              <a:rPr lang="es-ES" sz="4000" b="1" i="0" strike="noStrike" cap="none">
+                <a:solidFill>
+                  <a:schemeClr val="bg1"/>
+                </a:solidFill>
+                <a:effectLst>
+                  <a:glow rad="101600">
+                    <a:srgbClr val="002060">
+                      <a:alpha val="60052"/>
+                    </a:srgbClr>
+                  </a:glow>
+                </a:effectLst>
+                <a:latin typeface="Segoe UI" charset="0"/>
+                <a:ea typeface="Segoe UI" charset="0"/>
+                <a:cs typeface="Segoe UI" charset="0"/>
+              </a:rPr>
+              <a:t>TABLA DE CONTENIDO </a:t>
+            </a:r>
+            <a:endParaRPr lang="ko-KR" altLang="en-US" sz="4000" b="1" i="0" strike="noStrike" cap="none">
+              <a:solidFill>
+                <a:schemeClr val="bg1"/>
+              </a:solidFill>
+              <a:latin typeface="Segoe UI" charset="0"/>
+              <a:ea typeface="Segoe UI" charset="0"/>
+              <a:cs typeface="Segoe UI" charset="0"/>
+            </a:endParaRPr>
+          </a:p>
+        </p:txBody>
+      </p:sp>
+      <p:sp>
+        <p:nvSpPr>
+          <p:cNvPr id="3" name="CuadroTexto 2"/>
+          <p:cNvSpPr txBox="1">
+            <a:spLocks/>
+          </p:cNvSpPr>
+          <p:nvPr/>
+        </p:nvSpPr>
+        <p:spPr>
+          <a:xfrm>
+            <a:off x="605790" y="1998979"/>
+            <a:ext cx="7864475" cy="2616101"/>
+          </a:xfrm>
+          <a:prstGeom prst="rect">
+            <a:avLst/>
+          </a:prstGeom>
+          <a:noFill/>
+        </p:spPr>
+        <p:txBody>
+          <a:bodyPr vert="horz" wrap="square" lIns="91440" tIns="45720" rIns="91440" bIns="45720" numCol="1" anchor="t">
+            <a:spAutoFit/>
+          </a:bodyPr>
+          <a:lstStyle/>
+          <a:p>
+            <a:pPr algn="l" defTabSz="508000">
+              <a:lnSpc>
+                <a:spcPct val="100000"/>
+              </a:lnSpc>
+              <a:spcBef>
+                <a:spcPts val="0"/>
+              </a:spcBef>
+              <a:spcAft>
+                <a:spcPts val="0"/>
+              </a:spcAft>
+              <a:buClr>
+                <a:srgbClr val="000000"/>
+              </a:buClr>
+            </a:pPr>
+            <a:endParaRPr lang="ko-KR" altLang="en-US" sz="2800" b="0" i="0" strike="noStrike" cap="none" dirty="0">
+              <a:solidFill>
+                <a:schemeClr val="tx1">
+                  <a:lumMod val="65000"/>
+                  <a:lumOff val="35000"/>
+                </a:schemeClr>
+              </a:solidFill>
+              <a:latin typeface="Arial Rounded MT Bold" charset="0"/>
+              <a:ea typeface="Arial Rounded MT Bold" charset="0"/>
+              <a:cs typeface="Segoe UI" charset="0"/>
+            </a:endParaRPr>
+          </a:p>
+          <a:p>
+            <a:pPr algn="ctr" defTabSz="508000"/>
+            <a:r>
+              <a:rPr lang="es-CO" sz="2800" dirty="0">
+                <a:solidFill>
+                  <a:schemeClr val="accent5">
+                    <a:lumMod val="75000"/>
+                  </a:schemeClr>
+                </a:solidFill>
+                <a:effectLst>
+                  <a:glow rad="228600">
+                    <a:schemeClr val="accent1">
+                      <a:satMod val="175000"/>
+                      <a:alpha val="40000"/>
+                    </a:schemeClr>
+                  </a:glow>
+                </a:effectLst>
+                <a:latin typeface="Arial Rounded MT Bold" panose="020F0704030504030204" pitchFamily="34" charset="0"/>
+              </a:rPr>
+              <a:t>FRONTEND</a:t>
+            </a:r>
+            <a:endParaRPr lang="ko-KR" altLang="en-US" sz="2800" dirty="0">
+              <a:solidFill>
+                <a:schemeClr val="accent5">
+                  <a:lumMod val="75000"/>
+                </a:schemeClr>
+              </a:solidFill>
+              <a:effectLst>
+                <a:glow rad="228600">
+                  <a:schemeClr val="accent1">
+                    <a:satMod val="175000"/>
+                    <a:alpha val="40000"/>
+                  </a:schemeClr>
+                </a:glow>
+              </a:effectLst>
+              <a:latin typeface="Arial Rounded MT Bold" panose="020F0704030504030204" pitchFamily="34" charset="0"/>
+            </a:endParaRPr>
+          </a:p>
+          <a:p>
+            <a:pPr marL="285750" indent="-285750" algn="l" defTabSz="508000">
+              <a:lnSpc>
+                <a:spcPct val="100000"/>
+              </a:lnSpc>
+              <a:spcBef>
+                <a:spcPts val="0"/>
+              </a:spcBef>
+              <a:spcAft>
+                <a:spcPts val="0"/>
+              </a:spcAft>
+              <a:buClr>
+                <a:srgbClr val="000000"/>
+              </a:buClr>
+              <a:buFont typeface="Arial"/>
+              <a:buChar char="•"/>
+            </a:pPr>
+            <a:endParaRPr lang="ko-KR" altLang="en-US" sz="2800" b="0" i="0" strike="noStrike" cap="none" dirty="0">
+              <a:solidFill>
+                <a:schemeClr val="tx1">
+                  <a:lumMod val="65000"/>
+                  <a:lumOff val="35000"/>
+                </a:schemeClr>
+              </a:solidFill>
+              <a:latin typeface="Arial Rounded MT Bold" charset="0"/>
+              <a:ea typeface="Arial Rounded MT Bold" charset="0"/>
+              <a:cs typeface="Segoe UI" charset="0"/>
+            </a:endParaRPr>
+          </a:p>
+          <a:p>
+            <a:pPr marL="285750" indent="-285750" algn="l" defTabSz="508000">
+              <a:lnSpc>
+                <a:spcPct val="100000"/>
+              </a:lnSpc>
+              <a:spcBef>
+                <a:spcPts val="0"/>
+              </a:spcBef>
+              <a:spcAft>
+                <a:spcPts val="0"/>
+              </a:spcAft>
+              <a:buClr>
+                <a:srgbClr val="000000"/>
+              </a:buClr>
+              <a:buFont typeface="Arial"/>
+              <a:buChar char="•"/>
+            </a:pPr>
+            <a:r>
+              <a:rPr lang="es-CO" altLang="ko-KR" sz="2800" dirty="0">
+                <a:solidFill>
+                  <a:schemeClr val="tx1">
+                    <a:lumMod val="65000"/>
+                    <a:lumOff val="35000"/>
+                  </a:schemeClr>
+                </a:solidFill>
+                <a:latin typeface="Segoe UI" charset="0"/>
+                <a:ea typeface="Segoe UI" charset="0"/>
+                <a:cs typeface="Segoe UI" charset="0"/>
+              </a:rPr>
+              <a:t>Mockups y </a:t>
+            </a:r>
+            <a:r>
+              <a:rPr lang="es-CO" altLang="ko-KR" sz="2800" dirty="0" err="1">
+                <a:solidFill>
+                  <a:schemeClr val="tx1">
+                    <a:lumMod val="65000"/>
+                    <a:lumOff val="35000"/>
+                  </a:schemeClr>
+                </a:solidFill>
+                <a:latin typeface="Segoe UI" charset="0"/>
+                <a:ea typeface="Segoe UI" charset="0"/>
+                <a:cs typeface="Segoe UI" charset="0"/>
+              </a:rPr>
+              <a:t>Wireframes</a:t>
+            </a:r>
+            <a:r>
+              <a:rPr lang="es-CO" altLang="ko-KR" sz="2800" dirty="0">
+                <a:solidFill>
+                  <a:schemeClr val="tx1">
+                    <a:lumMod val="65000"/>
+                    <a:lumOff val="35000"/>
+                  </a:schemeClr>
+                </a:solidFill>
+                <a:latin typeface="Segoe UI" charset="0"/>
+                <a:ea typeface="Segoe UI" charset="0"/>
+                <a:cs typeface="Segoe UI" charset="0"/>
+              </a:rPr>
+              <a:t>.</a:t>
+            </a:r>
+          </a:p>
+          <a:p>
+            <a:pPr marL="285750" indent="-285750" algn="l" defTabSz="508000">
+              <a:lnSpc>
+                <a:spcPct val="100000"/>
+              </a:lnSpc>
+              <a:spcBef>
+                <a:spcPts val="0"/>
+              </a:spcBef>
+              <a:spcAft>
+                <a:spcPts val="0"/>
+              </a:spcAft>
+              <a:buClr>
+                <a:srgbClr val="000000"/>
+              </a:buClr>
+              <a:buFont typeface="Arial"/>
+              <a:buChar char="•"/>
+            </a:pPr>
+            <a:r>
+              <a:rPr lang="es-CO" altLang="ko-KR" sz="2800" dirty="0">
+                <a:solidFill>
+                  <a:schemeClr val="tx1">
+                    <a:lumMod val="65000"/>
+                    <a:lumOff val="35000"/>
+                  </a:schemeClr>
+                </a:solidFill>
+                <a:latin typeface="Segoe UI" charset="0"/>
+                <a:ea typeface="Segoe UI" charset="0"/>
+                <a:cs typeface="Segoe UI" charset="0"/>
+              </a:rPr>
+              <a:t>Interacción del prototipo.</a:t>
+            </a:r>
+            <a:endParaRPr lang="ko-KR" altLang="en-US" sz="2400" b="0" i="0" strike="noStrike" cap="none" dirty="0">
+              <a:solidFill>
+                <a:schemeClr val="tx1">
+                  <a:lumMod val="65000"/>
+                  <a:lumOff val="35000"/>
+                </a:schemeClr>
+              </a:solidFill>
+              <a:latin typeface="Arial Rounded MT Bold" charset="0"/>
+              <a:ea typeface="Arial Rounded MT Bold" charset="0"/>
+              <a:cs typeface="Times New Roman" charset="0"/>
+            </a:endParaRPr>
+          </a:p>
+          <a:p>
+            <a:pPr marL="285750" indent="-285750" algn="l" defTabSz="508000">
+              <a:lnSpc>
+                <a:spcPct val="100000"/>
+              </a:lnSpc>
+              <a:spcBef>
+                <a:spcPts val="0"/>
+              </a:spcBef>
+              <a:spcAft>
+                <a:spcPts val="0"/>
+              </a:spcAft>
+              <a:buClr>
+                <a:srgbClr val="000000"/>
+              </a:buClr>
+              <a:buFont typeface="Arial"/>
+              <a:buChar char="•"/>
+            </a:pPr>
+            <a:endParaRPr lang="ko-KR" altLang="en-US" sz="2400" b="0" i="0" strike="noStrike" cap="none" dirty="0">
+              <a:solidFill>
+                <a:schemeClr val="tx1">
+                  <a:lumMod val="65000"/>
+                  <a:lumOff val="35000"/>
+                </a:schemeClr>
+              </a:solidFill>
+              <a:latin typeface="Arial Rounded MT Bold" charset="0"/>
+              <a:ea typeface="Arial Rounded MT Bold" charset="0"/>
+              <a:cs typeface="Times New Roman" charset="0"/>
+            </a:endParaRPr>
+          </a:p>
+        </p:txBody>
+      </p:sp>
+    </p:spTree>
+    <p:extLst>
+      <p:ext uri="{BB962C8B-B14F-4D97-AF65-F5344CB8AC3E}">
+        <p14:creationId xmlns:p14="http://schemas.microsoft.com/office/powerpoint/2010/main" val="3522136474"/>
+      </p:ext>
+    </p:extLst>
+  </p:cSld>
+  <p:clrMapOvr>
+    <a:masterClrMapping/>
+  </p:clrMapOvr>
+  <mc:AlternateContent xmlns:mc="http://schemas.openxmlformats.org/markup-compatibility/2006" xmlns:p14="http://schemas.microsoft.com/office/powerpoint/2010/main">
+    <mc:Choice Requires="p14">
+      <p:transition spd="slow">
+        <p:comb/>
+      </p:transition>
+    </mc:Choice>
+    <mc:Fallback xmlns="">
+      <p:transition spd="slow">
+        <p:comb dir="horz"/>
+      </p:transition>
+    </mc:Fallback>
+  </mc:AlternateContent>
+  <p:timing>
+    <p:tnLst>
+      <p:par>
+        <p:cTn id="1" dur="indefinite" restart="never" nodeType="tmRoot">
+          <p:childTnLst>
+            <p:seq concurrent="1" nextAc="seek">
+              <p:cTn id="2" dur="indefinite" nodeType="mainSeq">
+                <p:childTnLst>
+                  <p:par>
+                    <p:cTn id="3" fill="hold">
+                      <p:stCondLst>
+                        <p:cond delay="indefinite"/>
+                        <p:cond evt="begin" delay="0">
+                          <p:tn val="2"/>
+                        </p:cond>
+                      </p:stCondLst>
+                      <p:childTnLst>
+                        <p:par>
+                          <p:cTn id="4" fill="hold">
+                            <p:stCondLst>
+                              <p:cond delay="0"/>
+                            </p:stCondLst>
+                            <p:childTnLst>
+                              <p:par>
+                                <p:cTn id="5" presetID="22" presetClass="entr" presetSubtype="4" fill="hold" grpId="0" nodeType="afterEffect">
+                                  <p:stCondLst>
+                                    <p:cond delay="0"/>
+                                  </p:stCondLst>
+                                  <p:childTnLst>
+                                    <p:set>
+                                      <p:cBhvr>
+                                        <p:cTn id="6" dur="1" fill="hold">
+                                          <p:stCondLst>
+                                            <p:cond delay="0"/>
+                                          </p:stCondLst>
+                                        </p:cTn>
+                                        <p:tgtEl>
+                                          <p:spTgt spid="3"/>
+                                        </p:tgtEl>
+                                        <p:attrNameLst>
+                                          <p:attrName>style.visibility</p:attrName>
+                                        </p:attrNameLst>
+                                      </p:cBhvr>
+                                      <p:to>
+                                        <p:strVal val="visible"/>
+                                      </p:to>
+                                    </p:set>
+                                    <p:animEffect transition="in" filter="wipe(down)">
+                                      <p:cBhvr>
+                                        <p:cTn id="7" dur="500"/>
+                                        <p:tgtEl>
+                                          <p:spTgt spid="3"/>
+                                        </p:tgtEl>
+                                      </p:cBhvr>
+                                    </p:animEffect>
+                                  </p:childTnLst>
+                                </p:cTn>
+                              </p:par>
+                            </p:childTnLst>
+                          </p:cTn>
+                        </p:par>
+                      </p:childTnLst>
+                    </p:cTn>
+                  </p:par>
+                </p:childTnLst>
+              </p:cTn>
+              <p:prevCondLst>
+                <p:cond evt="onPrev" delay="0">
+                  <p:tgtEl>
+                    <p:sldTgt/>
+                  </p:tgtEl>
+                </p:cond>
+              </p:prevCondLst>
+              <p:nextCondLst>
+                <p:cond evt="onNext" delay="0">
+                  <p:tgtEl>
+                    <p:sldTgt/>
+                  </p:tgtEl>
+                </p:cond>
+              </p:nextCondLst>
+            </p:seq>
+          </p:childTnLst>
+        </p:cTn>
+      </p:par>
+    </p:tnLst>
+    <p:bldLst>
+      <p:bldP spid="3" grpId="0" animBg="1"/>
+    </p:bldLst>
+  </p:timing>
+</p:sld>
+</file>
+
+<file path=ppt/slides/slide11.xml><?xml version="1.0" encoding="utf-8"?>
+<p:sld xmlns:a="http://schemas.openxmlformats.org/drawingml/2006/main" xmlns:r="http://schemas.openxmlformats.org/officeDocument/2006/relationships" xmlns:p="http://schemas.openxmlformats.org/presentationml/2006/main">
+  <p:cSld>
+    <p:spTree>
+      <p:nvGrpSpPr>
+        <p:cNvPr id="1" name=""/>
+        <p:cNvGrpSpPr/>
+        <p:nvPr/>
+      </p:nvGrpSpPr>
+      <p:grpSpPr>
+        <a:xfrm>
+          <a:off x="0" y="0"/>
+          <a:ext cx="0" cy="0"/>
+          <a:chOff x="0" y="0"/>
+          <a:chExt cx="0" cy="0"/>
+        </a:xfrm>
+      </p:grpSpPr>
+      <p:sp>
+        <p:nvSpPr>
+          <p:cNvPr id="2" name="Google 1"/>
+          <p:cNvSpPr>
+            <a:spLocks/>
+          </p:cNvSpPr>
+          <p:nvPr/>
+        </p:nvSpPr>
+        <p:spPr>
+          <a:xfrm>
+            <a:off x="0" y="512445"/>
+            <a:ext cx="9271635" cy="1042035"/>
+          </a:xfrm>
+          <a:prstGeom prst="rect">
+            <a:avLst/>
+          </a:prstGeom>
+          <a:noFill/>
+          <a:ln w="0">
+            <a:noFill/>
+            <a:prstDash/>
+          </a:ln>
+        </p:spPr>
+        <p:txBody>
+          <a:bodyPr vert="horz" wrap="square" lIns="91440" tIns="45720" rIns="91440" bIns="45720" numCol="1" anchor="t">
+            <a:noAutofit/>
+          </a:bodyPr>
+          <a:lstStyle/>
+          <a:p>
+            <a:pPr marL="0" indent="0" algn="ctr" defTabSz="508000">
+              <a:lnSpc>
+                <a:spcPct val="114999"/>
+              </a:lnSpc>
+              <a:spcBef>
+                <a:spcPts val="0"/>
+              </a:spcBef>
+              <a:spcAft>
+                <a:spcPts val="0"/>
+              </a:spcAft>
+              <a:buFontTx/>
+              <a:buNone/>
+            </a:pPr>
+            <a:r>
+              <a:rPr lang="es-ES" sz="4000" b="1" i="0" strike="noStrike" cap="none">
+                <a:solidFill>
+                  <a:schemeClr val="bg1"/>
+                </a:solidFill>
+                <a:effectLst>
+                  <a:glow rad="101600">
+                    <a:srgbClr val="002060">
+                      <a:alpha val="60052"/>
+                    </a:srgbClr>
+                  </a:glow>
+                </a:effectLst>
+                <a:latin typeface="Segoe UI" charset="0"/>
+                <a:ea typeface="Segoe UI" charset="0"/>
+                <a:cs typeface="Segoe UI" charset="0"/>
+              </a:rPr>
+              <a:t>TABLA DE CONTENIDO </a:t>
+            </a:r>
+            <a:endParaRPr lang="ko-KR" altLang="en-US" sz="4000" b="1" i="0" strike="noStrike" cap="none">
+              <a:solidFill>
+                <a:schemeClr val="bg1"/>
+              </a:solidFill>
+              <a:latin typeface="Segoe UI" charset="0"/>
+              <a:ea typeface="Segoe UI" charset="0"/>
+              <a:cs typeface="Segoe UI" charset="0"/>
+            </a:endParaRPr>
+          </a:p>
+        </p:txBody>
+      </p:sp>
+      <p:sp>
+        <p:nvSpPr>
+          <p:cNvPr id="3" name="CuadroTexto 2"/>
+          <p:cNvSpPr txBox="1">
+            <a:spLocks/>
+          </p:cNvSpPr>
+          <p:nvPr/>
+        </p:nvSpPr>
+        <p:spPr>
+          <a:xfrm>
+            <a:off x="605790" y="1998979"/>
+            <a:ext cx="7864475" cy="5139869"/>
+          </a:xfrm>
+          <a:prstGeom prst="rect">
+            <a:avLst/>
+          </a:prstGeom>
+          <a:noFill/>
+        </p:spPr>
+        <p:txBody>
+          <a:bodyPr vert="horz" wrap="square" lIns="91440" tIns="45720" rIns="91440" bIns="45720" numCol="1" anchor="t">
+            <a:spAutoFit/>
+          </a:bodyPr>
+          <a:lstStyle/>
+          <a:p>
+            <a:pPr algn="l" defTabSz="508000">
+              <a:lnSpc>
+                <a:spcPct val="100000"/>
+              </a:lnSpc>
+              <a:spcBef>
+                <a:spcPts val="0"/>
+              </a:spcBef>
+              <a:spcAft>
+                <a:spcPts val="0"/>
+              </a:spcAft>
+              <a:buClr>
+                <a:srgbClr val="000000"/>
+              </a:buClr>
+            </a:pPr>
+            <a:endParaRPr lang="ko-KR" altLang="en-US" sz="2800" b="0" i="0" strike="noStrike" cap="none" dirty="0">
+              <a:solidFill>
+                <a:schemeClr val="tx1">
+                  <a:lumMod val="65000"/>
+                  <a:lumOff val="35000"/>
+                </a:schemeClr>
+              </a:solidFill>
+              <a:latin typeface="Arial Rounded MT Bold" charset="0"/>
+              <a:ea typeface="Arial Rounded MT Bold" charset="0"/>
+              <a:cs typeface="Segoe UI" charset="0"/>
+            </a:endParaRPr>
+          </a:p>
+          <a:p>
+            <a:pPr algn="ctr" defTabSz="508000"/>
+            <a:r>
+              <a:rPr lang="es-CO" sz="2800" dirty="0">
+                <a:solidFill>
+                  <a:schemeClr val="accent5">
+                    <a:lumMod val="75000"/>
+                  </a:schemeClr>
+                </a:solidFill>
+                <a:effectLst>
+                  <a:glow rad="228600">
+                    <a:schemeClr val="accent1">
+                      <a:satMod val="175000"/>
+                      <a:alpha val="40000"/>
+                    </a:schemeClr>
+                  </a:glow>
+                </a:effectLst>
+                <a:latin typeface="Arial Rounded MT Bold" panose="020F0704030504030204" pitchFamily="34" charset="0"/>
+              </a:rPr>
+              <a:t>DESARROLLO</a:t>
+            </a:r>
+            <a:endParaRPr lang="ko-KR" altLang="en-US" sz="2800" dirty="0">
+              <a:solidFill>
+                <a:schemeClr val="accent5">
+                  <a:lumMod val="75000"/>
+                </a:schemeClr>
+              </a:solidFill>
+              <a:effectLst>
+                <a:glow rad="228600">
+                  <a:schemeClr val="accent1">
+                    <a:satMod val="175000"/>
+                    <a:alpha val="40000"/>
+                  </a:schemeClr>
+                </a:glow>
+              </a:effectLst>
+              <a:latin typeface="Arial Rounded MT Bold" panose="020F0704030504030204" pitchFamily="34" charset="0"/>
+            </a:endParaRPr>
+          </a:p>
+          <a:p>
+            <a:pPr marL="285750" indent="-285750" algn="l" defTabSz="508000">
+              <a:lnSpc>
+                <a:spcPct val="100000"/>
+              </a:lnSpc>
+              <a:spcBef>
+                <a:spcPts val="0"/>
+              </a:spcBef>
+              <a:spcAft>
+                <a:spcPts val="0"/>
+              </a:spcAft>
+              <a:buClr>
+                <a:srgbClr val="000000"/>
+              </a:buClr>
+              <a:buFont typeface="Arial"/>
+              <a:buChar char="•"/>
+            </a:pPr>
+            <a:endParaRPr lang="ko-KR" altLang="en-US" sz="2800" b="0" i="0" strike="noStrike" cap="none" dirty="0">
+              <a:solidFill>
+                <a:schemeClr val="tx1">
+                  <a:lumMod val="65000"/>
+                  <a:lumOff val="35000"/>
+                </a:schemeClr>
+              </a:solidFill>
+              <a:latin typeface="Arial Rounded MT Bold" charset="0"/>
+              <a:ea typeface="Arial Rounded MT Bold" charset="0"/>
+              <a:cs typeface="Segoe UI" charset="0"/>
+            </a:endParaRPr>
+          </a:p>
+          <a:p>
+            <a:pPr marL="285750" indent="-285750" algn="l" defTabSz="508000">
+              <a:lnSpc>
+                <a:spcPct val="100000"/>
+              </a:lnSpc>
+              <a:spcBef>
+                <a:spcPts val="0"/>
+              </a:spcBef>
+              <a:spcAft>
+                <a:spcPts val="0"/>
+              </a:spcAft>
+              <a:buClr>
+                <a:srgbClr val="000000"/>
+              </a:buClr>
+              <a:buFont typeface="Arial"/>
+              <a:buChar char="•"/>
+            </a:pPr>
+            <a:r>
+              <a:rPr lang="es-CO" altLang="ko-KR" sz="2800" dirty="0">
+                <a:solidFill>
+                  <a:schemeClr val="tx1">
+                    <a:lumMod val="65000"/>
+                    <a:lumOff val="35000"/>
+                  </a:schemeClr>
+                </a:solidFill>
+                <a:latin typeface="Segoe UI" charset="0"/>
+                <a:ea typeface="Segoe UI" charset="0"/>
+                <a:cs typeface="Segoe UI" charset="0"/>
+              </a:rPr>
+              <a:t>Sistema de flujo.</a:t>
+            </a:r>
+          </a:p>
+          <a:p>
+            <a:pPr algn="l" defTabSz="508000">
+              <a:lnSpc>
+                <a:spcPct val="100000"/>
+              </a:lnSpc>
+              <a:spcBef>
+                <a:spcPts val="0"/>
+              </a:spcBef>
+              <a:spcAft>
+                <a:spcPts val="0"/>
+              </a:spcAft>
+              <a:buClr>
+                <a:srgbClr val="000000"/>
+              </a:buClr>
+            </a:pPr>
+            <a:r>
+              <a:rPr lang="es-CO" altLang="ko-KR" sz="2800">
+                <a:solidFill>
+                  <a:schemeClr val="tx1">
+                    <a:lumMod val="65000"/>
+                    <a:lumOff val="35000"/>
+                  </a:schemeClr>
+                </a:solidFill>
+                <a:latin typeface="Segoe UI" charset="0"/>
+                <a:ea typeface="Segoe UI" charset="0"/>
+                <a:cs typeface="Segoe UI" charset="0"/>
+              </a:rPr>
+              <a:t>	-Roles </a:t>
+            </a:r>
+            <a:r>
+              <a:rPr lang="es-CO" altLang="ko-KR" sz="2800" dirty="0">
+                <a:solidFill>
+                  <a:schemeClr val="tx1">
+                    <a:lumMod val="65000"/>
+                    <a:lumOff val="35000"/>
+                  </a:schemeClr>
+                </a:solidFill>
+                <a:latin typeface="Segoe UI" charset="0"/>
+                <a:ea typeface="Segoe UI" charset="0"/>
+                <a:cs typeface="Segoe UI" charset="0"/>
+              </a:rPr>
+              <a:t>del sistema.</a:t>
+            </a:r>
+          </a:p>
+          <a:p>
+            <a:pPr marL="285750" indent="-285750" algn="l" defTabSz="508000">
+              <a:lnSpc>
+                <a:spcPct val="100000"/>
+              </a:lnSpc>
+              <a:spcBef>
+                <a:spcPts val="0"/>
+              </a:spcBef>
+              <a:spcAft>
+                <a:spcPts val="0"/>
+              </a:spcAft>
+              <a:buClr>
+                <a:srgbClr val="000000"/>
+              </a:buClr>
+              <a:buFont typeface="Arial"/>
+              <a:buChar char="•"/>
+            </a:pPr>
+            <a:r>
+              <a:rPr lang="es-CO" altLang="ko-KR" sz="2800" b="0" i="0" strike="noStrike" cap="none" dirty="0">
+                <a:solidFill>
+                  <a:schemeClr val="tx1">
+                    <a:lumMod val="65000"/>
+                    <a:lumOff val="35000"/>
+                  </a:schemeClr>
+                </a:solidFill>
+                <a:latin typeface="Segoe UI" charset="0"/>
+                <a:ea typeface="Segoe UI" charset="0"/>
+                <a:cs typeface="Segoe UI" charset="0"/>
+              </a:rPr>
+              <a:t>Diagramas.</a:t>
+            </a:r>
+            <a:endParaRPr lang="es-CO" altLang="ko-KR" sz="2800" dirty="0">
+              <a:solidFill>
+                <a:schemeClr val="tx1">
+                  <a:lumMod val="65000"/>
+                  <a:lumOff val="35000"/>
+                </a:schemeClr>
+              </a:solidFill>
+              <a:latin typeface="Segoe UI" charset="0"/>
+              <a:ea typeface="Segoe UI" charset="0"/>
+              <a:cs typeface="Segoe UI" charset="0"/>
+            </a:endParaRPr>
+          </a:p>
+          <a:p>
+            <a:pPr algn="l" defTabSz="508000">
+              <a:lnSpc>
+                <a:spcPct val="100000"/>
+              </a:lnSpc>
+              <a:spcBef>
+                <a:spcPts val="0"/>
+              </a:spcBef>
+              <a:spcAft>
+                <a:spcPts val="0"/>
+              </a:spcAft>
+              <a:buClr>
+                <a:srgbClr val="000000"/>
+              </a:buClr>
+            </a:pPr>
+            <a:r>
+              <a:rPr lang="es-CO" altLang="ko-KR" sz="2800" dirty="0">
+                <a:solidFill>
+                  <a:schemeClr val="tx1">
+                    <a:lumMod val="65000"/>
+                    <a:lumOff val="35000"/>
+                  </a:schemeClr>
+                </a:solidFill>
+                <a:latin typeface="Segoe UI" charset="0"/>
+                <a:ea typeface="Segoe UI" charset="0"/>
+                <a:cs typeface="Segoe UI" charset="0"/>
+              </a:rPr>
+              <a:t>	</a:t>
+            </a:r>
+            <a:r>
+              <a:rPr lang="es-CO" altLang="ko-KR" sz="2800" b="0" i="0" strike="noStrike" cap="none" dirty="0">
+                <a:solidFill>
+                  <a:schemeClr val="tx1">
+                    <a:lumMod val="65000"/>
+                    <a:lumOff val="35000"/>
+                  </a:schemeClr>
+                </a:solidFill>
+                <a:latin typeface="Segoe UI" charset="0"/>
+                <a:ea typeface="Segoe UI" charset="0"/>
+                <a:cs typeface="Segoe UI" charset="0"/>
+              </a:rPr>
+              <a:t>-Diagrama de distribución.</a:t>
+            </a:r>
+          </a:p>
+          <a:p>
+            <a:pPr algn="l" defTabSz="508000">
+              <a:lnSpc>
+                <a:spcPct val="100000"/>
+              </a:lnSpc>
+              <a:spcBef>
+                <a:spcPts val="0"/>
+              </a:spcBef>
+              <a:spcAft>
+                <a:spcPts val="0"/>
+              </a:spcAft>
+              <a:buClr>
+                <a:srgbClr val="000000"/>
+              </a:buClr>
+            </a:pPr>
+            <a:r>
+              <a:rPr lang="es-CO" altLang="ko-KR" sz="2800" dirty="0">
+                <a:solidFill>
+                  <a:schemeClr val="tx1">
+                    <a:lumMod val="65000"/>
+                    <a:lumOff val="35000"/>
+                  </a:schemeClr>
+                </a:solidFill>
+                <a:latin typeface="Segoe UI" charset="0"/>
+                <a:ea typeface="Segoe UI" charset="0"/>
+                <a:cs typeface="Segoe UI" charset="0"/>
+              </a:rPr>
+              <a:t>	-Diagrama de clases.</a:t>
+            </a:r>
+          </a:p>
+          <a:p>
+            <a:pPr algn="l" defTabSz="508000">
+              <a:lnSpc>
+                <a:spcPct val="100000"/>
+              </a:lnSpc>
+              <a:spcBef>
+                <a:spcPts val="0"/>
+              </a:spcBef>
+              <a:spcAft>
+                <a:spcPts val="0"/>
+              </a:spcAft>
+              <a:buClr>
+                <a:srgbClr val="000000"/>
+              </a:buClr>
+            </a:pPr>
+            <a:r>
+              <a:rPr lang="es-CO" altLang="ko-KR" sz="2800" b="0" i="0" strike="noStrike" cap="none" dirty="0">
+                <a:solidFill>
+                  <a:schemeClr val="tx1">
+                    <a:lumMod val="65000"/>
+                    <a:lumOff val="35000"/>
+                  </a:schemeClr>
+                </a:solidFill>
+                <a:latin typeface="Segoe UI" charset="0"/>
+                <a:ea typeface="Segoe UI" charset="0"/>
+                <a:cs typeface="Segoe UI" charset="0"/>
+              </a:rPr>
+              <a:t>	-Diccionario de datos.</a:t>
+            </a:r>
+          </a:p>
+          <a:p>
+            <a:pPr algn="l" defTabSz="508000">
+              <a:lnSpc>
+                <a:spcPct val="100000"/>
+              </a:lnSpc>
+              <a:spcBef>
+                <a:spcPts val="0"/>
+              </a:spcBef>
+              <a:spcAft>
+                <a:spcPts val="0"/>
+              </a:spcAft>
+              <a:buClr>
+                <a:srgbClr val="000000"/>
+              </a:buClr>
+            </a:pPr>
+            <a:r>
+              <a:rPr lang="es-CO" altLang="ko-KR" sz="2800" dirty="0">
+                <a:solidFill>
+                  <a:schemeClr val="tx1">
+                    <a:lumMod val="65000"/>
+                    <a:lumOff val="35000"/>
+                  </a:schemeClr>
+                </a:solidFill>
+                <a:latin typeface="Segoe UI" charset="0"/>
+                <a:ea typeface="Segoe UI" charset="0"/>
+                <a:cs typeface="Segoe UI" charset="0"/>
+              </a:rPr>
+              <a:t>	-Caso de uso.</a:t>
+            </a:r>
+            <a:endParaRPr lang="ko-KR" altLang="en-US" sz="2800" b="0" i="0" strike="noStrike" cap="none" dirty="0">
+              <a:solidFill>
+                <a:schemeClr val="tx1">
+                  <a:lumMod val="65000"/>
+                  <a:lumOff val="35000"/>
+                </a:schemeClr>
+              </a:solidFill>
+              <a:latin typeface="Segoe UI" charset="0"/>
+              <a:ea typeface="Segoe UI" charset="0"/>
+              <a:cs typeface="Segoe UI" charset="0"/>
+            </a:endParaRPr>
+          </a:p>
+          <a:p>
+            <a:pPr marL="0" indent="0" algn="l" defTabSz="508000">
+              <a:lnSpc>
+                <a:spcPct val="100000"/>
+              </a:lnSpc>
+              <a:spcBef>
+                <a:spcPts val="0"/>
+              </a:spcBef>
+              <a:spcAft>
+                <a:spcPts val="0"/>
+              </a:spcAft>
+              <a:buFontTx/>
+              <a:buNone/>
+            </a:pPr>
+            <a:endParaRPr lang="ko-KR" altLang="en-US" sz="2400" b="0" i="0" strike="noStrike" cap="none" dirty="0">
+              <a:solidFill>
+                <a:schemeClr val="tx1">
+                  <a:lumMod val="65000"/>
+                  <a:lumOff val="35000"/>
+                </a:schemeClr>
+              </a:solidFill>
+              <a:latin typeface="Arial Rounded MT Bold" charset="0"/>
+              <a:ea typeface="Arial Rounded MT Bold" charset="0"/>
+              <a:cs typeface="Times New Roman" charset="0"/>
+            </a:endParaRPr>
+          </a:p>
+          <a:p>
+            <a:pPr marL="285750" indent="-285750" algn="l" defTabSz="508000">
+              <a:lnSpc>
+                <a:spcPct val="100000"/>
+              </a:lnSpc>
+              <a:spcBef>
+                <a:spcPts val="0"/>
+              </a:spcBef>
+              <a:spcAft>
+                <a:spcPts val="0"/>
+              </a:spcAft>
+              <a:buClr>
+                <a:srgbClr val="000000"/>
+              </a:buClr>
+              <a:buFont typeface="Arial"/>
+              <a:buChar char="•"/>
+            </a:pPr>
+            <a:endParaRPr lang="ko-KR" altLang="en-US" sz="2400" b="0" i="0" strike="noStrike" cap="none" dirty="0">
+              <a:solidFill>
+                <a:schemeClr val="tx1">
+                  <a:lumMod val="65000"/>
+                  <a:lumOff val="35000"/>
+                </a:schemeClr>
+              </a:solidFill>
+              <a:latin typeface="Arial Rounded MT Bold" charset="0"/>
+              <a:ea typeface="Arial Rounded MT Bold" charset="0"/>
+              <a:cs typeface="Times New Roman" charset="0"/>
+            </a:endParaRPr>
+          </a:p>
+        </p:txBody>
+      </p:sp>
+    </p:spTree>
+    <p:extLst>
+      <p:ext uri="{BB962C8B-B14F-4D97-AF65-F5344CB8AC3E}">
+        <p14:creationId xmlns:p14="http://schemas.microsoft.com/office/powerpoint/2010/main" val="203508353"/>
+      </p:ext>
+    </p:extLst>
+  </p:cSld>
+  <p:clrMapOvr>
+    <a:masterClrMapping/>
+  </p:clrMapOvr>
+  <mc:AlternateContent xmlns:mc="http://schemas.openxmlformats.org/markup-compatibility/2006" xmlns:p14="http://schemas.microsoft.com/office/powerpoint/2010/main">
+    <mc:Choice Requires="p14">
+      <p:transition spd="slow">
+        <p:comb/>
+      </p:transition>
+    </mc:Choice>
+    <mc:Fallback xmlns="">
+      <p:transition spd="slow">
+        <p:comb dir="horz"/>
+      </p:transition>
+    </mc:Fallback>
+  </mc:AlternateContent>
+  <p:timing>
+    <p:tnLst>
+      <p:par>
+        <p:cTn id="1" dur="indefinite" restart="never" nodeType="tmRoot">
+          <p:childTnLst>
+            <p:seq concurrent="1" nextAc="seek">
+              <p:cTn id="2" dur="indefinite" nodeType="mainSeq">
+                <p:childTnLst>
+                  <p:par>
+                    <p:cTn id="3" fill="hold">
+                      <p:stCondLst>
+                        <p:cond delay="indefinite"/>
+                        <p:cond evt="begin" delay="0">
+                          <p:tn val="2"/>
+                        </p:cond>
+                      </p:stCondLst>
+                      <p:childTnLst>
+                        <p:par>
+                          <p:cTn id="4" fill="hold">
+                            <p:stCondLst>
+                              <p:cond delay="0"/>
+                            </p:stCondLst>
+                            <p:childTnLst>
+                              <p:par>
+                                <p:cTn id="5" presetID="22" presetClass="entr" presetSubtype="4" fill="hold" grpId="0" nodeType="afterEffect">
+                                  <p:stCondLst>
+                                    <p:cond delay="0"/>
+                                  </p:stCondLst>
+                                  <p:childTnLst>
+                                    <p:set>
+                                      <p:cBhvr>
+                                        <p:cTn id="6" dur="1" fill="hold">
+                                          <p:stCondLst>
+                                            <p:cond delay="0"/>
+                                          </p:stCondLst>
+                                        </p:cTn>
+                                        <p:tgtEl>
+                                          <p:spTgt spid="3"/>
+                                        </p:tgtEl>
+                                        <p:attrNameLst>
+                                          <p:attrName>style.visibility</p:attrName>
+                                        </p:attrNameLst>
+                                      </p:cBhvr>
+                                      <p:to>
+                                        <p:strVal val="visible"/>
+                                      </p:to>
+                                    </p:set>
+                                    <p:animEffect transition="in" filter="wipe(down)">
+                                      <p:cBhvr>
+                                        <p:cTn id="7" dur="500"/>
+                                        <p:tgtEl>
+                                          <p:spTgt spid="3"/>
+                                        </p:tgtEl>
+                                      </p:cBhvr>
+                                    </p:animEffect>
+                                  </p:childTnLst>
+                                </p:cTn>
+                              </p:par>
+                            </p:childTnLst>
+                          </p:cTn>
+                        </p:par>
+                      </p:childTnLst>
+                    </p:cTn>
+                  </p:par>
+                </p:childTnLst>
+              </p:cTn>
+              <p:prevCondLst>
+                <p:cond evt="onPrev" delay="0">
+                  <p:tgtEl>
+                    <p:sldTgt/>
+                  </p:tgtEl>
+                </p:cond>
+              </p:prevCondLst>
+              <p:nextCondLst>
+                <p:cond evt="onNext" delay="0">
+                  <p:tgtEl>
+                    <p:sldTgt/>
+                  </p:tgtEl>
+                </p:cond>
+              </p:nextCondLst>
+            </p:seq>
+          </p:childTnLst>
+        </p:cTn>
+      </p:par>
+    </p:tnLst>
+    <p:bldLst>
+      <p:bldP spid="3" grpId="0" animBg="1"/>
+    </p:bldLst>
+  </p:timing>
+</p:sld>
+</file>
+
+<file path=ppt/slides/slide12.xml><?xml version="1.0" encoding="utf-8"?>
+<p:sld xmlns:a="http://schemas.openxmlformats.org/drawingml/2006/main" xmlns:r="http://schemas.openxmlformats.org/officeDocument/2006/relationships" xmlns:p="http://schemas.openxmlformats.org/presentationml/2006/main">
+  <p:cSld>
+    <p:spTree>
+      <p:nvGrpSpPr>
         <p:cNvPr id="1" name="Shape 187"/>
         <p:cNvGrpSpPr/>
         <p:nvPr/>
@@ -18368,8 +19471,8 @@
 </p:sld>
 </file>
 
-<file path=ppt/slides/slide11.xml><?xml version="1.0" encoding="utf-8"?>
-<p:sld xmlns:a="http://schemas.openxmlformats.org/drawingml/2006/main" xmlns:r="http://schemas.openxmlformats.org/officeDocument/2006/relationships" xmlns:p="http://schemas.openxmlformats.org/presentationml/2006/main" xmlns:p14="http://schemas.microsoft.com/office/powerpoint/2010/main">
+<file path=ppt/slides/slide13.xml><?xml version="1.0" encoding="utf-8"?>
+<p:sld xmlns:a="http://schemas.openxmlformats.org/drawingml/2006/main" xmlns:r="http://schemas.openxmlformats.org/officeDocument/2006/relationships" xmlns:p="http://schemas.openxmlformats.org/presentationml/2006/main">
   <p:cSld>
     <p:spTree>
       <p:nvGrpSpPr>
@@ -18529,7 +19632,7 @@
           <a:noFill/>
         </p:spPr>
         <p:txBody>
-          <a:bodyPr wrap="square" lIns="91440" tIns="45720" rIns="91440" bIns="45720" numCol="1" vert="horz" anchor="t">
+          <a:bodyPr vert="horz" wrap="square" lIns="91440" tIns="45720" rIns="91440" bIns="45720" numCol="1" anchor="t">
             <a:spAutoFit/>
           </a:bodyPr>
           <a:lstStyle/>
@@ -18548,7 +19651,7 @@
               <a:buNone/>
             </a:pPr>
             <a:r>
-              <a:rPr lang="es-ES" sz="2400" cap="none" i="0" b="0" strike="noStrike">
+              <a:rPr lang="es-ES" sz="2400" b="0" i="0" strike="noStrike" cap="none">
                 <a:solidFill>
                   <a:schemeClr val="tx1">
                     <a:lumMod val="65000"/>
@@ -18559,37 +19662,9 @@
                 <a:ea typeface="Arial Rounded MT Bold" charset="0"/>
                 <a:cs typeface="Segoe UI" charset="0"/>
               </a:rPr>
-              <a:t>Diseñar e implementar un sistema de información, que facilite y optimice los procesos de certificaciones laborales </a:t>
+              <a:t>Diseñar e implementar un sistema de información, que facilite y optimice los procesos de certificaciones laborales de los centros del SENA. Con cualidades de flexibilidad que permitan a futuro la implementación en otros procesos.</a:t>
             </a:r>
-            <a:r>
-              <a:rPr lang="es-ES" sz="2400" cap="none" i="0" b="0" strike="noStrike">
-                <a:solidFill>
-                  <a:schemeClr val="tx1">
-                    <a:lumMod val="65000"/>
-                    <a:lumOff val="35000"/>
-                  </a:schemeClr>
-                </a:solidFill>
-                <a:latin typeface="Arial Rounded MT Bold" charset="0"/>
-                <a:ea typeface="Arial Rounded MT Bold" charset="0"/>
-                <a:cs typeface="Segoe UI" charset="0"/>
-              </a:rPr>
-              <a:t>de los centros del SENA</a:t>
-            </a:r>
-            <a:r>
-              <a:rPr lang="es-ES" sz="2400" cap="none" i="0" b="0" strike="noStrike">
-                <a:solidFill>
-                  <a:schemeClr val="tx1">
-                    <a:lumMod val="65000"/>
-                    <a:lumOff val="35000"/>
-                  </a:schemeClr>
-                </a:solidFill>
-                <a:latin typeface="Arial Rounded MT Bold" charset="0"/>
-                <a:ea typeface="Arial Rounded MT Bold" charset="0"/>
-                <a:cs typeface="Segoe UI" charset="0"/>
-              </a:rPr>
-              <a:t>. Con cualidades de flexibilidad que permitan a futuro la implementación en otros procesos.</a:t>
-            </a:r>
-            <a:endParaRPr lang="ko-KR" altLang="en-US" sz="2400" cap="none" i="0" b="0" strike="noStrike">
+            <a:endParaRPr lang="ko-KR" altLang="en-US" sz="2400" b="0" i="0" strike="noStrike" cap="none">
               <a:solidFill>
                 <a:schemeClr val="tx1">
                   <a:lumMod val="65000"/>
@@ -18615,7 +19690,7 @@
               <a:buFontTx/>
               <a:buNone/>
             </a:pPr>
-            <a:endParaRPr lang="ko-KR" altLang="en-US" sz="2400" cap="none" i="0" b="0" strike="noStrike">
+            <a:endParaRPr lang="ko-KR" altLang="en-US" sz="2400" b="0" i="0" strike="noStrike" cap="none">
               <a:solidFill>
                 <a:schemeClr val="tx1">
                   <a:lumMod val="75000"/>
@@ -18641,7 +19716,7 @@
               <a:buFontTx/>
               <a:buNone/>
             </a:pPr>
-            <a:endParaRPr lang="ko-KR" altLang="en-US" sz="1400" cap="none" i="0" b="0" strike="noStrike">
+            <a:endParaRPr lang="ko-KR" altLang="en-US" sz="1400" b="0" i="0" strike="noStrike" cap="none">
               <a:solidFill>
                 <a:schemeClr val="tx1">
                   <a:lumMod val="75000"/>
@@ -18781,13 +19856,13 @@
   <p:clrMapOvr>
     <a:masterClrMapping/>
   </p:clrMapOvr>
-  <mc:AlternateContent xmlns:mc="http://schemas.openxmlformats.org/markup-compatibility/2006">
-    <mc:Choice xmlns:p14="http://schemas.microsoft.com/office/powerpoint/2010/main" Requires="p14">
+  <mc:AlternateContent xmlns:mc="http://schemas.openxmlformats.org/markup-compatibility/2006" xmlns:p14="http://schemas.microsoft.com/office/powerpoint/2010/main">
+    <mc:Choice Requires="p14">
       <p:transition spd="slow" p14:dur="2000">
-        <p:comb dir="horz"/>
+        <p:comb/>
       </p:transition>
     </mc:Choice>
-    <mc:Fallback>
+    <mc:Fallback xmlns="">
       <p:transition spd="slow">
         <p:comb dir="horz"/>
       </p:transition>
@@ -19012,8 +20087,8 @@
 </p:sld>
 </file>
 
-<file path=ppt/slides/slide12.xml><?xml version="1.0" encoding="utf-8"?>
-<p:sld xmlns:a="http://schemas.openxmlformats.org/drawingml/2006/main" xmlns:r="http://schemas.openxmlformats.org/officeDocument/2006/relationships" xmlns:p="http://schemas.openxmlformats.org/presentationml/2006/main" xmlns:p14="http://schemas.microsoft.com/office/powerpoint/2010/main">
+<file path=ppt/slides/slide14.xml><?xml version="1.0" encoding="utf-8"?>
+<p:sld xmlns:a="http://schemas.openxmlformats.org/drawingml/2006/main" xmlns:r="http://schemas.openxmlformats.org/officeDocument/2006/relationships" xmlns:p="http://schemas.openxmlformats.org/presentationml/2006/main">
   <p:cSld>
     <p:spTree>
       <p:nvGrpSpPr>
@@ -19049,7 +20124,7 @@
           </a:ln>
         </p:spPr>
         <p:txBody>
-          <a:bodyPr wrap="square" lIns="91440" tIns="45720" rIns="91440" bIns="45720" numCol="1" vert="horz" anchor="t">
+          <a:bodyPr vert="horz" wrap="square" lIns="91440" tIns="45720" rIns="91440" bIns="45720" numCol="1" anchor="t">
             <a:noAutofit/>
           </a:bodyPr>
           <a:lstStyle/>
@@ -19070,7 +20145,7 @@
               <a:buFont typeface="Wingdings"/>
               <a:buChar char="q"/>
             </a:pPr>
-            <a:endParaRPr lang="ko-KR" altLang="en-US" sz="2400" cap="none" i="0" b="0" strike="noStrike">
+            <a:endParaRPr lang="ko-KR" altLang="en-US" sz="2400" b="0" i="0" strike="noStrike" cap="none">
               <a:solidFill>
                 <a:schemeClr val="tx1">
                   <a:lumMod val="75000"/>
@@ -19097,7 +20172,7 @@
               <a:buChar char="q"/>
             </a:pPr>
             <a:r>
-              <a:rPr lang="es-ES" sz="2400" cap="none" i="0" b="0" strike="noStrike">
+              <a:rPr lang="es-ES" sz="2400" b="0" i="0" strike="noStrike" cap="none">
                 <a:solidFill>
                   <a:schemeClr val="tx1">
                     <a:lumMod val="65000"/>
@@ -19108,37 +20183,9 @@
                 <a:ea typeface="Arial Rounded MT Bold" charset="0"/>
                 <a:cs typeface="Segoe UI" charset="0"/>
               </a:rPr>
-              <a:t>Subsanar las falencias en la expedición de certificaciones laborales </a:t>
+              <a:t>Subsanar las falencias en la expedición de certificaciones laborales de los centros del SENA, mejorando la calidad y los tiempos de la certificación.</a:t>
             </a:r>
-            <a:r>
-              <a:rPr lang="es-ES" sz="2400" cap="none" i="0" b="0" strike="noStrike">
-                <a:solidFill>
-                  <a:schemeClr val="tx1">
-                    <a:lumMod val="65000"/>
-                    <a:lumOff val="35000"/>
-                  </a:schemeClr>
-                </a:solidFill>
-                <a:latin typeface="Arial Rounded MT Bold" charset="0"/>
-                <a:ea typeface="Arial Rounded MT Bold" charset="0"/>
-                <a:cs typeface="Segoe UI" charset="0"/>
-              </a:rPr>
-              <a:t>de los centros del SENA</a:t>
-            </a:r>
-            <a:r>
-              <a:rPr lang="es-ES" sz="2400" cap="none" i="0" b="0" strike="noStrike">
-                <a:solidFill>
-                  <a:schemeClr val="tx1">
-                    <a:lumMod val="65000"/>
-                    <a:lumOff val="35000"/>
-                  </a:schemeClr>
-                </a:solidFill>
-                <a:latin typeface="Arial Rounded MT Bold" charset="0"/>
-                <a:ea typeface="Arial Rounded MT Bold" charset="0"/>
-                <a:cs typeface="Segoe UI" charset="0"/>
-              </a:rPr>
-              <a:t>, mejorando la calidad y los tiempos de la certificación.</a:t>
-            </a:r>
-            <a:endParaRPr lang="ko-KR" altLang="en-US" sz="2400" cap="none" i="0" b="0" strike="noStrike">
+            <a:endParaRPr lang="ko-KR" altLang="en-US" sz="2400" b="0" i="0" strike="noStrike" cap="none">
               <a:solidFill>
                 <a:schemeClr val="tx1">
                   <a:lumMod val="65000"/>
@@ -19167,7 +20214,7 @@
               <a:buFont typeface="Wingdings"/>
               <a:buChar char="q"/>
             </a:pPr>
-            <a:endParaRPr lang="ko-KR" altLang="en-US" sz="2400" cap="none" i="0" b="0" strike="noStrike">
+            <a:endParaRPr lang="ko-KR" altLang="en-US" sz="2400" b="0" i="0" strike="noStrike" cap="none">
               <a:solidFill>
                 <a:schemeClr val="tx1">
                   <a:lumMod val="65000"/>
@@ -19194,7 +20241,7 @@
               <a:buChar char="q"/>
             </a:pPr>
             <a:r>
-              <a:rPr lang="es-ES" sz="2400" cap="none" i="0" b="0" strike="noStrike">
+              <a:rPr lang="es-ES" sz="2400" b="0" i="0" strike="noStrike" cap="none">
                 <a:solidFill>
                   <a:schemeClr val="tx1">
                     <a:lumMod val="65000"/>
@@ -19207,7 +20254,7 @@
               </a:rPr>
               <a:t>Organizar y optimizar el proceso administrativo ya que se esta generando una herramienta para agilizar una solicitud y la gestión.</a:t>
             </a:r>
-            <a:endParaRPr lang="ko-KR" altLang="en-US" sz="2400" cap="none" i="0" b="0" strike="noStrike">
+            <a:endParaRPr lang="ko-KR" altLang="en-US" sz="2400" b="0" i="0" strike="noStrike" cap="none">
               <a:solidFill>
                 <a:schemeClr val="tx1">
                   <a:lumMod val="65000"/>
@@ -19236,7 +20283,7 @@
               <a:buFont typeface="Wingdings"/>
               <a:buChar char="q"/>
             </a:pPr>
-            <a:endParaRPr lang="ko-KR" altLang="en-US" sz="2400" cap="none" i="0" b="0" strike="noStrike">
+            <a:endParaRPr lang="ko-KR" altLang="en-US" sz="2400" b="0" i="0" strike="noStrike" cap="none">
               <a:solidFill>
                 <a:schemeClr val="tx1">
                   <a:lumMod val="65000"/>
@@ -19263,7 +20310,7 @@
               <a:buChar char="q"/>
             </a:pPr>
             <a:r>
-              <a:rPr lang="es-ES" sz="2400" cap="none" i="0" b="0" strike="noStrike">
+              <a:rPr lang="es-ES" sz="2400" b="0" i="0" strike="noStrike" cap="none">
                 <a:solidFill>
                   <a:schemeClr val="tx1">
                     <a:lumMod val="65000"/>
@@ -19276,7 +20323,7 @@
               </a:rPr>
               <a:t>Generar una plataforma que sea flexible y de fácil acceso e implementación</a:t>
             </a:r>
-            <a:endParaRPr lang="ko-KR" altLang="en-US" sz="2400" cap="none" i="0" b="0" strike="noStrike">
+            <a:endParaRPr lang="ko-KR" altLang="en-US" sz="2400" b="0" i="0" strike="noStrike" cap="none">
               <a:solidFill>
                 <a:schemeClr val="tx1">
                   <a:lumMod val="65000"/>
@@ -19305,7 +20352,7 @@
               <a:buFont typeface="+mj-lt"/>
               <a:buAutoNum type="arabicPeriod"/>
             </a:pPr>
-            <a:endParaRPr lang="ko-KR" altLang="en-US" sz="1600" cap="none" i="0" b="0" strike="noStrike">
+            <a:endParaRPr lang="ko-KR" altLang="en-US" sz="1600" b="0" i="0" strike="noStrike" cap="none">
               <a:solidFill>
                 <a:schemeClr val="tx1">
                   <a:lumMod val="75000"/>
@@ -19475,13 +20522,13 @@
   <p:clrMapOvr>
     <a:masterClrMapping/>
   </p:clrMapOvr>
-  <mc:AlternateContent xmlns:mc="http://schemas.openxmlformats.org/markup-compatibility/2006">
-    <mc:Choice xmlns:p14="http://schemas.microsoft.com/office/powerpoint/2010/main" Requires="p14">
+  <mc:AlternateContent xmlns:mc="http://schemas.openxmlformats.org/markup-compatibility/2006" xmlns:p14="http://schemas.microsoft.com/office/powerpoint/2010/main">
+    <mc:Choice Requires="p14">
       <p:transition spd="slow" p14:dur="2000">
         <p:comb dir="vert"/>
       </p:transition>
     </mc:Choice>
-    <mc:Fallback>
+    <mc:Fallback xmlns="">
       <p:transition spd="slow">
         <p:comb dir="vert"/>
       </p:transition>
@@ -19895,7 +20942,7 @@
 </p:sld>
 </file>
 
-<file path=ppt/slides/slide13.xml><?xml version="1.0" encoding="utf-8"?>
+<file path=ppt/slides/slide15.xml><?xml version="1.0" encoding="utf-8"?>
 <p:sld xmlns:a="http://schemas.openxmlformats.org/drawingml/2006/main" xmlns:r="http://schemas.openxmlformats.org/officeDocument/2006/relationships" xmlns:p="http://schemas.openxmlformats.org/presentationml/2006/main">
   <p:cSld>
     <p:spTree>
@@ -20218,7 +21265,7 @@
 </p:sld>
 </file>
 
-<file path=ppt/slides/slide14.xml><?xml version="1.0" encoding="utf-8"?>
+<file path=ppt/slides/slide16.xml><?xml version="1.0" encoding="utf-8"?>
 <p:sld xmlns:a="http://schemas.openxmlformats.org/drawingml/2006/main" xmlns:r="http://schemas.openxmlformats.org/officeDocument/2006/relationships" xmlns:p="http://schemas.openxmlformats.org/presentationml/2006/main">
   <p:cSld>
     <p:spTree>
@@ -20615,7 +21662,7 @@
 </p:sld>
 </file>
 
-<file path=ppt/slides/slide15.xml><?xml version="1.0" encoding="utf-8"?>
+<file path=ppt/slides/slide17.xml><?xml version="1.0" encoding="utf-8"?>
 <p:sld xmlns:a="http://schemas.openxmlformats.org/drawingml/2006/main" xmlns:r="http://schemas.openxmlformats.org/officeDocument/2006/relationships" xmlns:p="http://schemas.openxmlformats.org/presentationml/2006/main">
   <p:cSld>
     <p:spTree>
@@ -21047,7 +22094,7 @@
 </p:sld>
 </file>
 
-<file path=ppt/slides/slide16.xml><?xml version="1.0" encoding="utf-8"?>
+<file path=ppt/slides/slide18.xml><?xml version="1.0" encoding="utf-8"?>
 <p:sld xmlns:a="http://schemas.openxmlformats.org/drawingml/2006/main" xmlns:r="http://schemas.openxmlformats.org/officeDocument/2006/relationships" xmlns:p="http://schemas.openxmlformats.org/presentationml/2006/main">
   <p:cSld>
     <p:bg>
@@ -21442,7 +22489,7 @@
 </p:sld>
 </file>
 
-<file path=ppt/slides/slide17.xml><?xml version="1.0" encoding="utf-8"?>
+<file path=ppt/slides/slide19.xml><?xml version="1.0" encoding="utf-8"?>
 <p:sld xmlns:a="http://schemas.openxmlformats.org/drawingml/2006/main" xmlns:r="http://schemas.openxmlformats.org/officeDocument/2006/relationships" xmlns:p="http://schemas.openxmlformats.org/presentationml/2006/main">
   <p:cSld>
     <p:spTree>
@@ -21684,458 +22731,6 @@
 </p:sld>
 </file>
 
-<file path=ppt/slides/slide18.xml><?xml version="1.0" encoding="utf-8"?>
-<p:sld xmlns:a="http://schemas.openxmlformats.org/drawingml/2006/main" xmlns:r="http://schemas.openxmlformats.org/officeDocument/2006/relationships" xmlns:p="http://schemas.openxmlformats.org/presentationml/2006/main">
-  <p:cSld>
-    <p:spTree>
-      <p:nvGrpSpPr>
-        <p:cNvPr id="1" name=""/>
-        <p:cNvGrpSpPr/>
-        <p:nvPr/>
-      </p:nvGrpSpPr>
-      <p:grpSpPr>
-        <a:xfrm>
-          <a:off x="0" y="0"/>
-          <a:ext cx="0" cy="0"/>
-          <a:chOff x="0" y="0"/>
-          <a:chExt cx="0" cy="0"/>
-        </a:xfrm>
-      </p:grpSpPr>
-      <p:sp>
-        <p:nvSpPr>
-          <p:cNvPr id="9" name="Google Shape;204;p21">
-            <a:extLst>
-              <a:ext uri="{FF2B5EF4-FFF2-40B4-BE49-F238E27FC236}">
-                <a16:creationId xmlns:a16="http://schemas.microsoft.com/office/drawing/2014/main" id="{DD305A2A-BB09-46AA-8FF5-24619180CF1E}"/>
-              </a:ext>
-            </a:extLst>
-          </p:cNvPr>
-          <p:cNvSpPr/>
-          <p:nvPr/>
-        </p:nvSpPr>
-        <p:spPr>
-          <a:xfrm>
-            <a:off x="228600" y="597876"/>
-            <a:ext cx="8686799" cy="610883"/>
-          </a:xfrm>
-          <a:prstGeom prst="rect">
-            <a:avLst/>
-          </a:prstGeom>
-          <a:noFill/>
-          <a:ln>
-            <a:noFill/>
-          </a:ln>
-        </p:spPr>
-        <p:txBody>
-          <a:bodyPr spcFirstLastPara="1" wrap="square" lIns="91425" tIns="45700" rIns="91425" bIns="45700" anchor="t" anchorCtr="0">
-            <a:noAutofit/>
-          </a:bodyPr>
-          <a:lstStyle/>
-          <a:p>
-            <a:pPr marL="0" marR="0" lvl="0" indent="0" algn="ctr" rtl="0">
-              <a:lnSpc>
-                <a:spcPct val="100000"/>
-              </a:lnSpc>
-              <a:spcBef>
-                <a:spcPts val="0"/>
-              </a:spcBef>
-              <a:spcAft>
-                <a:spcPts val="0"/>
-              </a:spcAft>
-              <a:buClr>
-                <a:srgbClr val="000000"/>
-              </a:buClr>
-              <a:buSzPts val="3200"/>
-              <a:buFont typeface="Arial"/>
-              <a:buNone/>
-            </a:pPr>
-            <a:r>
-              <a:rPr lang="es-ES" sz="4000" b="1" dirty="0">
-                <a:solidFill>
-                  <a:schemeClr val="lt1"/>
-                </a:solidFill>
-                <a:effectLst>
-                  <a:glow rad="101600">
-                    <a:srgbClr val="002060">
-                      <a:alpha val="60000"/>
-                    </a:srgbClr>
-                  </a:glow>
-                </a:effectLst>
-                <a:latin typeface="Arial Rounded MT Bold" panose="020F0704030504030204" pitchFamily="34" charset="0"/>
-                <a:ea typeface="Calibri"/>
-              </a:rPr>
-              <a:t>INVESTIGACIÓN DEL MERCADO</a:t>
-            </a:r>
-            <a:endParaRPr sz="4000" b="1" i="0" u="none" strike="noStrike" cap="none" dirty="0">
-              <a:solidFill>
-                <a:schemeClr val="lt1"/>
-              </a:solidFill>
-              <a:effectLst>
-                <a:glow rad="101600">
-                  <a:srgbClr val="002060">
-                    <a:alpha val="60000"/>
-                  </a:srgbClr>
-                </a:glow>
-              </a:effectLst>
-              <a:latin typeface="Arial Rounded MT Bold" panose="020F0704030504030204" pitchFamily="34" charset="0"/>
-              <a:ea typeface="Calibri"/>
-              <a:cs typeface="Calibri"/>
-              <a:sym typeface="Calibri"/>
-            </a:endParaRPr>
-          </a:p>
-        </p:txBody>
-      </p:sp>
-      <p:pic>
-        <p:nvPicPr>
-          <p:cNvPr id="6" name="Imagen 5">
-            <a:extLst>
-              <a:ext uri="{FF2B5EF4-FFF2-40B4-BE49-F238E27FC236}">
-                <a16:creationId xmlns:a16="http://schemas.microsoft.com/office/drawing/2014/main" id="{71887398-B0AB-430F-B793-026DE66AFA95}"/>
-              </a:ext>
-            </a:extLst>
-          </p:cNvPr>
-          <p:cNvPicPr>
-            <a:picLocks noChangeAspect="1"/>
-          </p:cNvPicPr>
-          <p:nvPr/>
-        </p:nvPicPr>
-        <p:blipFill>
-          <a:blip r:embed="rId2"/>
-          <a:stretch>
-            <a:fillRect/>
-          </a:stretch>
-        </p:blipFill>
-        <p:spPr>
-          <a:xfrm>
-            <a:off x="1715047" y="1973963"/>
-            <a:ext cx="5967120" cy="2910073"/>
-          </a:xfrm>
-          <a:prstGeom prst="rect">
-            <a:avLst/>
-          </a:prstGeom>
-        </p:spPr>
-      </p:pic>
-      <p:pic>
-        <p:nvPicPr>
-          <p:cNvPr id="12" name="Imagen 11">
-            <a:extLst>
-              <a:ext uri="{FF2B5EF4-FFF2-40B4-BE49-F238E27FC236}">
-                <a16:creationId xmlns:a16="http://schemas.microsoft.com/office/drawing/2014/main" id="{44D095DE-DEE9-400A-86C2-EE9F26903591}"/>
-              </a:ext>
-            </a:extLst>
-          </p:cNvPr>
-          <p:cNvPicPr>
-            <a:picLocks noChangeAspect="1"/>
-          </p:cNvPicPr>
-          <p:nvPr/>
-        </p:nvPicPr>
-        <p:blipFill>
-          <a:blip r:embed="rId3"/>
-          <a:stretch>
-            <a:fillRect/>
-          </a:stretch>
-        </p:blipFill>
-        <p:spPr>
-          <a:xfrm>
-            <a:off x="1950644" y="4988316"/>
-            <a:ext cx="5495925" cy="1743075"/>
-          </a:xfrm>
-          <a:prstGeom prst="rect">
-            <a:avLst/>
-          </a:prstGeom>
-        </p:spPr>
-      </p:pic>
-      <p:pic>
-        <p:nvPicPr>
-          <p:cNvPr id="7" name="Imagen 6"/>
-          <p:cNvPicPr>
-            <a:picLocks noChangeAspect="1"/>
-          </p:cNvPicPr>
-          <p:nvPr/>
-        </p:nvPicPr>
-        <p:blipFill>
-          <a:blip r:embed="rId4">
-            <a:extLst>
-              <a:ext uri="{28A0092B-C50C-407E-A947-70E740481C1C}">
-                <a14:useLocalDpi xmlns:a14="http://schemas.microsoft.com/office/drawing/2010/main" val="0"/>
-              </a:ext>
-            </a:extLst>
-          </a:blip>
-          <a:stretch>
-            <a:fillRect/>
-          </a:stretch>
-        </p:blipFill>
-        <p:spPr>
-          <a:xfrm>
-            <a:off x="7947315" y="1890583"/>
-            <a:ext cx="773934" cy="746778"/>
-          </a:xfrm>
-          <a:prstGeom prst="rect">
-            <a:avLst/>
-          </a:prstGeom>
-        </p:spPr>
-      </p:pic>
-    </p:spTree>
-    <p:extLst>
-      <p:ext uri="{BB962C8B-B14F-4D97-AF65-F5344CB8AC3E}">
-        <p14:creationId xmlns:p14="http://schemas.microsoft.com/office/powerpoint/2010/main" val="2217753402"/>
-      </p:ext>
-    </p:extLst>
-  </p:cSld>
-  <p:clrMapOvr>
-    <a:masterClrMapping/>
-  </p:clrMapOvr>
-  <mc:AlternateContent xmlns:mc="http://schemas.openxmlformats.org/markup-compatibility/2006" xmlns:p14="http://schemas.microsoft.com/office/powerpoint/2010/main">
-    <mc:Choice Requires="p14">
-      <p:transition spd="slow" p14:dur="2000">
-        <p:comb dir="vert"/>
-      </p:transition>
-    </mc:Choice>
-    <mc:Fallback xmlns="">
-      <p:transition spd="slow">
-        <p:comb dir="vert"/>
-      </p:transition>
-    </mc:Fallback>
-  </mc:AlternateContent>
-</p:sld>
-</file>
-
-<file path=ppt/slides/slide19.xml><?xml version="1.0" encoding="utf-8"?>
-<p:sld xmlns:a="http://schemas.openxmlformats.org/drawingml/2006/main" xmlns:r="http://schemas.openxmlformats.org/officeDocument/2006/relationships" xmlns:p="http://schemas.openxmlformats.org/presentationml/2006/main">
-  <p:cSld>
-    <p:spTree>
-      <p:nvGrpSpPr>
-        <p:cNvPr id="1" name=""/>
-        <p:cNvGrpSpPr/>
-        <p:nvPr/>
-      </p:nvGrpSpPr>
-      <p:grpSpPr>
-        <a:xfrm>
-          <a:off x="0" y="0"/>
-          <a:ext cx="0" cy="0"/>
-          <a:chOff x="0" y="0"/>
-          <a:chExt cx="0" cy="0"/>
-        </a:xfrm>
-      </p:grpSpPr>
-      <p:sp>
-        <p:nvSpPr>
-          <p:cNvPr id="9" name="Google Shape;204;p21">
-            <a:extLst>
-              <a:ext uri="{FF2B5EF4-FFF2-40B4-BE49-F238E27FC236}">
-                <a16:creationId xmlns:a16="http://schemas.microsoft.com/office/drawing/2014/main" id="{DD305A2A-BB09-46AA-8FF5-24619180CF1E}"/>
-              </a:ext>
-            </a:extLst>
-          </p:cNvPr>
-          <p:cNvSpPr/>
-          <p:nvPr/>
-        </p:nvSpPr>
-        <p:spPr>
-          <a:xfrm>
-            <a:off x="228600" y="597876"/>
-            <a:ext cx="8686799" cy="610883"/>
-          </a:xfrm>
-          <a:prstGeom prst="rect">
-            <a:avLst/>
-          </a:prstGeom>
-          <a:noFill/>
-          <a:ln>
-            <a:noFill/>
-          </a:ln>
-        </p:spPr>
-        <p:txBody>
-          <a:bodyPr spcFirstLastPara="1" wrap="square" lIns="91425" tIns="45700" rIns="91425" bIns="45700" anchor="t" anchorCtr="0">
-            <a:noAutofit/>
-          </a:bodyPr>
-          <a:lstStyle/>
-          <a:p>
-            <a:pPr marL="0" marR="0" lvl="0" indent="0" algn="ctr" rtl="0">
-              <a:lnSpc>
-                <a:spcPct val="100000"/>
-              </a:lnSpc>
-              <a:spcBef>
-                <a:spcPts val="0"/>
-              </a:spcBef>
-              <a:spcAft>
-                <a:spcPts val="0"/>
-              </a:spcAft>
-              <a:buClr>
-                <a:srgbClr val="000000"/>
-              </a:buClr>
-              <a:buSzPts val="3200"/>
-              <a:buFont typeface="Arial"/>
-              <a:buNone/>
-            </a:pPr>
-            <a:r>
-              <a:rPr lang="es-ES" sz="4000" b="1" dirty="0">
-                <a:solidFill>
-                  <a:schemeClr val="lt1"/>
-                </a:solidFill>
-                <a:effectLst>
-                  <a:glow rad="101600">
-                    <a:srgbClr val="002060">
-                      <a:alpha val="60000"/>
-                    </a:srgbClr>
-                  </a:glow>
-                </a:effectLst>
-                <a:latin typeface="Arial Rounded MT Bold" panose="020F0704030504030204" pitchFamily="34" charset="0"/>
-                <a:ea typeface="Calibri"/>
-              </a:rPr>
-              <a:t>INVESTIGACIÓN DEL MERCADO</a:t>
-            </a:r>
-            <a:endParaRPr sz="4000" b="1" i="0" u="none" strike="noStrike" cap="none" dirty="0">
-              <a:solidFill>
-                <a:schemeClr val="lt1"/>
-              </a:solidFill>
-              <a:effectLst>
-                <a:glow rad="101600">
-                  <a:srgbClr val="002060">
-                    <a:alpha val="60000"/>
-                  </a:srgbClr>
-                </a:glow>
-              </a:effectLst>
-              <a:latin typeface="Arial Rounded MT Bold" panose="020F0704030504030204" pitchFamily="34" charset="0"/>
-              <a:ea typeface="Calibri"/>
-              <a:cs typeface="Calibri"/>
-              <a:sym typeface="Calibri"/>
-            </a:endParaRPr>
-          </a:p>
-        </p:txBody>
-      </p:sp>
-      <p:pic>
-        <p:nvPicPr>
-          <p:cNvPr id="3" name="Imagen 2">
-            <a:extLst>
-              <a:ext uri="{FF2B5EF4-FFF2-40B4-BE49-F238E27FC236}">
-                <a16:creationId xmlns:a16="http://schemas.microsoft.com/office/drawing/2014/main" id="{673C8C75-06C4-48C7-9B34-4FBB4B1080B5}"/>
-              </a:ext>
-            </a:extLst>
-          </p:cNvPr>
-          <p:cNvPicPr>
-            <a:picLocks noChangeAspect="1"/>
-          </p:cNvPicPr>
-          <p:nvPr/>
-        </p:nvPicPr>
-        <p:blipFill>
-          <a:blip r:embed="rId2"/>
-          <a:stretch>
-            <a:fillRect/>
-          </a:stretch>
-        </p:blipFill>
-        <p:spPr>
-          <a:xfrm>
-            <a:off x="914912" y="2553351"/>
-            <a:ext cx="7033334" cy="3955620"/>
-          </a:xfrm>
-          <a:prstGeom prst="rect">
-            <a:avLst/>
-          </a:prstGeom>
-        </p:spPr>
-      </p:pic>
-      <p:sp>
-        <p:nvSpPr>
-          <p:cNvPr id="8" name="CuadroTexto 7">
-            <a:extLst>
-              <a:ext uri="{FF2B5EF4-FFF2-40B4-BE49-F238E27FC236}">
-                <a16:creationId xmlns:a16="http://schemas.microsoft.com/office/drawing/2014/main" id="{3CA2761F-EEB1-4C73-A704-9ED14E5B3069}"/>
-              </a:ext>
-            </a:extLst>
-          </p:cNvPr>
-          <p:cNvSpPr txBox="1"/>
-          <p:nvPr/>
-        </p:nvSpPr>
-        <p:spPr>
-          <a:xfrm>
-            <a:off x="3073030" y="1812069"/>
-            <a:ext cx="2997937" cy="646331"/>
-          </a:xfrm>
-          <a:prstGeom prst="rect">
-            <a:avLst/>
-          </a:prstGeom>
-          <a:noFill/>
-        </p:spPr>
-        <p:txBody>
-          <a:bodyPr wrap="none" rtlCol="0">
-            <a:spAutoFit/>
-          </a:bodyPr>
-          <a:lstStyle/>
-          <a:p>
-            <a:r>
-              <a:rPr lang="es-CO" sz="3600" dirty="0">
-                <a:solidFill>
-                  <a:schemeClr val="accent5">
-                    <a:lumMod val="75000"/>
-                  </a:schemeClr>
-                </a:solidFill>
-                <a:effectLst>
-                  <a:glow rad="228600">
-                    <a:schemeClr val="accent1">
-                      <a:satMod val="175000"/>
-                      <a:alpha val="40000"/>
-                    </a:schemeClr>
-                  </a:glow>
-                </a:effectLst>
-                <a:latin typeface="Arial Rounded MT Bold" panose="020F0704030504030204" pitchFamily="34" charset="0"/>
-              </a:rPr>
-              <a:t>PARTICIPES</a:t>
-            </a:r>
-          </a:p>
-        </p:txBody>
-      </p:sp>
-      <p:pic>
-        <p:nvPicPr>
-          <p:cNvPr id="6" name="Imagen 5"/>
-          <p:cNvPicPr>
-            <a:picLocks noChangeAspect="1"/>
-          </p:cNvPicPr>
-          <p:nvPr/>
-        </p:nvPicPr>
-        <p:blipFill>
-          <a:blip r:embed="rId3">
-            <a:extLst>
-              <a:ext uri="{28A0092B-C50C-407E-A947-70E740481C1C}">
-                <a14:useLocalDpi xmlns:a14="http://schemas.microsoft.com/office/drawing/2010/main" val="0"/>
-              </a:ext>
-            </a:extLst>
-          </a:blip>
-          <a:stretch>
-            <a:fillRect/>
-          </a:stretch>
-        </p:blipFill>
-        <p:spPr>
-          <a:xfrm>
-            <a:off x="7947315" y="1890583"/>
-            <a:ext cx="773934" cy="746778"/>
-          </a:xfrm>
-          <a:prstGeom prst="rect">
-            <a:avLst/>
-          </a:prstGeom>
-        </p:spPr>
-      </p:pic>
-    </p:spTree>
-    <p:extLst>
-      <p:ext uri="{BB962C8B-B14F-4D97-AF65-F5344CB8AC3E}">
-        <p14:creationId xmlns:p14="http://schemas.microsoft.com/office/powerpoint/2010/main" val="3622254067"/>
-      </p:ext>
-    </p:extLst>
-  </p:cSld>
-  <p:clrMapOvr>
-    <a:masterClrMapping/>
-  </p:clrMapOvr>
-  <mc:AlternateContent xmlns:mc="http://schemas.openxmlformats.org/markup-compatibility/2006" xmlns:p14="http://schemas.microsoft.com/office/powerpoint/2010/main">
-    <mc:Choice Requires="p14">
-      <p:transition spd="slow" p14:dur="2000">
-        <p:comb dir="vert"/>
-      </p:transition>
-    </mc:Choice>
-    <mc:Fallback xmlns="">
-      <p:transition spd="slow">
-        <p:comb dir="vert"/>
-      </p:transition>
-    </mc:Fallback>
-  </mc:AlternateContent>
-</p:sld>
-</file>
-
 <file path=ppt/slides/slide2.xml><?xml version="1.0" encoding="utf-8"?>
 <p:sld xmlns:a="http://schemas.openxmlformats.org/drawingml/2006/main" xmlns:r="http://schemas.openxmlformats.org/officeDocument/2006/relationships" xmlns:p="http://schemas.openxmlformats.org/presentationml/2006/main">
   <p:cSld>
@@ -22471,7 +23066,7 @@
               <a:buChar char="•"/>
             </a:pPr>
             <a:r>
-              <a:rPr lang="es-ES" sz="2400" dirty="0" smtClean="0">
+              <a:rPr lang="es-ES" sz="2400" dirty="0">
                 <a:solidFill>
                   <a:schemeClr val="tx1">
                     <a:lumMod val="65000"/>
@@ -22483,16 +23078,6 @@
               </a:rPr>
               <a:t>Daniela Lopez Arenas</a:t>
             </a:r>
-            <a:endParaRPr lang="es-ES" sz="2400" dirty="0">
-              <a:solidFill>
-                <a:schemeClr val="tx1">
-                  <a:lumMod val="65000"/>
-                  <a:lumOff val="35000"/>
-                </a:schemeClr>
-              </a:solidFill>
-              <a:latin typeface="Arial Rounded MT Bold" panose="020F0704030504030204" pitchFamily="34" charset="0"/>
-              <a:cs typeface="Segoe UI" panose="020B0502040204020203" pitchFamily="34" charset="0"/>
-            </a:endParaRPr>
           </a:p>
           <a:p>
             <a:pPr marL="0" marR="0" lvl="0" indent="0" algn="ctr" rtl="0">
@@ -23206,6 +23791,458 @@
               <a:buNone/>
             </a:pPr>
             <a:r>
+              <a:rPr lang="es-ES" sz="4000" b="1" dirty="0">
+                <a:solidFill>
+                  <a:schemeClr val="lt1"/>
+                </a:solidFill>
+                <a:effectLst>
+                  <a:glow rad="101600">
+                    <a:srgbClr val="002060">
+                      <a:alpha val="60000"/>
+                    </a:srgbClr>
+                  </a:glow>
+                </a:effectLst>
+                <a:latin typeface="Arial Rounded MT Bold" panose="020F0704030504030204" pitchFamily="34" charset="0"/>
+                <a:ea typeface="Calibri"/>
+              </a:rPr>
+              <a:t>INVESTIGACIÓN DEL MERCADO</a:t>
+            </a:r>
+            <a:endParaRPr sz="4000" b="1" i="0" u="none" strike="noStrike" cap="none" dirty="0">
+              <a:solidFill>
+                <a:schemeClr val="lt1"/>
+              </a:solidFill>
+              <a:effectLst>
+                <a:glow rad="101600">
+                  <a:srgbClr val="002060">
+                    <a:alpha val="60000"/>
+                  </a:srgbClr>
+                </a:glow>
+              </a:effectLst>
+              <a:latin typeface="Arial Rounded MT Bold" panose="020F0704030504030204" pitchFamily="34" charset="0"/>
+              <a:ea typeface="Calibri"/>
+              <a:cs typeface="Calibri"/>
+              <a:sym typeface="Calibri"/>
+            </a:endParaRPr>
+          </a:p>
+        </p:txBody>
+      </p:sp>
+      <p:pic>
+        <p:nvPicPr>
+          <p:cNvPr id="6" name="Imagen 5">
+            <a:extLst>
+              <a:ext uri="{FF2B5EF4-FFF2-40B4-BE49-F238E27FC236}">
+                <a16:creationId xmlns:a16="http://schemas.microsoft.com/office/drawing/2014/main" id="{71887398-B0AB-430F-B793-026DE66AFA95}"/>
+              </a:ext>
+            </a:extLst>
+          </p:cNvPr>
+          <p:cNvPicPr>
+            <a:picLocks noChangeAspect="1"/>
+          </p:cNvPicPr>
+          <p:nvPr/>
+        </p:nvPicPr>
+        <p:blipFill>
+          <a:blip r:embed="rId2"/>
+          <a:stretch>
+            <a:fillRect/>
+          </a:stretch>
+        </p:blipFill>
+        <p:spPr>
+          <a:xfrm>
+            <a:off x="1715047" y="1973963"/>
+            <a:ext cx="5967120" cy="2910073"/>
+          </a:xfrm>
+          <a:prstGeom prst="rect">
+            <a:avLst/>
+          </a:prstGeom>
+        </p:spPr>
+      </p:pic>
+      <p:pic>
+        <p:nvPicPr>
+          <p:cNvPr id="12" name="Imagen 11">
+            <a:extLst>
+              <a:ext uri="{FF2B5EF4-FFF2-40B4-BE49-F238E27FC236}">
+                <a16:creationId xmlns:a16="http://schemas.microsoft.com/office/drawing/2014/main" id="{44D095DE-DEE9-400A-86C2-EE9F26903591}"/>
+              </a:ext>
+            </a:extLst>
+          </p:cNvPr>
+          <p:cNvPicPr>
+            <a:picLocks noChangeAspect="1"/>
+          </p:cNvPicPr>
+          <p:nvPr/>
+        </p:nvPicPr>
+        <p:blipFill>
+          <a:blip r:embed="rId3"/>
+          <a:stretch>
+            <a:fillRect/>
+          </a:stretch>
+        </p:blipFill>
+        <p:spPr>
+          <a:xfrm>
+            <a:off x="1950644" y="4988316"/>
+            <a:ext cx="5495925" cy="1743075"/>
+          </a:xfrm>
+          <a:prstGeom prst="rect">
+            <a:avLst/>
+          </a:prstGeom>
+        </p:spPr>
+      </p:pic>
+      <p:pic>
+        <p:nvPicPr>
+          <p:cNvPr id="7" name="Imagen 6"/>
+          <p:cNvPicPr>
+            <a:picLocks noChangeAspect="1"/>
+          </p:cNvPicPr>
+          <p:nvPr/>
+        </p:nvPicPr>
+        <p:blipFill>
+          <a:blip r:embed="rId4">
+            <a:extLst>
+              <a:ext uri="{28A0092B-C50C-407E-A947-70E740481C1C}">
+                <a14:useLocalDpi xmlns:a14="http://schemas.microsoft.com/office/drawing/2010/main" val="0"/>
+              </a:ext>
+            </a:extLst>
+          </a:blip>
+          <a:stretch>
+            <a:fillRect/>
+          </a:stretch>
+        </p:blipFill>
+        <p:spPr>
+          <a:xfrm>
+            <a:off x="7947315" y="1890583"/>
+            <a:ext cx="773934" cy="746778"/>
+          </a:xfrm>
+          <a:prstGeom prst="rect">
+            <a:avLst/>
+          </a:prstGeom>
+        </p:spPr>
+      </p:pic>
+    </p:spTree>
+    <p:extLst>
+      <p:ext uri="{BB962C8B-B14F-4D97-AF65-F5344CB8AC3E}">
+        <p14:creationId xmlns:p14="http://schemas.microsoft.com/office/powerpoint/2010/main" val="2217753402"/>
+      </p:ext>
+    </p:extLst>
+  </p:cSld>
+  <p:clrMapOvr>
+    <a:masterClrMapping/>
+  </p:clrMapOvr>
+  <mc:AlternateContent xmlns:mc="http://schemas.openxmlformats.org/markup-compatibility/2006" xmlns:p14="http://schemas.microsoft.com/office/powerpoint/2010/main">
+    <mc:Choice Requires="p14">
+      <p:transition spd="slow" p14:dur="2000">
+        <p:comb dir="vert"/>
+      </p:transition>
+    </mc:Choice>
+    <mc:Fallback xmlns="">
+      <p:transition spd="slow">
+        <p:comb dir="vert"/>
+      </p:transition>
+    </mc:Fallback>
+  </mc:AlternateContent>
+</p:sld>
+</file>
+
+<file path=ppt/slides/slide21.xml><?xml version="1.0" encoding="utf-8"?>
+<p:sld xmlns:a="http://schemas.openxmlformats.org/drawingml/2006/main" xmlns:r="http://schemas.openxmlformats.org/officeDocument/2006/relationships" xmlns:p="http://schemas.openxmlformats.org/presentationml/2006/main">
+  <p:cSld>
+    <p:spTree>
+      <p:nvGrpSpPr>
+        <p:cNvPr id="1" name=""/>
+        <p:cNvGrpSpPr/>
+        <p:nvPr/>
+      </p:nvGrpSpPr>
+      <p:grpSpPr>
+        <a:xfrm>
+          <a:off x="0" y="0"/>
+          <a:ext cx="0" cy="0"/>
+          <a:chOff x="0" y="0"/>
+          <a:chExt cx="0" cy="0"/>
+        </a:xfrm>
+      </p:grpSpPr>
+      <p:sp>
+        <p:nvSpPr>
+          <p:cNvPr id="9" name="Google Shape;204;p21">
+            <a:extLst>
+              <a:ext uri="{FF2B5EF4-FFF2-40B4-BE49-F238E27FC236}">
+                <a16:creationId xmlns:a16="http://schemas.microsoft.com/office/drawing/2014/main" id="{DD305A2A-BB09-46AA-8FF5-24619180CF1E}"/>
+              </a:ext>
+            </a:extLst>
+          </p:cNvPr>
+          <p:cNvSpPr/>
+          <p:nvPr/>
+        </p:nvSpPr>
+        <p:spPr>
+          <a:xfrm>
+            <a:off x="228600" y="597876"/>
+            <a:ext cx="8686799" cy="610883"/>
+          </a:xfrm>
+          <a:prstGeom prst="rect">
+            <a:avLst/>
+          </a:prstGeom>
+          <a:noFill/>
+          <a:ln>
+            <a:noFill/>
+          </a:ln>
+        </p:spPr>
+        <p:txBody>
+          <a:bodyPr spcFirstLastPara="1" wrap="square" lIns="91425" tIns="45700" rIns="91425" bIns="45700" anchor="t" anchorCtr="0">
+            <a:noAutofit/>
+          </a:bodyPr>
+          <a:lstStyle/>
+          <a:p>
+            <a:pPr marL="0" marR="0" lvl="0" indent="0" algn="ctr" rtl="0">
+              <a:lnSpc>
+                <a:spcPct val="100000"/>
+              </a:lnSpc>
+              <a:spcBef>
+                <a:spcPts val="0"/>
+              </a:spcBef>
+              <a:spcAft>
+                <a:spcPts val="0"/>
+              </a:spcAft>
+              <a:buClr>
+                <a:srgbClr val="000000"/>
+              </a:buClr>
+              <a:buSzPts val="3200"/>
+              <a:buFont typeface="Arial"/>
+              <a:buNone/>
+            </a:pPr>
+            <a:r>
+              <a:rPr lang="es-ES" sz="4000" b="1" dirty="0">
+                <a:solidFill>
+                  <a:schemeClr val="lt1"/>
+                </a:solidFill>
+                <a:effectLst>
+                  <a:glow rad="101600">
+                    <a:srgbClr val="002060">
+                      <a:alpha val="60000"/>
+                    </a:srgbClr>
+                  </a:glow>
+                </a:effectLst>
+                <a:latin typeface="Arial Rounded MT Bold" panose="020F0704030504030204" pitchFamily="34" charset="0"/>
+                <a:ea typeface="Calibri"/>
+              </a:rPr>
+              <a:t>INVESTIGACIÓN DEL MERCADO</a:t>
+            </a:r>
+            <a:endParaRPr sz="4000" b="1" i="0" u="none" strike="noStrike" cap="none" dirty="0">
+              <a:solidFill>
+                <a:schemeClr val="lt1"/>
+              </a:solidFill>
+              <a:effectLst>
+                <a:glow rad="101600">
+                  <a:srgbClr val="002060">
+                    <a:alpha val="60000"/>
+                  </a:srgbClr>
+                </a:glow>
+              </a:effectLst>
+              <a:latin typeface="Arial Rounded MT Bold" panose="020F0704030504030204" pitchFamily="34" charset="0"/>
+              <a:ea typeface="Calibri"/>
+              <a:cs typeface="Calibri"/>
+              <a:sym typeface="Calibri"/>
+            </a:endParaRPr>
+          </a:p>
+        </p:txBody>
+      </p:sp>
+      <p:pic>
+        <p:nvPicPr>
+          <p:cNvPr id="3" name="Imagen 2">
+            <a:extLst>
+              <a:ext uri="{FF2B5EF4-FFF2-40B4-BE49-F238E27FC236}">
+                <a16:creationId xmlns:a16="http://schemas.microsoft.com/office/drawing/2014/main" id="{673C8C75-06C4-48C7-9B34-4FBB4B1080B5}"/>
+              </a:ext>
+            </a:extLst>
+          </p:cNvPr>
+          <p:cNvPicPr>
+            <a:picLocks noChangeAspect="1"/>
+          </p:cNvPicPr>
+          <p:nvPr/>
+        </p:nvPicPr>
+        <p:blipFill>
+          <a:blip r:embed="rId2"/>
+          <a:stretch>
+            <a:fillRect/>
+          </a:stretch>
+        </p:blipFill>
+        <p:spPr>
+          <a:xfrm>
+            <a:off x="914912" y="2553351"/>
+            <a:ext cx="7033334" cy="3955620"/>
+          </a:xfrm>
+          <a:prstGeom prst="rect">
+            <a:avLst/>
+          </a:prstGeom>
+        </p:spPr>
+      </p:pic>
+      <p:sp>
+        <p:nvSpPr>
+          <p:cNvPr id="8" name="CuadroTexto 7">
+            <a:extLst>
+              <a:ext uri="{FF2B5EF4-FFF2-40B4-BE49-F238E27FC236}">
+                <a16:creationId xmlns:a16="http://schemas.microsoft.com/office/drawing/2014/main" id="{3CA2761F-EEB1-4C73-A704-9ED14E5B3069}"/>
+              </a:ext>
+            </a:extLst>
+          </p:cNvPr>
+          <p:cNvSpPr txBox="1"/>
+          <p:nvPr/>
+        </p:nvSpPr>
+        <p:spPr>
+          <a:xfrm>
+            <a:off x="3073030" y="1812069"/>
+            <a:ext cx="2997937" cy="646331"/>
+          </a:xfrm>
+          <a:prstGeom prst="rect">
+            <a:avLst/>
+          </a:prstGeom>
+          <a:noFill/>
+        </p:spPr>
+        <p:txBody>
+          <a:bodyPr wrap="none" rtlCol="0">
+            <a:spAutoFit/>
+          </a:bodyPr>
+          <a:lstStyle/>
+          <a:p>
+            <a:r>
+              <a:rPr lang="es-CO" sz="3600" dirty="0">
+                <a:solidFill>
+                  <a:schemeClr val="accent5">
+                    <a:lumMod val="75000"/>
+                  </a:schemeClr>
+                </a:solidFill>
+                <a:effectLst>
+                  <a:glow rad="228600">
+                    <a:schemeClr val="accent1">
+                      <a:satMod val="175000"/>
+                      <a:alpha val="40000"/>
+                    </a:schemeClr>
+                  </a:glow>
+                </a:effectLst>
+                <a:latin typeface="Arial Rounded MT Bold" panose="020F0704030504030204" pitchFamily="34" charset="0"/>
+              </a:rPr>
+              <a:t>PARTICIPES</a:t>
+            </a:r>
+          </a:p>
+        </p:txBody>
+      </p:sp>
+      <p:pic>
+        <p:nvPicPr>
+          <p:cNvPr id="6" name="Imagen 5"/>
+          <p:cNvPicPr>
+            <a:picLocks noChangeAspect="1"/>
+          </p:cNvPicPr>
+          <p:nvPr/>
+        </p:nvPicPr>
+        <p:blipFill>
+          <a:blip r:embed="rId3">
+            <a:extLst>
+              <a:ext uri="{28A0092B-C50C-407E-A947-70E740481C1C}">
+                <a14:useLocalDpi xmlns:a14="http://schemas.microsoft.com/office/drawing/2010/main" val="0"/>
+              </a:ext>
+            </a:extLst>
+          </a:blip>
+          <a:stretch>
+            <a:fillRect/>
+          </a:stretch>
+        </p:blipFill>
+        <p:spPr>
+          <a:xfrm>
+            <a:off x="7947315" y="1890583"/>
+            <a:ext cx="773934" cy="746778"/>
+          </a:xfrm>
+          <a:prstGeom prst="rect">
+            <a:avLst/>
+          </a:prstGeom>
+        </p:spPr>
+      </p:pic>
+    </p:spTree>
+    <p:extLst>
+      <p:ext uri="{BB962C8B-B14F-4D97-AF65-F5344CB8AC3E}">
+        <p14:creationId xmlns:p14="http://schemas.microsoft.com/office/powerpoint/2010/main" val="3622254067"/>
+      </p:ext>
+    </p:extLst>
+  </p:cSld>
+  <p:clrMapOvr>
+    <a:masterClrMapping/>
+  </p:clrMapOvr>
+  <mc:AlternateContent xmlns:mc="http://schemas.openxmlformats.org/markup-compatibility/2006" xmlns:p14="http://schemas.microsoft.com/office/powerpoint/2010/main">
+    <mc:Choice Requires="p14">
+      <p:transition spd="slow" p14:dur="2000">
+        <p:comb dir="vert"/>
+      </p:transition>
+    </mc:Choice>
+    <mc:Fallback xmlns="">
+      <p:transition spd="slow">
+        <p:comb dir="vert"/>
+      </p:transition>
+    </mc:Fallback>
+  </mc:AlternateContent>
+</p:sld>
+</file>
+
+<file path=ppt/slides/slide22.xml><?xml version="1.0" encoding="utf-8"?>
+<p:sld xmlns:a="http://schemas.openxmlformats.org/drawingml/2006/main" xmlns:r="http://schemas.openxmlformats.org/officeDocument/2006/relationships" xmlns:p="http://schemas.openxmlformats.org/presentationml/2006/main">
+  <p:cSld>
+    <p:spTree>
+      <p:nvGrpSpPr>
+        <p:cNvPr id="1" name=""/>
+        <p:cNvGrpSpPr/>
+        <p:nvPr/>
+      </p:nvGrpSpPr>
+      <p:grpSpPr>
+        <a:xfrm>
+          <a:off x="0" y="0"/>
+          <a:ext cx="0" cy="0"/>
+          <a:chOff x="0" y="0"/>
+          <a:chExt cx="0" cy="0"/>
+        </a:xfrm>
+      </p:grpSpPr>
+      <p:sp>
+        <p:nvSpPr>
+          <p:cNvPr id="9" name="Google Shape;204;p21">
+            <a:extLst>
+              <a:ext uri="{FF2B5EF4-FFF2-40B4-BE49-F238E27FC236}">
+                <a16:creationId xmlns:a16="http://schemas.microsoft.com/office/drawing/2014/main" id="{DD305A2A-BB09-46AA-8FF5-24619180CF1E}"/>
+              </a:ext>
+            </a:extLst>
+          </p:cNvPr>
+          <p:cNvSpPr/>
+          <p:nvPr/>
+        </p:nvSpPr>
+        <p:spPr>
+          <a:xfrm>
+            <a:off x="228600" y="597876"/>
+            <a:ext cx="8686799" cy="610883"/>
+          </a:xfrm>
+          <a:prstGeom prst="rect">
+            <a:avLst/>
+          </a:prstGeom>
+          <a:noFill/>
+          <a:ln>
+            <a:noFill/>
+          </a:ln>
+        </p:spPr>
+        <p:txBody>
+          <a:bodyPr spcFirstLastPara="1" wrap="square" lIns="91425" tIns="45700" rIns="91425" bIns="45700" anchor="t" anchorCtr="0">
+            <a:noAutofit/>
+          </a:bodyPr>
+          <a:lstStyle/>
+          <a:p>
+            <a:pPr marL="0" marR="0" lvl="0" indent="0" algn="ctr" rtl="0">
+              <a:lnSpc>
+                <a:spcPct val="100000"/>
+              </a:lnSpc>
+              <a:spcBef>
+                <a:spcPts val="0"/>
+              </a:spcBef>
+              <a:spcAft>
+                <a:spcPts val="0"/>
+              </a:spcAft>
+              <a:buClr>
+                <a:srgbClr val="000000"/>
+              </a:buClr>
+              <a:buSzPts val="3200"/>
+              <a:buFont typeface="Arial"/>
+              <a:buNone/>
+            </a:pPr>
+            <a:r>
               <a:rPr lang="es-ES" sz="4000" b="1" i="0" u="none" strike="noStrike" cap="none" dirty="0">
                 <a:solidFill>
                   <a:schemeClr val="lt1"/>
@@ -23388,7 +24425,7 @@
 </p:sld>
 </file>
 
-<file path=ppt/slides/slide21.xml><?xml version="1.0" encoding="utf-8"?>
+<file path=ppt/slides/slide23.xml><?xml version="1.0" encoding="utf-8"?>
 <p:sld xmlns:a="http://schemas.openxmlformats.org/drawingml/2006/main" xmlns:r="http://schemas.openxmlformats.org/officeDocument/2006/relationships" xmlns:p="http://schemas.openxmlformats.org/presentationml/2006/main">
   <p:cSld>
     <p:spTree>
@@ -23627,7 +24664,7 @@
 </p:sld>
 </file>
 
-<file path=ppt/slides/slide22.xml><?xml version="1.0" encoding="utf-8"?>
+<file path=ppt/slides/slide24.xml><?xml version="1.0" encoding="utf-8"?>
 <p:sld xmlns:a="http://schemas.openxmlformats.org/drawingml/2006/main" xmlns:r="http://schemas.openxmlformats.org/officeDocument/2006/relationships" xmlns:p="http://schemas.openxmlformats.org/presentationml/2006/main">
   <p:cSld>
     <p:spTree>
@@ -23866,7 +24903,7 @@
 </p:sld>
 </file>
 
-<file path=ppt/slides/slide23.xml><?xml version="1.0" encoding="utf-8"?>
+<file path=ppt/slides/slide25.xml><?xml version="1.0" encoding="utf-8"?>
 <p:sld xmlns:a="http://schemas.openxmlformats.org/drawingml/2006/main" xmlns:r="http://schemas.openxmlformats.org/officeDocument/2006/relationships" xmlns:p="http://schemas.openxmlformats.org/presentationml/2006/main">
   <p:cSld>
     <p:spTree>
@@ -24133,7 +25170,7 @@
 </p:sld>
 </file>
 
-<file path=ppt/slides/slide24.xml><?xml version="1.0" encoding="utf-8"?>
+<file path=ppt/slides/slide26.xml><?xml version="1.0" encoding="utf-8"?>
 <p:sld xmlns:a="http://schemas.openxmlformats.org/drawingml/2006/main" xmlns:r="http://schemas.openxmlformats.org/officeDocument/2006/relationships" xmlns:p="http://schemas.openxmlformats.org/presentationml/2006/main">
   <p:cSld>
     <p:spTree>
@@ -24372,7 +25409,7 @@
 </p:sld>
 </file>
 
-<file path=ppt/slides/slide25.xml><?xml version="1.0" encoding="utf-8"?>
+<file path=ppt/slides/slide27.xml><?xml version="1.0" encoding="utf-8"?>
 <p:sld xmlns:a="http://schemas.openxmlformats.org/drawingml/2006/main" xmlns:r="http://schemas.openxmlformats.org/officeDocument/2006/relationships" xmlns:p="http://schemas.openxmlformats.org/presentationml/2006/main">
   <p:cSld>
     <p:spTree>
@@ -24611,7 +25648,7 @@
 </p:sld>
 </file>
 
-<file path=ppt/slides/slide26.xml><?xml version="1.0" encoding="utf-8"?>
+<file path=ppt/slides/slide28.xml><?xml version="1.0" encoding="utf-8"?>
 <p:sld xmlns:a="http://schemas.openxmlformats.org/drawingml/2006/main" xmlns:r="http://schemas.openxmlformats.org/officeDocument/2006/relationships" xmlns:p="http://schemas.openxmlformats.org/presentationml/2006/main">
   <p:cSld>
     <p:spTree>
@@ -24845,7 +25882,7 @@
 </p:sld>
 </file>
 
-<file path=ppt/slides/slide27.xml><?xml version="1.0" encoding="utf-8"?>
+<file path=ppt/slides/slide29.xml><?xml version="1.0" encoding="utf-8"?>
 <p:sld xmlns:a="http://schemas.openxmlformats.org/drawingml/2006/main" xmlns:r="http://schemas.openxmlformats.org/officeDocument/2006/relationships" xmlns:p="http://schemas.openxmlformats.org/presentationml/2006/main">
   <p:cSld>
     <p:spTree>
@@ -25027,7 +26064,752 @@
 </p:sld>
 </file>
 
-<file path=ppt/slides/slide28.xml><?xml version="1.0" encoding="utf-8"?>
+<file path=ppt/slides/slide3.xml><?xml version="1.0" encoding="utf-8"?>
+<p:sld xmlns:a="http://schemas.openxmlformats.org/drawingml/2006/main" xmlns:r="http://schemas.openxmlformats.org/officeDocument/2006/relationships" xmlns:p="http://schemas.openxmlformats.org/presentationml/2006/main">
+  <p:cSld>
+    <p:spTree>
+      <p:nvGrpSpPr>
+        <p:cNvPr id="1" name="Shape 138"/>
+        <p:cNvGrpSpPr/>
+        <p:nvPr/>
+      </p:nvGrpSpPr>
+      <p:grpSpPr>
+        <a:xfrm>
+          <a:off x="0" y="0"/>
+          <a:ext cx="0" cy="0"/>
+          <a:chOff x="0" y="0"/>
+          <a:chExt cx="0" cy="0"/>
+        </a:xfrm>
+      </p:grpSpPr>
+      <p:sp>
+        <p:nvSpPr>
+          <p:cNvPr id="139" name="Google Shape;139;p15"/>
+          <p:cNvSpPr/>
+          <p:nvPr/>
+        </p:nvSpPr>
+        <p:spPr>
+          <a:xfrm>
+            <a:off x="0" y="512562"/>
+            <a:ext cx="9270707" cy="1041247"/>
+          </a:xfrm>
+          <a:prstGeom prst="rect">
+            <a:avLst/>
+          </a:prstGeom>
+          <a:noFill/>
+          <a:ln>
+            <a:noFill/>
+          </a:ln>
+        </p:spPr>
+        <p:txBody>
+          <a:bodyPr spcFirstLastPara="1" wrap="square" lIns="91425" tIns="45700" rIns="91425" bIns="45700" anchor="t" anchorCtr="0">
+            <a:noAutofit/>
+          </a:bodyPr>
+          <a:lstStyle/>
+          <a:p>
+            <a:pPr lvl="0" algn="ctr">
+              <a:lnSpc>
+                <a:spcPct val="115000"/>
+              </a:lnSpc>
+              <a:buSzPts val="1800"/>
+            </a:pPr>
+            <a:r>
+              <a:rPr lang="es-ES" sz="4000" b="1" dirty="0">
+                <a:solidFill>
+                  <a:schemeClr val="bg1"/>
+                </a:solidFill>
+                <a:effectLst>
+                  <a:glow rad="101600">
+                    <a:srgbClr val="002060">
+                      <a:alpha val="60000"/>
+                    </a:srgbClr>
+                  </a:glow>
+                </a:effectLst>
+                <a:latin typeface="Arial Rounded MT Bold" panose="020F0704030504030204" pitchFamily="34" charset="0"/>
+                <a:cs typeface="Segoe UI" panose="020B0502040204020203" pitchFamily="34" charset="0"/>
+              </a:rPr>
+              <a:t>ANEXOS</a:t>
+            </a:r>
+            <a:endParaRPr lang="es-ES" sz="4000" dirty="0">
+              <a:solidFill>
+                <a:schemeClr val="bg1"/>
+              </a:solidFill>
+              <a:effectLst>
+                <a:glow rad="101600">
+                  <a:srgbClr val="002060">
+                    <a:alpha val="60000"/>
+                  </a:srgbClr>
+                </a:glow>
+              </a:effectLst>
+              <a:latin typeface="Arial Rounded MT Bold" panose="020F0704030504030204" pitchFamily="34" charset="0"/>
+              <a:cs typeface="Segoe UI" panose="020B0502040204020203" pitchFamily="34" charset="0"/>
+            </a:endParaRPr>
+          </a:p>
+        </p:txBody>
+      </p:sp>
+      <p:sp>
+        <p:nvSpPr>
+          <p:cNvPr id="141" name="Google Shape;141;p15"/>
+          <p:cNvSpPr/>
+          <p:nvPr/>
+        </p:nvSpPr>
+        <p:spPr>
+          <a:xfrm>
+            <a:off x="292090" y="2941257"/>
+            <a:ext cx="8686526" cy="1915607"/>
+          </a:xfrm>
+          <a:prstGeom prst="rect">
+            <a:avLst/>
+          </a:prstGeom>
+          <a:noFill/>
+          <a:ln>
+            <a:noFill/>
+          </a:ln>
+        </p:spPr>
+        <p:txBody>
+          <a:bodyPr spcFirstLastPara="1" wrap="square" lIns="91425" tIns="45700" rIns="91425" bIns="45700" anchor="t" anchorCtr="0">
+            <a:noAutofit/>
+          </a:bodyPr>
+          <a:lstStyle/>
+          <a:p>
+            <a:pPr marL="342900" marR="0" lvl="0" indent="-342900" rtl="0">
+              <a:lnSpc>
+                <a:spcPct val="115000"/>
+              </a:lnSpc>
+              <a:spcBef>
+                <a:spcPts val="0"/>
+              </a:spcBef>
+              <a:spcAft>
+                <a:spcPts val="0"/>
+              </a:spcAft>
+              <a:buClr>
+                <a:srgbClr val="000000"/>
+              </a:buClr>
+              <a:buSzPts val="1800"/>
+              <a:buFont typeface="Arial" panose="020B0604020202020204" pitchFamily="34" charset="0"/>
+              <a:buChar char="•"/>
+            </a:pPr>
+            <a:r>
+              <a:rPr lang="es-CO" sz="2400" dirty="0">
+                <a:solidFill>
+                  <a:schemeClr val="tx1">
+                    <a:lumMod val="65000"/>
+                    <a:lumOff val="35000"/>
+                  </a:schemeClr>
+                </a:solidFill>
+                <a:latin typeface="Arial Rounded MT Bold" panose="020F0704030504030204" pitchFamily="34" charset="0"/>
+                <a:cs typeface="Segoe UI" panose="020B0502040204020203" pitchFamily="34" charset="0"/>
+              </a:rPr>
+              <a:t>Libro de Excel “Encuestas Help_Cert”</a:t>
+            </a:r>
+            <a:endParaRPr sz="2400" i="0" u="none" strike="noStrike" cap="none" dirty="0">
+              <a:solidFill>
+                <a:schemeClr val="tx1">
+                  <a:lumMod val="65000"/>
+                  <a:lumOff val="35000"/>
+                </a:schemeClr>
+              </a:solidFill>
+              <a:latin typeface="Arial Rounded MT Bold" panose="020F0704030504030204" pitchFamily="34" charset="0"/>
+              <a:cs typeface="Segoe UI" panose="020B0502040204020203" pitchFamily="34" charset="0"/>
+              <a:sym typeface="Arial"/>
+            </a:endParaRPr>
+          </a:p>
+          <a:p>
+            <a:pPr marL="342900" marR="0" lvl="0" indent="-342900" rtl="0">
+              <a:lnSpc>
+                <a:spcPct val="115000"/>
+              </a:lnSpc>
+              <a:spcBef>
+                <a:spcPts val="0"/>
+              </a:spcBef>
+              <a:spcAft>
+                <a:spcPts val="0"/>
+              </a:spcAft>
+              <a:buClr>
+                <a:srgbClr val="000000"/>
+              </a:buClr>
+              <a:buSzPts val="1800"/>
+              <a:buFont typeface="Arial" panose="020B0604020202020204" pitchFamily="34" charset="0"/>
+              <a:buChar char="•"/>
+            </a:pPr>
+            <a:r>
+              <a:rPr lang="es-CO" sz="2400" i="0" u="none" strike="noStrike" cap="none" dirty="0">
+                <a:solidFill>
+                  <a:schemeClr val="tx1">
+                    <a:lumMod val="65000"/>
+                    <a:lumOff val="35000"/>
+                  </a:schemeClr>
+                </a:solidFill>
+                <a:latin typeface="Arial Rounded MT Bold" panose="020F0704030504030204" pitchFamily="34" charset="0"/>
+                <a:cs typeface="Segoe UI" panose="020B0502040204020203" pitchFamily="34" charset="0"/>
+                <a:sym typeface="Arial"/>
+              </a:rPr>
+              <a:t>Documento de Trabajo Help_Cert</a:t>
+            </a:r>
+            <a:endParaRPr sz="2400" i="0" u="none" strike="noStrike" cap="none" dirty="0">
+              <a:solidFill>
+                <a:schemeClr val="tx1">
+                  <a:lumMod val="65000"/>
+                  <a:lumOff val="35000"/>
+                </a:schemeClr>
+              </a:solidFill>
+              <a:latin typeface="Arial Rounded MT Bold" panose="020F0704030504030204" pitchFamily="34" charset="0"/>
+              <a:cs typeface="Segoe UI" panose="020B0502040204020203" pitchFamily="34" charset="0"/>
+              <a:sym typeface="Arial"/>
+            </a:endParaRPr>
+          </a:p>
+          <a:p>
+            <a:pPr marL="342900" lvl="0" indent="-342900">
+              <a:lnSpc>
+                <a:spcPct val="115000"/>
+              </a:lnSpc>
+              <a:buSzPts val="1800"/>
+              <a:buFont typeface="Arial" panose="020B0604020202020204" pitchFamily="34" charset="0"/>
+              <a:buChar char="•"/>
+            </a:pPr>
+            <a:r>
+              <a:rPr lang="es-ES" sz="2400" dirty="0">
+                <a:solidFill>
+                  <a:schemeClr val="tx1">
+                    <a:lumMod val="65000"/>
+                    <a:lumOff val="35000"/>
+                  </a:schemeClr>
+                </a:solidFill>
+                <a:latin typeface="Arial Rounded MT Bold" panose="020F0704030504030204" pitchFamily="34" charset="0"/>
+                <a:cs typeface="Segoe UI" panose="020B0502040204020203" pitchFamily="34" charset="0"/>
+              </a:rPr>
+              <a:t>Trabajo Investigación (Bases_de_Datos)</a:t>
+            </a:r>
+            <a:endParaRPr lang="es-ES" sz="2400" i="0" u="none" strike="noStrike" cap="none" dirty="0">
+              <a:solidFill>
+                <a:schemeClr val="tx1">
+                  <a:lumMod val="65000"/>
+                  <a:lumOff val="35000"/>
+                </a:schemeClr>
+              </a:solidFill>
+              <a:latin typeface="Arial Rounded MT Bold" panose="020F0704030504030204" pitchFamily="34" charset="0"/>
+              <a:cs typeface="Segoe UI" panose="020B0502040204020203" pitchFamily="34" charset="0"/>
+              <a:sym typeface="Arial"/>
+            </a:endParaRPr>
+          </a:p>
+          <a:p>
+            <a:pPr marL="342900" lvl="0" indent="-342900">
+              <a:lnSpc>
+                <a:spcPct val="115000"/>
+              </a:lnSpc>
+              <a:buSzPts val="1800"/>
+              <a:buFont typeface="Arial" panose="020B0604020202020204" pitchFamily="34" charset="0"/>
+              <a:buChar char="•"/>
+            </a:pPr>
+            <a:r>
+              <a:rPr lang="es-ES" sz="2400" dirty="0">
+                <a:solidFill>
+                  <a:schemeClr val="tx1">
+                    <a:lumMod val="65000"/>
+                    <a:lumOff val="35000"/>
+                  </a:schemeClr>
+                </a:solidFill>
+                <a:latin typeface="Arial Rounded MT Bold" panose="020F0704030504030204" pitchFamily="34" charset="0"/>
+                <a:cs typeface="Segoe UI" panose="020B0502040204020203" pitchFamily="34" charset="0"/>
+              </a:rPr>
+              <a:t>Trabajo Investigación (Recursos Hardware)</a:t>
+            </a:r>
+          </a:p>
+          <a:p>
+            <a:pPr marL="0" marR="0" lvl="0" indent="0" algn="ctr" rtl="0">
+              <a:lnSpc>
+                <a:spcPct val="115000"/>
+              </a:lnSpc>
+              <a:spcBef>
+                <a:spcPts val="0"/>
+              </a:spcBef>
+              <a:spcAft>
+                <a:spcPts val="0"/>
+              </a:spcAft>
+              <a:buClr>
+                <a:srgbClr val="000000"/>
+              </a:buClr>
+              <a:buSzPts val="1800"/>
+              <a:buFont typeface="Arial"/>
+              <a:buNone/>
+            </a:pPr>
+            <a:endParaRPr sz="2400" i="0" u="none" strike="noStrike" cap="none" dirty="0">
+              <a:solidFill>
+                <a:srgbClr val="000000"/>
+              </a:solidFill>
+              <a:effectLst>
+                <a:outerShdw blurRad="50800" dist="38100" dir="2700000" algn="tl" rotWithShape="0">
+                  <a:prstClr val="black">
+                    <a:alpha val="40000"/>
+                  </a:prstClr>
+                </a:outerShdw>
+              </a:effectLst>
+              <a:latin typeface="Arial Rounded MT Bold" panose="020F0704030504030204" pitchFamily="34" charset="0"/>
+              <a:cs typeface="Segoe UI" panose="020B0502040204020203" pitchFamily="34" charset="0"/>
+              <a:sym typeface="Arial"/>
+            </a:endParaRPr>
+          </a:p>
+          <a:p>
+            <a:pPr marL="0" marR="0" lvl="0" indent="0" algn="ctr" rtl="0">
+              <a:lnSpc>
+                <a:spcPct val="115000"/>
+              </a:lnSpc>
+              <a:spcBef>
+                <a:spcPts val="0"/>
+              </a:spcBef>
+              <a:spcAft>
+                <a:spcPts val="0"/>
+              </a:spcAft>
+              <a:buClr>
+                <a:srgbClr val="000000"/>
+              </a:buClr>
+              <a:buSzPts val="1800"/>
+              <a:buFont typeface="Arial"/>
+              <a:buNone/>
+            </a:pPr>
+            <a:endParaRPr sz="2400" dirty="0">
+              <a:effectLst>
+                <a:outerShdw blurRad="50800" dist="38100" dir="2700000" algn="tl" rotWithShape="0">
+                  <a:prstClr val="black">
+                    <a:alpha val="40000"/>
+                  </a:prstClr>
+                </a:outerShdw>
+              </a:effectLst>
+              <a:latin typeface="Arial Rounded MT Bold" panose="020F0704030504030204" pitchFamily="34" charset="0"/>
+              <a:cs typeface="Segoe UI" panose="020B0502040204020203" pitchFamily="34" charset="0"/>
+            </a:endParaRPr>
+          </a:p>
+        </p:txBody>
+      </p:sp>
+      <p:sp>
+        <p:nvSpPr>
+          <p:cNvPr id="6" name="CuadroTexto 5">
+            <a:extLst>
+              <a:ext uri="{FF2B5EF4-FFF2-40B4-BE49-F238E27FC236}">
+                <a16:creationId xmlns:a16="http://schemas.microsoft.com/office/drawing/2014/main" id="{C656BDAE-E3AF-46D8-A38F-84874D6EB754}"/>
+              </a:ext>
+            </a:extLst>
+          </p:cNvPr>
+          <p:cNvSpPr txBox="1"/>
+          <p:nvPr/>
+        </p:nvSpPr>
+        <p:spPr>
+          <a:xfrm>
+            <a:off x="2128061" y="1991029"/>
+            <a:ext cx="4887877" cy="646331"/>
+          </a:xfrm>
+          <a:prstGeom prst="rect">
+            <a:avLst/>
+          </a:prstGeom>
+          <a:noFill/>
+        </p:spPr>
+        <p:txBody>
+          <a:bodyPr wrap="none" rtlCol="0">
+            <a:spAutoFit/>
+          </a:bodyPr>
+          <a:lstStyle/>
+          <a:p>
+            <a:r>
+              <a:rPr lang="es-CO" sz="3600" dirty="0">
+                <a:solidFill>
+                  <a:schemeClr val="accent5">
+                    <a:lumMod val="75000"/>
+                  </a:schemeClr>
+                </a:solidFill>
+                <a:effectLst>
+                  <a:glow rad="228600">
+                    <a:schemeClr val="accent1">
+                      <a:satMod val="175000"/>
+                      <a:alpha val="40000"/>
+                    </a:schemeClr>
+                  </a:glow>
+                </a:effectLst>
+                <a:latin typeface="Arial Rounded MT Bold" panose="020F0704030504030204" pitchFamily="34" charset="0"/>
+              </a:rPr>
+              <a:t>EQUIPO HELP_CERT</a:t>
+            </a:r>
+          </a:p>
+        </p:txBody>
+      </p:sp>
+      <p:pic>
+        <p:nvPicPr>
+          <p:cNvPr id="2" name="Imagen 1">
+            <a:extLst>
+              <a:ext uri="{FF2B5EF4-FFF2-40B4-BE49-F238E27FC236}">
+                <a16:creationId xmlns:a16="http://schemas.microsoft.com/office/drawing/2014/main" id="{56538B82-0823-4699-A2B9-3E4FA8DEFC9D}"/>
+              </a:ext>
+            </a:extLst>
+          </p:cNvPr>
+          <p:cNvPicPr>
+            <a:picLocks noChangeAspect="1"/>
+          </p:cNvPicPr>
+          <p:nvPr/>
+        </p:nvPicPr>
+        <p:blipFill>
+          <a:blip r:embed="rId3"/>
+          <a:stretch>
+            <a:fillRect/>
+          </a:stretch>
+        </p:blipFill>
+        <p:spPr>
+          <a:xfrm>
+            <a:off x="3523126" y="5096804"/>
+            <a:ext cx="2224454" cy="1112227"/>
+          </a:xfrm>
+          <a:prstGeom prst="rect">
+            <a:avLst/>
+          </a:prstGeom>
+        </p:spPr>
+      </p:pic>
+      <p:pic>
+        <p:nvPicPr>
+          <p:cNvPr id="7" name="Imagen 6"/>
+          <p:cNvPicPr>
+            <a:picLocks noChangeAspect="1"/>
+          </p:cNvPicPr>
+          <p:nvPr/>
+        </p:nvPicPr>
+        <p:blipFill>
+          <a:blip r:embed="rId4">
+            <a:extLst>
+              <a:ext uri="{28A0092B-C50C-407E-A947-70E740481C1C}">
+                <a14:useLocalDpi xmlns:a14="http://schemas.microsoft.com/office/drawing/2010/main" val="0"/>
+              </a:ext>
+            </a:extLst>
+          </a:blip>
+          <a:stretch>
+            <a:fillRect/>
+          </a:stretch>
+        </p:blipFill>
+        <p:spPr>
+          <a:xfrm>
+            <a:off x="7947315" y="1890583"/>
+            <a:ext cx="773934" cy="746778"/>
+          </a:xfrm>
+          <a:prstGeom prst="rect">
+            <a:avLst/>
+          </a:prstGeom>
+        </p:spPr>
+      </p:pic>
+    </p:spTree>
+    <p:extLst>
+      <p:ext uri="{BB962C8B-B14F-4D97-AF65-F5344CB8AC3E}">
+        <p14:creationId xmlns:p14="http://schemas.microsoft.com/office/powerpoint/2010/main" val="1222053199"/>
+      </p:ext>
+    </p:extLst>
+  </p:cSld>
+  <p:clrMapOvr>
+    <a:masterClrMapping/>
+  </p:clrMapOvr>
+  <mc:AlternateContent xmlns:mc="http://schemas.openxmlformats.org/markup-compatibility/2006" xmlns:p14="http://schemas.microsoft.com/office/powerpoint/2010/main">
+    <mc:Choice Requires="p14">
+      <p:transition spd="slow" p14:dur="2000">
+        <p:comb dir="vert"/>
+      </p:transition>
+    </mc:Choice>
+    <mc:Fallback xmlns="">
+      <p:transition spd="slow">
+        <p:comb dir="vert"/>
+      </p:transition>
+    </mc:Fallback>
+  </mc:AlternateContent>
+  <p:timing>
+    <p:tnLst>
+      <p:par>
+        <p:cTn id="1" dur="indefinite" restart="never" nodeType="tmRoot">
+          <p:childTnLst>
+            <p:seq concurrent="1" nextAc="seek">
+              <p:cTn id="2" dur="indefinite" nodeType="mainSeq">
+                <p:childTnLst>
+                  <p:par>
+                    <p:cTn id="3" fill="hold">
+                      <p:stCondLst>
+                        <p:cond delay="indefinite"/>
+                      </p:stCondLst>
+                      <p:childTnLst>
+                        <p:par>
+                          <p:cTn id="4" fill="hold">
+                            <p:stCondLst>
+                              <p:cond delay="0"/>
+                            </p:stCondLst>
+                            <p:childTnLst>
+                              <p:par>
+                                <p:cTn id="5" presetID="16" presetClass="entr" presetSubtype="21" fill="hold" grpId="0" nodeType="clickEffect">
+                                  <p:stCondLst>
+                                    <p:cond delay="0"/>
+                                  </p:stCondLst>
+                                  <p:childTnLst>
+                                    <p:set>
+                                      <p:cBhvr>
+                                        <p:cTn id="6" dur="1" fill="hold">
+                                          <p:stCondLst>
+                                            <p:cond delay="0"/>
+                                          </p:stCondLst>
+                                        </p:cTn>
+                                        <p:tgtEl>
+                                          <p:spTgt spid="6"/>
+                                        </p:tgtEl>
+                                        <p:attrNameLst>
+                                          <p:attrName>style.visibility</p:attrName>
+                                        </p:attrNameLst>
+                                      </p:cBhvr>
+                                      <p:to>
+                                        <p:strVal val="visible"/>
+                                      </p:to>
+                                    </p:set>
+                                    <p:animEffect transition="in" filter="barn(inVertical)">
+                                      <p:cBhvr>
+                                        <p:cTn id="7" dur="500"/>
+                                        <p:tgtEl>
+                                          <p:spTgt spid="6"/>
+                                        </p:tgtEl>
+                                      </p:cBhvr>
+                                    </p:animEffect>
+                                  </p:childTnLst>
+                                </p:cTn>
+                              </p:par>
+                            </p:childTnLst>
+                          </p:cTn>
+                        </p:par>
+                        <p:par>
+                          <p:cTn id="8" fill="hold">
+                            <p:stCondLst>
+                              <p:cond delay="500"/>
+                            </p:stCondLst>
+                            <p:childTnLst>
+                              <p:par>
+                                <p:cTn id="9" presetID="16" presetClass="entr" presetSubtype="21" fill="hold" nodeType="afterEffect">
+                                  <p:stCondLst>
+                                    <p:cond delay="0"/>
+                                  </p:stCondLst>
+                                  <p:childTnLst>
+                                    <p:set>
+                                      <p:cBhvr>
+                                        <p:cTn id="10" dur="1" fill="hold">
+                                          <p:stCondLst>
+                                            <p:cond delay="0"/>
+                                          </p:stCondLst>
+                                        </p:cTn>
+                                        <p:tgtEl>
+                                          <p:spTgt spid="141">
+                                            <p:txEl>
+                                              <p:pRg st="1" end="1"/>
+                                            </p:txEl>
+                                          </p:spTgt>
+                                        </p:tgtEl>
+                                        <p:attrNameLst>
+                                          <p:attrName>style.visibility</p:attrName>
+                                        </p:attrNameLst>
+                                      </p:cBhvr>
+                                      <p:to>
+                                        <p:strVal val="visible"/>
+                                      </p:to>
+                                    </p:set>
+                                    <p:animEffect transition="in" filter="barn(inVertical)">
+                                      <p:cBhvr>
+                                        <p:cTn id="11" dur="1000"/>
+                                        <p:tgtEl>
+                                          <p:spTgt spid="141">
+                                            <p:txEl>
+                                              <p:pRg st="1" end="1"/>
+                                            </p:txEl>
+                                          </p:spTgt>
+                                        </p:tgtEl>
+                                      </p:cBhvr>
+                                    </p:animEffect>
+                                  </p:childTnLst>
+                                </p:cTn>
+                              </p:par>
+                            </p:childTnLst>
+                          </p:cTn>
+                        </p:par>
+                        <p:par>
+                          <p:cTn id="12" fill="hold">
+                            <p:stCondLst>
+                              <p:cond delay="1500"/>
+                            </p:stCondLst>
+                            <p:childTnLst>
+                              <p:par>
+                                <p:cTn id="13" presetID="16" presetClass="entr" presetSubtype="21" fill="hold" nodeType="afterEffect">
+                                  <p:stCondLst>
+                                    <p:cond delay="0"/>
+                                  </p:stCondLst>
+                                  <p:childTnLst>
+                                    <p:set>
+                                      <p:cBhvr>
+                                        <p:cTn id="14" dur="1" fill="hold">
+                                          <p:stCondLst>
+                                            <p:cond delay="0"/>
+                                          </p:stCondLst>
+                                        </p:cTn>
+                                        <p:tgtEl>
+                                          <p:spTgt spid="141">
+                                            <p:txEl>
+                                              <p:pRg st="0" end="0"/>
+                                            </p:txEl>
+                                          </p:spTgt>
+                                        </p:tgtEl>
+                                        <p:attrNameLst>
+                                          <p:attrName>style.visibility</p:attrName>
+                                        </p:attrNameLst>
+                                      </p:cBhvr>
+                                      <p:to>
+                                        <p:strVal val="visible"/>
+                                      </p:to>
+                                    </p:set>
+                                    <p:animEffect transition="in" filter="barn(inVertical)">
+                                      <p:cBhvr>
+                                        <p:cTn id="15" dur="1000"/>
+                                        <p:tgtEl>
+                                          <p:spTgt spid="141">
+                                            <p:txEl>
+                                              <p:pRg st="0" end="0"/>
+                                            </p:txEl>
+                                          </p:spTgt>
+                                        </p:tgtEl>
+                                      </p:cBhvr>
+                                    </p:animEffect>
+                                  </p:childTnLst>
+                                </p:cTn>
+                              </p:par>
+                            </p:childTnLst>
+                          </p:cTn>
+                        </p:par>
+                        <p:par>
+                          <p:cTn id="16" fill="hold">
+                            <p:stCondLst>
+                              <p:cond delay="2500"/>
+                            </p:stCondLst>
+                            <p:childTnLst>
+                              <p:par>
+                                <p:cTn id="17" presetID="16" presetClass="entr" presetSubtype="21" fill="hold" nodeType="afterEffect">
+                                  <p:stCondLst>
+                                    <p:cond delay="0"/>
+                                  </p:stCondLst>
+                                  <p:childTnLst>
+                                    <p:set>
+                                      <p:cBhvr>
+                                        <p:cTn id="18" dur="1" fill="hold">
+                                          <p:stCondLst>
+                                            <p:cond delay="0"/>
+                                          </p:stCondLst>
+                                        </p:cTn>
+                                        <p:tgtEl>
+                                          <p:spTgt spid="141">
+                                            <p:txEl>
+                                              <p:pRg st="2" end="2"/>
+                                            </p:txEl>
+                                          </p:spTgt>
+                                        </p:tgtEl>
+                                        <p:attrNameLst>
+                                          <p:attrName>style.visibility</p:attrName>
+                                        </p:attrNameLst>
+                                      </p:cBhvr>
+                                      <p:to>
+                                        <p:strVal val="visible"/>
+                                      </p:to>
+                                    </p:set>
+                                    <p:animEffect transition="in" filter="barn(inVertical)">
+                                      <p:cBhvr>
+                                        <p:cTn id="19" dur="1000"/>
+                                        <p:tgtEl>
+                                          <p:spTgt spid="141">
+                                            <p:txEl>
+                                              <p:pRg st="2" end="2"/>
+                                            </p:txEl>
+                                          </p:spTgt>
+                                        </p:tgtEl>
+                                      </p:cBhvr>
+                                    </p:animEffect>
+                                  </p:childTnLst>
+                                </p:cTn>
+                              </p:par>
+                            </p:childTnLst>
+                          </p:cTn>
+                        </p:par>
+                        <p:par>
+                          <p:cTn id="20" fill="hold">
+                            <p:stCondLst>
+                              <p:cond delay="3500"/>
+                            </p:stCondLst>
+                            <p:childTnLst>
+                              <p:par>
+                                <p:cTn id="21" presetID="16" presetClass="entr" presetSubtype="21" fill="hold" nodeType="afterEffect">
+                                  <p:stCondLst>
+                                    <p:cond delay="0"/>
+                                  </p:stCondLst>
+                                  <p:childTnLst>
+                                    <p:set>
+                                      <p:cBhvr>
+                                        <p:cTn id="22" dur="1" fill="hold">
+                                          <p:stCondLst>
+                                            <p:cond delay="0"/>
+                                          </p:stCondLst>
+                                        </p:cTn>
+                                        <p:tgtEl>
+                                          <p:spTgt spid="141">
+                                            <p:txEl>
+                                              <p:pRg st="3" end="3"/>
+                                            </p:txEl>
+                                          </p:spTgt>
+                                        </p:tgtEl>
+                                        <p:attrNameLst>
+                                          <p:attrName>style.visibility</p:attrName>
+                                        </p:attrNameLst>
+                                      </p:cBhvr>
+                                      <p:to>
+                                        <p:strVal val="visible"/>
+                                      </p:to>
+                                    </p:set>
+                                    <p:animEffect transition="in" filter="barn(inVertical)">
+                                      <p:cBhvr>
+                                        <p:cTn id="23" dur="1000"/>
+                                        <p:tgtEl>
+                                          <p:spTgt spid="141">
+                                            <p:txEl>
+                                              <p:pRg st="3" end="3"/>
+                                            </p:txEl>
+                                          </p:spTgt>
+                                        </p:tgtEl>
+                                      </p:cBhvr>
+                                    </p:animEffect>
+                                  </p:childTnLst>
+                                </p:cTn>
+                              </p:par>
+                            </p:childTnLst>
+                          </p:cTn>
+                        </p:par>
+                      </p:childTnLst>
+                    </p:cTn>
+                  </p:par>
+                </p:childTnLst>
+              </p:cTn>
+              <p:prevCondLst>
+                <p:cond evt="onPrev" delay="0">
+                  <p:tgtEl>
+                    <p:sldTgt/>
+                  </p:tgtEl>
+                </p:cond>
+              </p:prevCondLst>
+              <p:nextCondLst>
+                <p:cond evt="onNext" delay="0">
+                  <p:tgtEl>
+                    <p:sldTgt/>
+                  </p:tgtEl>
+                </p:cond>
+              </p:nextCondLst>
+            </p:seq>
+          </p:childTnLst>
+        </p:cTn>
+      </p:par>
+    </p:tnLst>
+    <p:bldLst>
+      <p:bldP spid="6" grpId="0"/>
+    </p:bldLst>
+  </p:timing>
+</p:sld>
+</file>
+
+<file path=ppt/slides/slide30.xml><?xml version="1.0" encoding="utf-8"?>
 <p:sld xmlns:a="http://schemas.openxmlformats.org/drawingml/2006/main" xmlns:r="http://schemas.openxmlformats.org/officeDocument/2006/relationships" xmlns:p="http://schemas.openxmlformats.org/presentationml/2006/main">
   <p:cSld>
     <p:spTree>
@@ -25584,7 +27366,7 @@
 </p:sld>
 </file>
 
-<file path=ppt/slides/slide29.xml><?xml version="1.0" encoding="utf-8"?>
+<file path=ppt/slides/slide31.xml><?xml version="1.0" encoding="utf-8"?>
 <p:sld xmlns:a="http://schemas.openxmlformats.org/drawingml/2006/main" xmlns:r="http://schemas.openxmlformats.org/officeDocument/2006/relationships" xmlns:p="http://schemas.openxmlformats.org/presentationml/2006/main">
   <p:cSld>
     <p:spTree>
@@ -26153,752 +27935,7 @@
 </p:sld>
 </file>
 
-<file path=ppt/slides/slide3.xml><?xml version="1.0" encoding="utf-8"?>
-<p:sld xmlns:a="http://schemas.openxmlformats.org/drawingml/2006/main" xmlns:r="http://schemas.openxmlformats.org/officeDocument/2006/relationships" xmlns:p="http://schemas.openxmlformats.org/presentationml/2006/main">
-  <p:cSld>
-    <p:spTree>
-      <p:nvGrpSpPr>
-        <p:cNvPr id="1" name="Shape 138"/>
-        <p:cNvGrpSpPr/>
-        <p:nvPr/>
-      </p:nvGrpSpPr>
-      <p:grpSpPr>
-        <a:xfrm>
-          <a:off x="0" y="0"/>
-          <a:ext cx="0" cy="0"/>
-          <a:chOff x="0" y="0"/>
-          <a:chExt cx="0" cy="0"/>
-        </a:xfrm>
-      </p:grpSpPr>
-      <p:sp>
-        <p:nvSpPr>
-          <p:cNvPr id="139" name="Google Shape;139;p15"/>
-          <p:cNvSpPr/>
-          <p:nvPr/>
-        </p:nvSpPr>
-        <p:spPr>
-          <a:xfrm>
-            <a:off x="0" y="512562"/>
-            <a:ext cx="9270707" cy="1041247"/>
-          </a:xfrm>
-          <a:prstGeom prst="rect">
-            <a:avLst/>
-          </a:prstGeom>
-          <a:noFill/>
-          <a:ln>
-            <a:noFill/>
-          </a:ln>
-        </p:spPr>
-        <p:txBody>
-          <a:bodyPr spcFirstLastPara="1" wrap="square" lIns="91425" tIns="45700" rIns="91425" bIns="45700" anchor="t" anchorCtr="0">
-            <a:noAutofit/>
-          </a:bodyPr>
-          <a:lstStyle/>
-          <a:p>
-            <a:pPr lvl="0" algn="ctr">
-              <a:lnSpc>
-                <a:spcPct val="115000"/>
-              </a:lnSpc>
-              <a:buSzPts val="1800"/>
-            </a:pPr>
-            <a:r>
-              <a:rPr lang="es-ES" sz="4000" b="1" dirty="0">
-                <a:solidFill>
-                  <a:schemeClr val="bg1"/>
-                </a:solidFill>
-                <a:effectLst>
-                  <a:glow rad="101600">
-                    <a:srgbClr val="002060">
-                      <a:alpha val="60000"/>
-                    </a:srgbClr>
-                  </a:glow>
-                </a:effectLst>
-                <a:latin typeface="Arial Rounded MT Bold" panose="020F0704030504030204" pitchFamily="34" charset="0"/>
-                <a:cs typeface="Segoe UI" panose="020B0502040204020203" pitchFamily="34" charset="0"/>
-              </a:rPr>
-              <a:t>ANEXOS</a:t>
-            </a:r>
-            <a:endParaRPr lang="es-ES" sz="4000" dirty="0">
-              <a:solidFill>
-                <a:schemeClr val="bg1"/>
-              </a:solidFill>
-              <a:effectLst>
-                <a:glow rad="101600">
-                  <a:srgbClr val="002060">
-                    <a:alpha val="60000"/>
-                  </a:srgbClr>
-                </a:glow>
-              </a:effectLst>
-              <a:latin typeface="Arial Rounded MT Bold" panose="020F0704030504030204" pitchFamily="34" charset="0"/>
-              <a:cs typeface="Segoe UI" panose="020B0502040204020203" pitchFamily="34" charset="0"/>
-            </a:endParaRPr>
-          </a:p>
-        </p:txBody>
-      </p:sp>
-      <p:sp>
-        <p:nvSpPr>
-          <p:cNvPr id="141" name="Google Shape;141;p15"/>
-          <p:cNvSpPr/>
-          <p:nvPr/>
-        </p:nvSpPr>
-        <p:spPr>
-          <a:xfrm>
-            <a:off x="292090" y="2941257"/>
-            <a:ext cx="8686526" cy="1915607"/>
-          </a:xfrm>
-          <a:prstGeom prst="rect">
-            <a:avLst/>
-          </a:prstGeom>
-          <a:noFill/>
-          <a:ln>
-            <a:noFill/>
-          </a:ln>
-        </p:spPr>
-        <p:txBody>
-          <a:bodyPr spcFirstLastPara="1" wrap="square" lIns="91425" tIns="45700" rIns="91425" bIns="45700" anchor="t" anchorCtr="0">
-            <a:noAutofit/>
-          </a:bodyPr>
-          <a:lstStyle/>
-          <a:p>
-            <a:pPr marL="342900" marR="0" lvl="0" indent="-342900" rtl="0">
-              <a:lnSpc>
-                <a:spcPct val="115000"/>
-              </a:lnSpc>
-              <a:spcBef>
-                <a:spcPts val="0"/>
-              </a:spcBef>
-              <a:spcAft>
-                <a:spcPts val="0"/>
-              </a:spcAft>
-              <a:buClr>
-                <a:srgbClr val="000000"/>
-              </a:buClr>
-              <a:buSzPts val="1800"/>
-              <a:buFont typeface="Arial" panose="020B0604020202020204" pitchFamily="34" charset="0"/>
-              <a:buChar char="•"/>
-            </a:pPr>
-            <a:r>
-              <a:rPr lang="es-CO" sz="2400" dirty="0">
-                <a:solidFill>
-                  <a:schemeClr val="tx1">
-                    <a:lumMod val="65000"/>
-                    <a:lumOff val="35000"/>
-                  </a:schemeClr>
-                </a:solidFill>
-                <a:latin typeface="Arial Rounded MT Bold" panose="020F0704030504030204" pitchFamily="34" charset="0"/>
-                <a:cs typeface="Segoe UI" panose="020B0502040204020203" pitchFamily="34" charset="0"/>
-              </a:rPr>
-              <a:t>Libro de Excel “Encuestas Help_Cert”</a:t>
-            </a:r>
-            <a:endParaRPr sz="2400" i="0" u="none" strike="noStrike" cap="none" dirty="0">
-              <a:solidFill>
-                <a:schemeClr val="tx1">
-                  <a:lumMod val="65000"/>
-                  <a:lumOff val="35000"/>
-                </a:schemeClr>
-              </a:solidFill>
-              <a:latin typeface="Arial Rounded MT Bold" panose="020F0704030504030204" pitchFamily="34" charset="0"/>
-              <a:cs typeface="Segoe UI" panose="020B0502040204020203" pitchFamily="34" charset="0"/>
-              <a:sym typeface="Arial"/>
-            </a:endParaRPr>
-          </a:p>
-          <a:p>
-            <a:pPr marL="342900" marR="0" lvl="0" indent="-342900" rtl="0">
-              <a:lnSpc>
-                <a:spcPct val="115000"/>
-              </a:lnSpc>
-              <a:spcBef>
-                <a:spcPts val="0"/>
-              </a:spcBef>
-              <a:spcAft>
-                <a:spcPts val="0"/>
-              </a:spcAft>
-              <a:buClr>
-                <a:srgbClr val="000000"/>
-              </a:buClr>
-              <a:buSzPts val="1800"/>
-              <a:buFont typeface="Arial" panose="020B0604020202020204" pitchFamily="34" charset="0"/>
-              <a:buChar char="•"/>
-            </a:pPr>
-            <a:r>
-              <a:rPr lang="es-CO" sz="2400" i="0" u="none" strike="noStrike" cap="none" dirty="0">
-                <a:solidFill>
-                  <a:schemeClr val="tx1">
-                    <a:lumMod val="65000"/>
-                    <a:lumOff val="35000"/>
-                  </a:schemeClr>
-                </a:solidFill>
-                <a:latin typeface="Arial Rounded MT Bold" panose="020F0704030504030204" pitchFamily="34" charset="0"/>
-                <a:cs typeface="Segoe UI" panose="020B0502040204020203" pitchFamily="34" charset="0"/>
-                <a:sym typeface="Arial"/>
-              </a:rPr>
-              <a:t>Documento de Trabajo Help_Cert</a:t>
-            </a:r>
-            <a:endParaRPr sz="2400" i="0" u="none" strike="noStrike" cap="none" dirty="0">
-              <a:solidFill>
-                <a:schemeClr val="tx1">
-                  <a:lumMod val="65000"/>
-                  <a:lumOff val="35000"/>
-                </a:schemeClr>
-              </a:solidFill>
-              <a:latin typeface="Arial Rounded MT Bold" panose="020F0704030504030204" pitchFamily="34" charset="0"/>
-              <a:cs typeface="Segoe UI" panose="020B0502040204020203" pitchFamily="34" charset="0"/>
-              <a:sym typeface="Arial"/>
-            </a:endParaRPr>
-          </a:p>
-          <a:p>
-            <a:pPr marL="342900" lvl="0" indent="-342900">
-              <a:lnSpc>
-                <a:spcPct val="115000"/>
-              </a:lnSpc>
-              <a:buSzPts val="1800"/>
-              <a:buFont typeface="Arial" panose="020B0604020202020204" pitchFamily="34" charset="0"/>
-              <a:buChar char="•"/>
-            </a:pPr>
-            <a:r>
-              <a:rPr lang="es-ES" sz="2400" dirty="0">
-                <a:solidFill>
-                  <a:schemeClr val="tx1">
-                    <a:lumMod val="65000"/>
-                    <a:lumOff val="35000"/>
-                  </a:schemeClr>
-                </a:solidFill>
-                <a:latin typeface="Arial Rounded MT Bold" panose="020F0704030504030204" pitchFamily="34" charset="0"/>
-                <a:cs typeface="Segoe UI" panose="020B0502040204020203" pitchFamily="34" charset="0"/>
-              </a:rPr>
-              <a:t>Trabajo Investigación (Bases_de_Datos)</a:t>
-            </a:r>
-            <a:endParaRPr lang="es-ES" sz="2400" i="0" u="none" strike="noStrike" cap="none" dirty="0">
-              <a:solidFill>
-                <a:schemeClr val="tx1">
-                  <a:lumMod val="65000"/>
-                  <a:lumOff val="35000"/>
-                </a:schemeClr>
-              </a:solidFill>
-              <a:latin typeface="Arial Rounded MT Bold" panose="020F0704030504030204" pitchFamily="34" charset="0"/>
-              <a:cs typeface="Segoe UI" panose="020B0502040204020203" pitchFamily="34" charset="0"/>
-              <a:sym typeface="Arial"/>
-            </a:endParaRPr>
-          </a:p>
-          <a:p>
-            <a:pPr marL="342900" lvl="0" indent="-342900">
-              <a:lnSpc>
-                <a:spcPct val="115000"/>
-              </a:lnSpc>
-              <a:buSzPts val="1800"/>
-              <a:buFont typeface="Arial" panose="020B0604020202020204" pitchFamily="34" charset="0"/>
-              <a:buChar char="•"/>
-            </a:pPr>
-            <a:r>
-              <a:rPr lang="es-ES" sz="2400" dirty="0">
-                <a:solidFill>
-                  <a:schemeClr val="tx1">
-                    <a:lumMod val="65000"/>
-                    <a:lumOff val="35000"/>
-                  </a:schemeClr>
-                </a:solidFill>
-                <a:latin typeface="Arial Rounded MT Bold" panose="020F0704030504030204" pitchFamily="34" charset="0"/>
-                <a:cs typeface="Segoe UI" panose="020B0502040204020203" pitchFamily="34" charset="0"/>
-              </a:rPr>
-              <a:t>Trabajo Investigación (Recursos Hardware)</a:t>
-            </a:r>
-          </a:p>
-          <a:p>
-            <a:pPr marL="0" marR="0" lvl="0" indent="0" algn="ctr" rtl="0">
-              <a:lnSpc>
-                <a:spcPct val="115000"/>
-              </a:lnSpc>
-              <a:spcBef>
-                <a:spcPts val="0"/>
-              </a:spcBef>
-              <a:spcAft>
-                <a:spcPts val="0"/>
-              </a:spcAft>
-              <a:buClr>
-                <a:srgbClr val="000000"/>
-              </a:buClr>
-              <a:buSzPts val="1800"/>
-              <a:buFont typeface="Arial"/>
-              <a:buNone/>
-            </a:pPr>
-            <a:endParaRPr sz="2400" i="0" u="none" strike="noStrike" cap="none" dirty="0">
-              <a:solidFill>
-                <a:srgbClr val="000000"/>
-              </a:solidFill>
-              <a:effectLst>
-                <a:outerShdw blurRad="50800" dist="38100" dir="2700000" algn="tl" rotWithShape="0">
-                  <a:prstClr val="black">
-                    <a:alpha val="40000"/>
-                  </a:prstClr>
-                </a:outerShdw>
-              </a:effectLst>
-              <a:latin typeface="Arial Rounded MT Bold" panose="020F0704030504030204" pitchFamily="34" charset="0"/>
-              <a:cs typeface="Segoe UI" panose="020B0502040204020203" pitchFamily="34" charset="0"/>
-              <a:sym typeface="Arial"/>
-            </a:endParaRPr>
-          </a:p>
-          <a:p>
-            <a:pPr marL="0" marR="0" lvl="0" indent="0" algn="ctr" rtl="0">
-              <a:lnSpc>
-                <a:spcPct val="115000"/>
-              </a:lnSpc>
-              <a:spcBef>
-                <a:spcPts val="0"/>
-              </a:spcBef>
-              <a:spcAft>
-                <a:spcPts val="0"/>
-              </a:spcAft>
-              <a:buClr>
-                <a:srgbClr val="000000"/>
-              </a:buClr>
-              <a:buSzPts val="1800"/>
-              <a:buFont typeface="Arial"/>
-              <a:buNone/>
-            </a:pPr>
-            <a:endParaRPr sz="2400" dirty="0">
-              <a:effectLst>
-                <a:outerShdw blurRad="50800" dist="38100" dir="2700000" algn="tl" rotWithShape="0">
-                  <a:prstClr val="black">
-                    <a:alpha val="40000"/>
-                  </a:prstClr>
-                </a:outerShdw>
-              </a:effectLst>
-              <a:latin typeface="Arial Rounded MT Bold" panose="020F0704030504030204" pitchFamily="34" charset="0"/>
-              <a:cs typeface="Segoe UI" panose="020B0502040204020203" pitchFamily="34" charset="0"/>
-            </a:endParaRPr>
-          </a:p>
-        </p:txBody>
-      </p:sp>
-      <p:sp>
-        <p:nvSpPr>
-          <p:cNvPr id="6" name="CuadroTexto 5">
-            <a:extLst>
-              <a:ext uri="{FF2B5EF4-FFF2-40B4-BE49-F238E27FC236}">
-                <a16:creationId xmlns:a16="http://schemas.microsoft.com/office/drawing/2014/main" id="{C656BDAE-E3AF-46D8-A38F-84874D6EB754}"/>
-              </a:ext>
-            </a:extLst>
-          </p:cNvPr>
-          <p:cNvSpPr txBox="1"/>
-          <p:nvPr/>
-        </p:nvSpPr>
-        <p:spPr>
-          <a:xfrm>
-            <a:off x="2128061" y="1991029"/>
-            <a:ext cx="4887877" cy="646331"/>
-          </a:xfrm>
-          <a:prstGeom prst="rect">
-            <a:avLst/>
-          </a:prstGeom>
-          <a:noFill/>
-        </p:spPr>
-        <p:txBody>
-          <a:bodyPr wrap="none" rtlCol="0">
-            <a:spAutoFit/>
-          </a:bodyPr>
-          <a:lstStyle/>
-          <a:p>
-            <a:r>
-              <a:rPr lang="es-CO" sz="3600" dirty="0">
-                <a:solidFill>
-                  <a:schemeClr val="accent5">
-                    <a:lumMod val="75000"/>
-                  </a:schemeClr>
-                </a:solidFill>
-                <a:effectLst>
-                  <a:glow rad="228600">
-                    <a:schemeClr val="accent1">
-                      <a:satMod val="175000"/>
-                      <a:alpha val="40000"/>
-                    </a:schemeClr>
-                  </a:glow>
-                </a:effectLst>
-                <a:latin typeface="Arial Rounded MT Bold" panose="020F0704030504030204" pitchFamily="34" charset="0"/>
-              </a:rPr>
-              <a:t>EQUIPO HELP_CERT</a:t>
-            </a:r>
-          </a:p>
-        </p:txBody>
-      </p:sp>
-      <p:pic>
-        <p:nvPicPr>
-          <p:cNvPr id="2" name="Imagen 1">
-            <a:extLst>
-              <a:ext uri="{FF2B5EF4-FFF2-40B4-BE49-F238E27FC236}">
-                <a16:creationId xmlns:a16="http://schemas.microsoft.com/office/drawing/2014/main" id="{56538B82-0823-4699-A2B9-3E4FA8DEFC9D}"/>
-              </a:ext>
-            </a:extLst>
-          </p:cNvPr>
-          <p:cNvPicPr>
-            <a:picLocks noChangeAspect="1"/>
-          </p:cNvPicPr>
-          <p:nvPr/>
-        </p:nvPicPr>
-        <p:blipFill>
-          <a:blip r:embed="rId3"/>
-          <a:stretch>
-            <a:fillRect/>
-          </a:stretch>
-        </p:blipFill>
-        <p:spPr>
-          <a:xfrm>
-            <a:off x="3523126" y="5096804"/>
-            <a:ext cx="2224454" cy="1112227"/>
-          </a:xfrm>
-          <a:prstGeom prst="rect">
-            <a:avLst/>
-          </a:prstGeom>
-        </p:spPr>
-      </p:pic>
-      <p:pic>
-        <p:nvPicPr>
-          <p:cNvPr id="7" name="Imagen 6"/>
-          <p:cNvPicPr>
-            <a:picLocks noChangeAspect="1"/>
-          </p:cNvPicPr>
-          <p:nvPr/>
-        </p:nvPicPr>
-        <p:blipFill>
-          <a:blip r:embed="rId4">
-            <a:extLst>
-              <a:ext uri="{28A0092B-C50C-407E-A947-70E740481C1C}">
-                <a14:useLocalDpi xmlns:a14="http://schemas.microsoft.com/office/drawing/2010/main" val="0"/>
-              </a:ext>
-            </a:extLst>
-          </a:blip>
-          <a:stretch>
-            <a:fillRect/>
-          </a:stretch>
-        </p:blipFill>
-        <p:spPr>
-          <a:xfrm>
-            <a:off x="7947315" y="1890583"/>
-            <a:ext cx="773934" cy="746778"/>
-          </a:xfrm>
-          <a:prstGeom prst="rect">
-            <a:avLst/>
-          </a:prstGeom>
-        </p:spPr>
-      </p:pic>
-    </p:spTree>
-    <p:extLst>
-      <p:ext uri="{BB962C8B-B14F-4D97-AF65-F5344CB8AC3E}">
-        <p14:creationId xmlns:p14="http://schemas.microsoft.com/office/powerpoint/2010/main" val="1222053199"/>
-      </p:ext>
-    </p:extLst>
-  </p:cSld>
-  <p:clrMapOvr>
-    <a:masterClrMapping/>
-  </p:clrMapOvr>
-  <mc:AlternateContent xmlns:mc="http://schemas.openxmlformats.org/markup-compatibility/2006" xmlns:p14="http://schemas.microsoft.com/office/powerpoint/2010/main">
-    <mc:Choice Requires="p14">
-      <p:transition spd="slow" p14:dur="2000">
-        <p:comb dir="vert"/>
-      </p:transition>
-    </mc:Choice>
-    <mc:Fallback xmlns="">
-      <p:transition spd="slow">
-        <p:comb dir="vert"/>
-      </p:transition>
-    </mc:Fallback>
-  </mc:AlternateContent>
-  <p:timing>
-    <p:tnLst>
-      <p:par>
-        <p:cTn id="1" dur="indefinite" restart="never" nodeType="tmRoot">
-          <p:childTnLst>
-            <p:seq concurrent="1" nextAc="seek">
-              <p:cTn id="2" dur="indefinite" nodeType="mainSeq">
-                <p:childTnLst>
-                  <p:par>
-                    <p:cTn id="3" fill="hold">
-                      <p:stCondLst>
-                        <p:cond delay="indefinite"/>
-                      </p:stCondLst>
-                      <p:childTnLst>
-                        <p:par>
-                          <p:cTn id="4" fill="hold">
-                            <p:stCondLst>
-                              <p:cond delay="0"/>
-                            </p:stCondLst>
-                            <p:childTnLst>
-                              <p:par>
-                                <p:cTn id="5" presetID="16" presetClass="entr" presetSubtype="21" fill="hold" grpId="0" nodeType="clickEffect">
-                                  <p:stCondLst>
-                                    <p:cond delay="0"/>
-                                  </p:stCondLst>
-                                  <p:childTnLst>
-                                    <p:set>
-                                      <p:cBhvr>
-                                        <p:cTn id="6" dur="1" fill="hold">
-                                          <p:stCondLst>
-                                            <p:cond delay="0"/>
-                                          </p:stCondLst>
-                                        </p:cTn>
-                                        <p:tgtEl>
-                                          <p:spTgt spid="6"/>
-                                        </p:tgtEl>
-                                        <p:attrNameLst>
-                                          <p:attrName>style.visibility</p:attrName>
-                                        </p:attrNameLst>
-                                      </p:cBhvr>
-                                      <p:to>
-                                        <p:strVal val="visible"/>
-                                      </p:to>
-                                    </p:set>
-                                    <p:animEffect transition="in" filter="barn(inVertical)">
-                                      <p:cBhvr>
-                                        <p:cTn id="7" dur="500"/>
-                                        <p:tgtEl>
-                                          <p:spTgt spid="6"/>
-                                        </p:tgtEl>
-                                      </p:cBhvr>
-                                    </p:animEffect>
-                                  </p:childTnLst>
-                                </p:cTn>
-                              </p:par>
-                            </p:childTnLst>
-                          </p:cTn>
-                        </p:par>
-                        <p:par>
-                          <p:cTn id="8" fill="hold">
-                            <p:stCondLst>
-                              <p:cond delay="500"/>
-                            </p:stCondLst>
-                            <p:childTnLst>
-                              <p:par>
-                                <p:cTn id="9" presetID="16" presetClass="entr" presetSubtype="21" fill="hold" nodeType="afterEffect">
-                                  <p:stCondLst>
-                                    <p:cond delay="0"/>
-                                  </p:stCondLst>
-                                  <p:childTnLst>
-                                    <p:set>
-                                      <p:cBhvr>
-                                        <p:cTn id="10" dur="1" fill="hold">
-                                          <p:stCondLst>
-                                            <p:cond delay="0"/>
-                                          </p:stCondLst>
-                                        </p:cTn>
-                                        <p:tgtEl>
-                                          <p:spTgt spid="141">
-                                            <p:txEl>
-                                              <p:pRg st="1" end="1"/>
-                                            </p:txEl>
-                                          </p:spTgt>
-                                        </p:tgtEl>
-                                        <p:attrNameLst>
-                                          <p:attrName>style.visibility</p:attrName>
-                                        </p:attrNameLst>
-                                      </p:cBhvr>
-                                      <p:to>
-                                        <p:strVal val="visible"/>
-                                      </p:to>
-                                    </p:set>
-                                    <p:animEffect transition="in" filter="barn(inVertical)">
-                                      <p:cBhvr>
-                                        <p:cTn id="11" dur="1000"/>
-                                        <p:tgtEl>
-                                          <p:spTgt spid="141">
-                                            <p:txEl>
-                                              <p:pRg st="1" end="1"/>
-                                            </p:txEl>
-                                          </p:spTgt>
-                                        </p:tgtEl>
-                                      </p:cBhvr>
-                                    </p:animEffect>
-                                  </p:childTnLst>
-                                </p:cTn>
-                              </p:par>
-                            </p:childTnLst>
-                          </p:cTn>
-                        </p:par>
-                        <p:par>
-                          <p:cTn id="12" fill="hold">
-                            <p:stCondLst>
-                              <p:cond delay="1500"/>
-                            </p:stCondLst>
-                            <p:childTnLst>
-                              <p:par>
-                                <p:cTn id="13" presetID="16" presetClass="entr" presetSubtype="21" fill="hold" nodeType="afterEffect">
-                                  <p:stCondLst>
-                                    <p:cond delay="0"/>
-                                  </p:stCondLst>
-                                  <p:childTnLst>
-                                    <p:set>
-                                      <p:cBhvr>
-                                        <p:cTn id="14" dur="1" fill="hold">
-                                          <p:stCondLst>
-                                            <p:cond delay="0"/>
-                                          </p:stCondLst>
-                                        </p:cTn>
-                                        <p:tgtEl>
-                                          <p:spTgt spid="141">
-                                            <p:txEl>
-                                              <p:pRg st="0" end="0"/>
-                                            </p:txEl>
-                                          </p:spTgt>
-                                        </p:tgtEl>
-                                        <p:attrNameLst>
-                                          <p:attrName>style.visibility</p:attrName>
-                                        </p:attrNameLst>
-                                      </p:cBhvr>
-                                      <p:to>
-                                        <p:strVal val="visible"/>
-                                      </p:to>
-                                    </p:set>
-                                    <p:animEffect transition="in" filter="barn(inVertical)">
-                                      <p:cBhvr>
-                                        <p:cTn id="15" dur="1000"/>
-                                        <p:tgtEl>
-                                          <p:spTgt spid="141">
-                                            <p:txEl>
-                                              <p:pRg st="0" end="0"/>
-                                            </p:txEl>
-                                          </p:spTgt>
-                                        </p:tgtEl>
-                                      </p:cBhvr>
-                                    </p:animEffect>
-                                  </p:childTnLst>
-                                </p:cTn>
-                              </p:par>
-                            </p:childTnLst>
-                          </p:cTn>
-                        </p:par>
-                        <p:par>
-                          <p:cTn id="16" fill="hold">
-                            <p:stCondLst>
-                              <p:cond delay="2500"/>
-                            </p:stCondLst>
-                            <p:childTnLst>
-                              <p:par>
-                                <p:cTn id="17" presetID="16" presetClass="entr" presetSubtype="21" fill="hold" nodeType="afterEffect">
-                                  <p:stCondLst>
-                                    <p:cond delay="0"/>
-                                  </p:stCondLst>
-                                  <p:childTnLst>
-                                    <p:set>
-                                      <p:cBhvr>
-                                        <p:cTn id="18" dur="1" fill="hold">
-                                          <p:stCondLst>
-                                            <p:cond delay="0"/>
-                                          </p:stCondLst>
-                                        </p:cTn>
-                                        <p:tgtEl>
-                                          <p:spTgt spid="141">
-                                            <p:txEl>
-                                              <p:pRg st="2" end="2"/>
-                                            </p:txEl>
-                                          </p:spTgt>
-                                        </p:tgtEl>
-                                        <p:attrNameLst>
-                                          <p:attrName>style.visibility</p:attrName>
-                                        </p:attrNameLst>
-                                      </p:cBhvr>
-                                      <p:to>
-                                        <p:strVal val="visible"/>
-                                      </p:to>
-                                    </p:set>
-                                    <p:animEffect transition="in" filter="barn(inVertical)">
-                                      <p:cBhvr>
-                                        <p:cTn id="19" dur="1000"/>
-                                        <p:tgtEl>
-                                          <p:spTgt spid="141">
-                                            <p:txEl>
-                                              <p:pRg st="2" end="2"/>
-                                            </p:txEl>
-                                          </p:spTgt>
-                                        </p:tgtEl>
-                                      </p:cBhvr>
-                                    </p:animEffect>
-                                  </p:childTnLst>
-                                </p:cTn>
-                              </p:par>
-                            </p:childTnLst>
-                          </p:cTn>
-                        </p:par>
-                        <p:par>
-                          <p:cTn id="20" fill="hold">
-                            <p:stCondLst>
-                              <p:cond delay="3500"/>
-                            </p:stCondLst>
-                            <p:childTnLst>
-                              <p:par>
-                                <p:cTn id="21" presetID="16" presetClass="entr" presetSubtype="21" fill="hold" nodeType="afterEffect">
-                                  <p:stCondLst>
-                                    <p:cond delay="0"/>
-                                  </p:stCondLst>
-                                  <p:childTnLst>
-                                    <p:set>
-                                      <p:cBhvr>
-                                        <p:cTn id="22" dur="1" fill="hold">
-                                          <p:stCondLst>
-                                            <p:cond delay="0"/>
-                                          </p:stCondLst>
-                                        </p:cTn>
-                                        <p:tgtEl>
-                                          <p:spTgt spid="141">
-                                            <p:txEl>
-                                              <p:pRg st="3" end="3"/>
-                                            </p:txEl>
-                                          </p:spTgt>
-                                        </p:tgtEl>
-                                        <p:attrNameLst>
-                                          <p:attrName>style.visibility</p:attrName>
-                                        </p:attrNameLst>
-                                      </p:cBhvr>
-                                      <p:to>
-                                        <p:strVal val="visible"/>
-                                      </p:to>
-                                    </p:set>
-                                    <p:animEffect transition="in" filter="barn(inVertical)">
-                                      <p:cBhvr>
-                                        <p:cTn id="23" dur="1000"/>
-                                        <p:tgtEl>
-                                          <p:spTgt spid="141">
-                                            <p:txEl>
-                                              <p:pRg st="3" end="3"/>
-                                            </p:txEl>
-                                          </p:spTgt>
-                                        </p:tgtEl>
-                                      </p:cBhvr>
-                                    </p:animEffect>
-                                  </p:childTnLst>
-                                </p:cTn>
-                              </p:par>
-                            </p:childTnLst>
-                          </p:cTn>
-                        </p:par>
-                      </p:childTnLst>
-                    </p:cTn>
-                  </p:par>
-                </p:childTnLst>
-              </p:cTn>
-              <p:prevCondLst>
-                <p:cond evt="onPrev" delay="0">
-                  <p:tgtEl>
-                    <p:sldTgt/>
-                  </p:tgtEl>
-                </p:cond>
-              </p:prevCondLst>
-              <p:nextCondLst>
-                <p:cond evt="onNext" delay="0">
-                  <p:tgtEl>
-                    <p:sldTgt/>
-                  </p:tgtEl>
-                </p:cond>
-              </p:nextCondLst>
-            </p:seq>
-          </p:childTnLst>
-        </p:cTn>
-      </p:par>
-    </p:tnLst>
-    <p:bldLst>
-      <p:bldP spid="6" grpId="0"/>
-    </p:bldLst>
-  </p:timing>
-</p:sld>
-</file>
-
-<file path=ppt/slides/slide30.xml><?xml version="1.0" encoding="utf-8"?>
+<file path=ppt/slides/slide32.xml><?xml version="1.0" encoding="utf-8"?>
 <p:sld xmlns:a="http://schemas.openxmlformats.org/drawingml/2006/main" xmlns:r="http://schemas.openxmlformats.org/officeDocument/2006/relationships" xmlns:p="http://schemas.openxmlformats.org/presentationml/2006/main">
   <p:cSld>
     <p:spTree>
@@ -27467,7 +28504,7 @@
 </p:sld>
 </file>
 
-<file path=ppt/slides/slide31.xml><?xml version="1.0" encoding="utf-8"?>
+<file path=ppt/slides/slide33.xml><?xml version="1.0" encoding="utf-8"?>
 <p:sld xmlns:a="http://schemas.openxmlformats.org/drawingml/2006/main" xmlns:r="http://schemas.openxmlformats.org/officeDocument/2006/relationships" xmlns:p="http://schemas.openxmlformats.org/presentationml/2006/main">
   <p:cSld>
     <p:spTree>
@@ -28039,7 +29076,7 @@
 </p:sld>
 </file>
 
-<file path=ppt/slides/slide32.xml><?xml version="1.0" encoding="utf-8"?>
+<file path=ppt/slides/slide34.xml><?xml version="1.0" encoding="utf-8"?>
 <p:sld xmlns:a="http://schemas.openxmlformats.org/drawingml/2006/main" xmlns:r="http://schemas.openxmlformats.org/officeDocument/2006/relationships" xmlns:p="http://schemas.openxmlformats.org/presentationml/2006/main">
   <p:cSld>
     <p:spTree>
@@ -28608,7 +29645,7 @@
 </p:sld>
 </file>
 
-<file path=ppt/slides/slide33.xml><?xml version="1.0" encoding="utf-8"?>
+<file path=ppt/slides/slide35.xml><?xml version="1.0" encoding="utf-8"?>
 <p:sld xmlns:a="http://schemas.openxmlformats.org/drawingml/2006/main" xmlns:r="http://schemas.openxmlformats.org/officeDocument/2006/relationships" xmlns:p="http://schemas.openxmlformats.org/presentationml/2006/main">
   <p:cSld>
     <p:spTree>
@@ -29169,7 +30206,7 @@
 </p:sld>
 </file>
 
-<file path=ppt/slides/slide34.xml><?xml version="1.0" encoding="utf-8"?>
+<file path=ppt/slides/slide36.xml><?xml version="1.0" encoding="utf-8"?>
 <p:sld xmlns:a="http://schemas.openxmlformats.org/drawingml/2006/main" xmlns:r="http://schemas.openxmlformats.org/officeDocument/2006/relationships" xmlns:p="http://schemas.openxmlformats.org/presentationml/2006/main">
   <p:cSld>
     <p:spTree>
@@ -32645,11 +33682,13 @@
           <p:nvPr/>
         </p:nvSpPr>
         <p:spPr>
-          <a:xfrm rot="0">
+          <a:xfrm>
             <a:off x="0" y="512445"/>
             <a:ext cx="9271635" cy="1042035"/>
           </a:xfrm>
-          <a:prstGeom prst="rect"/>
+          <a:prstGeom prst="rect">
+            <a:avLst/>
+          </a:prstGeom>
           <a:noFill/>
           <a:ln w="0">
             <a:noFill/>
@@ -32657,7 +33696,7 @@
           </a:ln>
         </p:spPr>
         <p:txBody>
-          <a:bodyPr wrap="square" lIns="91440" tIns="45720" rIns="91440" bIns="45720" numCol="1" vert="horz" anchor="t">
+          <a:bodyPr vert="horz" wrap="square" lIns="91440" tIns="45720" rIns="91440" bIns="45720" numCol="1" anchor="t">
             <a:noAutofit/>
           </a:bodyPr>
           <a:lstStyle/>
@@ -32676,7 +33715,7 @@
               <a:buNone/>
             </a:pPr>
             <a:r>
-              <a:rPr lang="es-ES" sz="4000" cap="none" i="0" b="1" strike="noStrike">
+              <a:rPr lang="es-ES" sz="4000" b="1" i="0" strike="noStrike" cap="none">
                 <a:solidFill>
                   <a:schemeClr val="bg1"/>
                 </a:solidFill>
@@ -32693,7 +33732,7 @@
               </a:rPr>
               <a:t>TABLA DE CONTENIDO </a:t>
             </a:r>
-            <a:endParaRPr lang="ko-KR" altLang="en-US" sz="4000" cap="none" i="0" b="1" strike="noStrike">
+            <a:endParaRPr lang="ko-KR" altLang="en-US" sz="4000" b="1" i="0" strike="noStrike" cap="none">
               <a:solidFill>
                 <a:schemeClr val="bg1"/>
               </a:solidFill>
@@ -32713,19 +33752,86 @@
           <p:nvPr/>
         </p:nvSpPr>
         <p:spPr>
-          <a:xfrm rot="0">
+          <a:xfrm>
             <a:off x="605790" y="1998979"/>
-            <a:ext cx="7864475" cy="2982595"/>
+            <a:ext cx="7864475" cy="3416320"/>
           </a:xfrm>
-          <a:prstGeom prst="rect"/>
+          <a:prstGeom prst="rect">
+            <a:avLst/>
+          </a:prstGeom>
           <a:noFill/>
         </p:spPr>
         <p:txBody>
-          <a:bodyPr wrap="square" lIns="91440" tIns="45720" rIns="91440" bIns="45720" numCol="1" vert="horz" anchor="t">
+          <a:bodyPr vert="horz" wrap="square" lIns="91440" tIns="45720" rIns="91440" bIns="45720" numCol="1" anchor="t">
             <a:spAutoFit/>
           </a:bodyPr>
           <a:lstStyle/>
           <a:p>
+            <a:pPr algn="l" defTabSz="508000">
+              <a:lnSpc>
+                <a:spcPct val="100000"/>
+              </a:lnSpc>
+              <a:spcBef>
+                <a:spcPts val="0"/>
+              </a:spcBef>
+              <a:spcAft>
+                <a:spcPts val="0"/>
+              </a:spcAft>
+              <a:buClr>
+                <a:srgbClr val="000000"/>
+              </a:buClr>
+            </a:pPr>
+            <a:endParaRPr lang="ko-KR" altLang="en-US" sz="2800" b="0" i="0" strike="noStrike" cap="none" dirty="0">
+              <a:solidFill>
+                <a:schemeClr val="tx1">
+                  <a:lumMod val="65000"/>
+                  <a:lumOff val="35000"/>
+                </a:schemeClr>
+              </a:solidFill>
+              <a:latin typeface="Arial Rounded MT Bold" charset="0"/>
+              <a:ea typeface="Arial Rounded MT Bold" charset="0"/>
+              <a:cs typeface="Segoe UI" charset="0"/>
+            </a:endParaRPr>
+          </a:p>
+          <a:p>
+            <a:pPr algn="ctr" defTabSz="508000"/>
+            <a:r>
+              <a:rPr lang="es-CO" sz="2800" dirty="0">
+                <a:solidFill>
+                  <a:schemeClr val="accent5">
+                    <a:lumMod val="75000"/>
+                  </a:schemeClr>
+                </a:solidFill>
+                <a:effectLst>
+                  <a:glow rad="228600">
+                    <a:schemeClr val="accent1">
+                      <a:satMod val="175000"/>
+                      <a:alpha val="40000"/>
+                    </a:schemeClr>
+                  </a:glow>
+                </a:effectLst>
+                <a:latin typeface="Arial Rounded MT Bold" panose="020F0704030504030204" pitchFamily="34" charset="0"/>
+              </a:rPr>
+              <a:t>BASES DE DATOS</a:t>
+            </a:r>
+            <a:endParaRPr lang="ko-KR" altLang="en-US" sz="2800" dirty="0">
+              <a:solidFill>
+                <a:schemeClr val="accent5">
+                  <a:lumMod val="75000"/>
+                </a:schemeClr>
+              </a:solidFill>
+              <a:effectLst>
+                <a:glow rad="228600">
+                  <a:schemeClr val="accent1">
+                    <a:satMod val="175000"/>
+                    <a:alpha val="40000"/>
+                  </a:schemeClr>
+                </a:glow>
+              </a:effectLst>
+              <a:latin typeface="Arial Rounded MT Bold" panose="020F0704030504030204" pitchFamily="34" charset="0"/>
+            </a:endParaRPr>
+          </a:p>
+          <a:p>
             <a:pPr marL="285750" indent="-285750" algn="l" defTabSz="508000">
               <a:lnSpc>
                 <a:spcPct val="100000"/>
@@ -32742,7 +33848,7 @@
               <a:buFont typeface="Arial"/>
               <a:buChar char="•"/>
             </a:pPr>
-            <a:endParaRPr lang="ko-KR" altLang="en-US" sz="2800" cap="none" i="0" b="0" strike="noStrike">
+            <a:endParaRPr lang="ko-KR" altLang="en-US" sz="2800" b="0" i="0" strike="noStrike" cap="none" dirty="0">
               <a:solidFill>
                 <a:schemeClr val="tx1">
                   <a:lumMod val="65000"/>
@@ -32771,57 +33877,20 @@
               <a:buFont typeface="Arial"/>
               <a:buChar char="•"/>
             </a:pPr>
-            <a:endParaRPr lang="ko-KR" altLang="en-US" sz="2800" cap="none" i="0" b="0" strike="noStrike">
-              <a:solidFill>
-                <a:schemeClr val="tx1">
-                  <a:lumMod val="65000"/>
-                  <a:lumOff val="35000"/>
-                </a:schemeClr>
-              </a:solidFill>
-              <a:latin typeface="Arial Rounded MT Bold" charset="0"/>
-              <a:ea typeface="Arial Rounded MT Bold" charset="0"/>
-              <a:cs typeface="Segoe UI" charset="0"/>
-            </a:endParaRPr>
-          </a:p>
-          <a:p>
-            <a:pPr marL="285750" indent="-285750" algn="l" defTabSz="508000">
-              <a:lnSpc>
-                <a:spcPct val="100000"/>
-              </a:lnSpc>
-              <a:spcBef>
-                <a:spcPts val="0"/>
-              </a:spcBef>
-              <a:spcAft>
-                <a:spcPts val="0"/>
-              </a:spcAft>
-              <a:buFont typeface="Arial"/>
-              <a:buChar char="•"/>
-            </a:pPr>
             <a:r>
-              <a:rPr lang="es-CO" sz="2800" cap="none" i="0" b="0" strike="noStrike">
+              <a:rPr lang="es-CO" altLang="ko-KR" sz="2800" dirty="0">
                 <a:solidFill>
                   <a:schemeClr val="tx1">
                     <a:lumMod val="65000"/>
                     <a:lumOff val="35000"/>
                   </a:schemeClr>
                 </a:solidFill>
-                <a:latin typeface="Arial Rounded MT Bold" charset="0"/>
-                <a:ea typeface="Arial Rounded MT Bold" charset="0"/>
+                <a:latin typeface="Segoe UI" charset="0"/>
+                <a:ea typeface="Segoe UI" charset="0"/>
                 <a:cs typeface="Segoe UI" charset="0"/>
               </a:rPr>
-              <a:t>Bases de datos </a:t>
+              <a:t>Repositorio.</a:t>
             </a:r>
-            <a:endParaRPr lang="ko-KR" altLang="en-US" sz="2800" cap="none" i="0" b="0" strike="noStrike">
-              <a:solidFill>
-                <a:schemeClr val="tx1">
-                  <a:lumMod val="65000"/>
-                  <a:lumOff val="35000"/>
-                </a:schemeClr>
-              </a:solidFill>
-              <a:latin typeface="Arial Rounded MT Bold" charset="0"/>
-              <a:ea typeface="Arial Rounded MT Bold" charset="0"/>
-              <a:cs typeface="Segoe UI" charset="0"/>
-            </a:endParaRPr>
           </a:p>
           <a:p>
             <a:pPr marL="285750" indent="-285750" algn="l" defTabSz="508000">
@@ -32840,17 +33909,20 @@
               <a:buFont typeface="Arial"/>
               <a:buChar char="•"/>
             </a:pPr>
-            <a:endParaRPr lang="ko-KR" altLang="en-US" sz="2800" cap="none" i="0" b="0" strike="noStrike">
-              <a:solidFill>
-                <a:schemeClr val="tx1">
-                  <a:lumMod val="65000"/>
-                  <a:lumOff val="35000"/>
-                </a:schemeClr>
-              </a:solidFill>
-              <a:latin typeface="Arial Rounded MT Bold" charset="0"/>
-              <a:ea typeface="Arial Rounded MT Bold" charset="0"/>
-              <a:cs typeface="Segoe UI" charset="0"/>
-            </a:endParaRPr>
+            <a:r>
+              <a:rPr lang="es-CO" altLang="ko-KR" sz="2800" b="0" i="0" strike="noStrike" cap="none" dirty="0">
+                <a:solidFill>
+                  <a:schemeClr val="tx1">
+                    <a:lumMod val="65000"/>
+                    <a:lumOff val="35000"/>
+                  </a:schemeClr>
+                </a:solidFill>
+                <a:latin typeface="Segoe UI" charset="0"/>
+                <a:ea typeface="Segoe UI" charset="0"/>
+                <a:cs typeface="Segoe UI" charset="0"/>
+              </a:rPr>
+              <a:t>Modelo entidad relación-Modelo relacional.</a:t>
+            </a:r>
           </a:p>
           <a:p>
             <a:pPr marL="285750" indent="-285750" algn="l" defTabSz="508000">
@@ -32869,7 +33941,21 @@
               <a:buFont typeface="Arial"/>
               <a:buChar char="•"/>
             </a:pPr>
-            <a:endParaRPr lang="ko-KR" altLang="en-US" sz="2800" cap="none" i="0" b="0" strike="noStrike">
+            <a:r>
+              <a:rPr lang="es-CO" altLang="ko-KR" sz="2800" dirty="0">
+                <a:solidFill>
+                  <a:schemeClr val="tx1">
+                    <a:lumMod val="65000"/>
+                    <a:lumOff val="35000"/>
+                  </a:schemeClr>
+                </a:solidFill>
+                <a:latin typeface="Segoe UI" charset="0"/>
+                <a:ea typeface="Segoe UI" charset="0"/>
+                <a:cs typeface="Segoe UI" charset="0"/>
+              </a:rPr>
+              <a:t>Proyecto base de datos.</a:t>
+            </a:r>
+            <a:endParaRPr lang="ko-KR" altLang="en-US" sz="2800" b="0" i="0" strike="noStrike" cap="none" dirty="0">
               <a:solidFill>
                 <a:schemeClr val="tx1">
                   <a:lumMod val="65000"/>
@@ -32895,7 +33981,7 @@
               <a:buFontTx/>
               <a:buNone/>
             </a:pPr>
-            <a:endParaRPr lang="ko-KR" altLang="en-US" sz="2400" cap="none" i="0" b="0" strike="noStrike">
+            <a:endParaRPr lang="ko-KR" altLang="en-US" sz="2400" b="0" i="0" strike="noStrike" cap="none" dirty="0">
               <a:solidFill>
                 <a:schemeClr val="tx1">
                   <a:lumMod val="65000"/>
@@ -32924,7 +34010,7 @@
               <a:buFont typeface="Arial"/>
               <a:buChar char="•"/>
             </a:pPr>
-            <a:endParaRPr lang="ko-KR" altLang="en-US" sz="2400" cap="none" i="0" b="0" strike="noStrike">
+            <a:endParaRPr lang="ko-KR" altLang="en-US" sz="2400" b="0" i="0" strike="noStrike" cap="none" dirty="0">
               <a:solidFill>
                 <a:schemeClr val="tx1">
                   <a:lumMod val="65000"/>
@@ -32943,13 +34029,13 @@
   <p:clrMapOvr>
     <a:masterClrMapping/>
   </p:clrMapOvr>
-  <mc:AlternateContent xmlns:mc="http://schemas.openxmlformats.org/markup-compatibility/2006">
-    <mc:Choice xmlns:p14="http://schemas.microsoft.com/office/powerpoint/2010/main" Requires="p14">
-      <p:transition spd="slow" p14:dur="1000">
-        <p:comb dir="horz"/>
+  <mc:AlternateContent xmlns:mc="http://schemas.openxmlformats.org/markup-compatibility/2006" xmlns:p14="http://schemas.microsoft.com/office/powerpoint/2010/main">
+    <mc:Choice Requires="p14">
+      <p:transition spd="slow">
+        <p:comb/>
       </p:transition>
     </mc:Choice>
-    <mc:Fallback>
+    <mc:Fallback xmlns="">
       <p:transition spd="slow">
         <p:comb dir="horz"/>
       </p:transition>

--- a/Developer Documentation/Presentación_Help_Cert Tr_1.pptx
+++ b/Developer Documentation/Presentación_Help_Cert Tr_1.pptx
@@ -1515,7 +1515,7 @@
                 <a:cs typeface="Calibri"/>
                 <a:sym typeface="Calibri"/>
               </a:rPr>
-              <a:t>‹Nº›</a:t>
+              <a:t>‹Nr.›</a:t>
             </a:fld>
             <a:endParaRPr sz="1200" b="0" i="0" u="none" strike="noStrike" cap="none">
               <a:solidFill>
@@ -1530,6 +1530,11 @@
         </p:txBody>
       </p:sp>
     </p:spTree>
+    <p:extLst>
+      <p:ext uri="{BB962C8B-B14F-4D97-AF65-F5344CB8AC3E}">
+        <p14:creationId xmlns:p14="http://schemas.microsoft.com/office/powerpoint/2010/main" val="2058826551"/>
+      </p:ext>
+    </p:extLst>
   </p:cSld>
   <p:clrMap bg1="lt1" tx1="dk1" bg2="dk2" tx2="lt2" accent1="accent1" accent2="accent2" accent3="accent3" accent4="accent4" accent5="accent5" accent6="accent6" hlink="hlink" folHlink="folHlink"/>
   <p:notesStyle>
@@ -1891,6 +1896,11 @@
         </p:spPr>
       </p:sp>
     </p:spTree>
+    <p:extLst>
+      <p:ext uri="{BB962C8B-B14F-4D97-AF65-F5344CB8AC3E}">
+        <p14:creationId xmlns:p14="http://schemas.microsoft.com/office/powerpoint/2010/main" val="293838546"/>
+      </p:ext>
+    </p:extLst>
   </p:cSld>
   <p:clrMapOvr>
     <a:masterClrMapping/>
@@ -2164,6 +2174,11 @@
         </p:spPr>
       </p:sp>
     </p:spTree>
+    <p:extLst>
+      <p:ext uri="{BB962C8B-B14F-4D97-AF65-F5344CB8AC3E}">
+        <p14:creationId xmlns:p14="http://schemas.microsoft.com/office/powerpoint/2010/main" val="1153290593"/>
+      </p:ext>
+    </p:extLst>
   </p:cSld>
   <p:clrMapOvr>
     <a:masterClrMapping/>
@@ -2298,6 +2313,11 @@
         </p:spPr>
       </p:sp>
     </p:spTree>
+    <p:extLst>
+      <p:ext uri="{BB962C8B-B14F-4D97-AF65-F5344CB8AC3E}">
+        <p14:creationId xmlns:p14="http://schemas.microsoft.com/office/powerpoint/2010/main" val="1479538169"/>
+      </p:ext>
+    </p:extLst>
   </p:cSld>
   <p:clrMapOvr>
     <a:masterClrMapping/>
@@ -2849,6 +2869,11 @@
         </p:spPr>
       </p:sp>
     </p:spTree>
+    <p:extLst>
+      <p:ext uri="{BB962C8B-B14F-4D97-AF65-F5344CB8AC3E}">
+        <p14:creationId xmlns:p14="http://schemas.microsoft.com/office/powerpoint/2010/main" val="853900930"/>
+      </p:ext>
+    </p:extLst>
   </p:cSld>
   <p:clrMapOvr>
     <a:masterClrMapping/>
@@ -3000,6 +3025,11 @@
         </p:txBody>
       </p:sp>
     </p:spTree>
+    <p:extLst>
+      <p:ext uri="{BB962C8B-B14F-4D97-AF65-F5344CB8AC3E}">
+        <p14:creationId xmlns:p14="http://schemas.microsoft.com/office/powerpoint/2010/main" val="2027201256"/>
+      </p:ext>
+    </p:extLst>
   </p:cSld>
   <p:clrMapOvr>
     <a:masterClrMapping/>
@@ -3134,6 +3164,11 @@
         </p:spPr>
       </p:sp>
     </p:spTree>
+    <p:extLst>
+      <p:ext uri="{BB962C8B-B14F-4D97-AF65-F5344CB8AC3E}">
+        <p14:creationId xmlns:p14="http://schemas.microsoft.com/office/powerpoint/2010/main" val="1343449937"/>
+      </p:ext>
+    </p:extLst>
   </p:cSld>
   <p:clrMapOvr>
     <a:masterClrMapping/>
@@ -4131,7 +4166,7 @@
             </a:pPr>
             <a:fld id="{00000000-1234-1234-1234-123412341234}" type="slidenum">
               <a:rPr lang="es-ES"/>
-              <a:t>‹Nº›</a:t>
+              <a:t>‹Nr.›</a:t>
             </a:fld>
             <a:endParaRPr/>
           </a:p>
@@ -5274,7 +5309,7 @@
             </a:pPr>
             <a:fld id="{00000000-1234-1234-1234-123412341234}" type="slidenum">
               <a:rPr lang="es-ES"/>
-              <a:t>‹Nº›</a:t>
+              <a:t>‹Nr.›</a:t>
             </a:fld>
             <a:endParaRPr/>
           </a:p>
@@ -6142,7 +6177,7 @@
             </a:pPr>
             <a:fld id="{00000000-1234-1234-1234-123412341234}" type="slidenum">
               <a:rPr lang="es-ES"/>
-              <a:t>‹Nº›</a:t>
+              <a:t>‹Nr.›</a:t>
             </a:fld>
             <a:endParaRPr/>
           </a:p>
@@ -7212,7 +7247,7 @@
             </a:pPr>
             <a:fld id="{00000000-1234-1234-1234-123412341234}" type="slidenum">
               <a:rPr lang="es-ES"/>
-              <a:t>‹Nº›</a:t>
+              <a:t>‹Nr.›</a:t>
             </a:fld>
             <a:endParaRPr/>
           </a:p>
@@ -8280,7 +8315,7 @@
             </a:pPr>
             <a:fld id="{00000000-1234-1234-1234-123412341234}" type="slidenum">
               <a:rPr lang="es-ES"/>
-              <a:t>‹Nº›</a:t>
+              <a:t>‹Nr.›</a:t>
             </a:fld>
             <a:endParaRPr/>
           </a:p>
@@ -9537,7 +9572,7 @@
             </a:pPr>
             <a:fld id="{00000000-1234-1234-1234-123412341234}" type="slidenum">
               <a:rPr lang="es-ES"/>
-              <a:t>‹Nº›</a:t>
+              <a:t>‹Nr.›</a:t>
             </a:fld>
             <a:endParaRPr/>
           </a:p>
@@ -10378,7 +10413,7 @@
             </a:pPr>
             <a:fld id="{00000000-1234-1234-1234-123412341234}" type="slidenum">
               <a:rPr lang="es-ES"/>
-              <a:t>‹Nº›</a:t>
+              <a:t>‹Nr.›</a:t>
             </a:fld>
             <a:endParaRPr/>
           </a:p>
@@ -11387,7 +11422,7 @@
             </a:pPr>
             <a:fld id="{00000000-1234-1234-1234-123412341234}" type="slidenum">
               <a:rPr lang="es-ES"/>
-              <a:t>‹Nº›</a:t>
+              <a:t>‹Nr.›</a:t>
             </a:fld>
             <a:endParaRPr/>
           </a:p>
@@ -12472,7 +12507,7 @@
             </a:pPr>
             <a:fld id="{00000000-1234-1234-1234-123412341234}" type="slidenum">
               <a:rPr lang="es-ES"/>
-              <a:t>‹Nº›</a:t>
+              <a:t>‹Nr.›</a:t>
             </a:fld>
             <a:endParaRPr/>
           </a:p>
@@ -13761,7 +13796,7 @@
             </a:pPr>
             <a:fld id="{00000000-1234-1234-1234-123412341234}" type="slidenum">
               <a:rPr lang="es-ES"/>
-              <a:t>‹Nº›</a:t>
+              <a:t>‹Nr.›</a:t>
             </a:fld>
             <a:endParaRPr/>
           </a:p>
@@ -14629,7 +14664,7 @@
             </a:pPr>
             <a:fld id="{00000000-1234-1234-1234-123412341234}" type="slidenum">
               <a:rPr lang="es-ES"/>
-              <a:t>‹Nº›</a:t>
+              <a:t>‹Nr.›</a:t>
             </a:fld>
             <a:endParaRPr/>
           </a:p>
@@ -15699,7 +15734,7 @@
             </a:pPr>
             <a:fld id="{00000000-1234-1234-1234-123412341234}" type="slidenum">
               <a:rPr lang="es-ES"/>
-              <a:t>‹Nº›</a:t>
+              <a:t>‹Nr.›</a:t>
             </a:fld>
             <a:endParaRPr/>
           </a:p>
@@ -16775,7 +16810,7 @@
             </a:pPr>
             <a:fld id="{00000000-1234-1234-1234-123412341234}" type="slidenum">
               <a:rPr lang="es-ES"/>
-              <a:t>‹Nº›</a:t>
+              <a:t>‹Nr.›</a:t>
             </a:fld>
             <a:endParaRPr/>
           </a:p>
@@ -18386,6 +18421,60 @@
           </a:p>
         </p:txBody>
       </p:sp>
+      <p:pic>
+        <p:nvPicPr>
+          <p:cNvPr id="4" name="Imagen 3">
+            <a:extLst>
+              <a:ext uri="{FF2B5EF4-FFF2-40B4-BE49-F238E27FC236}">
+                <a16:creationId xmlns:a16="http://schemas.microsoft.com/office/drawing/2014/main" xmlns="" id="{65365264-1A5F-4476-824E-164686DB555C}"/>
+              </a:ext>
+            </a:extLst>
+          </p:cNvPr>
+          <p:cNvPicPr>
+            <a:picLocks noChangeAspect="1"/>
+          </p:cNvPicPr>
+          <p:nvPr/>
+        </p:nvPicPr>
+        <p:blipFill>
+          <a:blip r:embed="rId2"/>
+          <a:stretch>
+            <a:fillRect/>
+          </a:stretch>
+        </p:blipFill>
+        <p:spPr>
+          <a:xfrm>
+            <a:off x="6001421" y="3503312"/>
+            <a:ext cx="2536733" cy="2536733"/>
+          </a:xfrm>
+          <a:prstGeom prst="rect">
+            <a:avLst/>
+          </a:prstGeom>
+          <a:ln w="127000" cap="rnd">
+            <a:solidFill>
+              <a:srgbClr val="FFFFFF"/>
+            </a:solidFill>
+          </a:ln>
+          <a:effectLst>
+            <a:outerShdw blurRad="76200" dist="95250" dir="10500000" sx="97000" sy="23000" kx="900000" algn="br" rotWithShape="0">
+              <a:srgbClr val="000000">
+                <a:alpha val="20000"/>
+              </a:srgbClr>
+            </a:outerShdw>
+          </a:effectLst>
+          <a:scene3d>
+            <a:camera prst="orthographicFront"/>
+            <a:lightRig rig="twoPt" dir="t">
+              <a:rot lat="0" lon="0" rev="7800000"/>
+            </a:lightRig>
+          </a:scene3d>
+          <a:sp3d contourW="6350">
+            <a:bevelT w="50800" h="16510"/>
+            <a:contourClr>
+              <a:srgbClr val="C0C0C0"/>
+            </a:contourClr>
+          </a:sp3d>
+        </p:spPr>
+      </p:pic>
     </p:spTree>
     <p:extLst>
       <p:ext uri="{BB962C8B-B14F-4D97-AF65-F5344CB8AC3E}">
@@ -18469,6 +18558,96 @@
                             </p:childTnLst>
                           </p:cTn>
                         </p:par>
+                        <p:par>
+                          <p:cTn id="8" fill="hold">
+                            <p:stCondLst>
+                              <p:cond delay="500"/>
+                            </p:stCondLst>
+                            <p:childTnLst>
+                              <p:par>
+                                <p:cTn id="9" presetID="42" presetClass="entr" presetSubtype="0" fill="hold" nodeType="afterEffect">
+                                  <p:stCondLst>
+                                    <p:cond delay="0"/>
+                                  </p:stCondLst>
+                                  <p:childTnLst>
+                                    <p:set>
+                                      <p:cBhvr>
+                                        <p:cTn id="10" dur="1" fill="hold">
+                                          <p:stCondLst>
+                                            <p:cond delay="0"/>
+                                          </p:stCondLst>
+                                        </p:cTn>
+                                        <p:tgtEl>
+                                          <p:spTgt spid="4"/>
+                                        </p:tgtEl>
+                                        <p:attrNameLst>
+                                          <p:attrName>style.visibility</p:attrName>
+                                        </p:attrNameLst>
+                                      </p:cBhvr>
+                                      <p:to>
+                                        <p:strVal val="visible"/>
+                                      </p:to>
+                                    </p:set>
+                                    <p:animEffect transition="in" filter="fade">
+                                      <p:cBhvr>
+                                        <p:cTn id="11" dur="1000"/>
+                                        <p:tgtEl>
+                                          <p:spTgt spid="4"/>
+                                        </p:tgtEl>
+                                      </p:cBhvr>
+                                    </p:animEffect>
+                                    <p:anim calcmode="lin" valueType="num">
+                                      <p:cBhvr>
+                                        <p:cTn id="12" dur="1000" fill="hold"/>
+                                        <p:tgtEl>
+                                          <p:spTgt spid="4"/>
+                                        </p:tgtEl>
+                                        <p:attrNameLst>
+                                          <p:attrName>ppt_x</p:attrName>
+                                        </p:attrNameLst>
+                                      </p:cBhvr>
+                                      <p:tavLst>
+                                        <p:tav tm="0">
+                                          <p:val>
+                                            <p:strVal val="#ppt_x"/>
+                                          </p:val>
+                                        </p:tav>
+                                        <p:tav tm="100000">
+                                          <p:val>
+                                            <p:strVal val="#ppt_x"/>
+                                          </p:val>
+                                        </p:tav>
+                                      </p:tavLst>
+                                    </p:anim>
+                                    <p:anim calcmode="lin" valueType="num">
+                                      <p:cBhvr>
+                                        <p:cTn id="13" dur="1000" fill="hold"/>
+                                        <p:tgtEl>
+                                          <p:spTgt spid="4"/>
+                                        </p:tgtEl>
+                                        <p:attrNameLst>
+                                          <p:attrName>ppt_y</p:attrName>
+                                        </p:attrNameLst>
+                                      </p:cBhvr>
+                                      <p:tavLst>
+                                        <p:tav tm="0">
+                                          <p:val>
+                                            <p:strVal val="#ppt_y+.1"/>
+                                          </p:val>
+                                        </p:tav>
+                                        <p:tav tm="100000">
+                                          <p:val>
+                                            <p:strVal val="#ppt_y"/>
+                                          </p:val>
+                                        </p:tav>
+                                      </p:tavLst>
+                                    </p:anim>
+                                  </p:childTnLst>
+                                </p:cTn>
+                              </p:par>
+                            </p:childTnLst>
+                          </p:cTn>
+                        </p:par>
                       </p:childTnLst>
                     </p:cTn>
                   </p:par>
@@ -19025,6 +19204,60 @@
           </a:p>
         </p:txBody>
       </p:sp>
+      <p:pic>
+        <p:nvPicPr>
+          <p:cNvPr id="4" name="Imagen 3">
+            <a:extLst>
+              <a:ext uri="{FF2B5EF4-FFF2-40B4-BE49-F238E27FC236}">
+                <a16:creationId xmlns:a16="http://schemas.microsoft.com/office/drawing/2014/main" xmlns="" id="{65365264-1A5F-4476-824E-164686DB555C}"/>
+              </a:ext>
+            </a:extLst>
+          </p:cNvPr>
+          <p:cNvPicPr>
+            <a:picLocks noChangeAspect="1"/>
+          </p:cNvPicPr>
+          <p:nvPr/>
+        </p:nvPicPr>
+        <p:blipFill>
+          <a:blip r:embed="rId2"/>
+          <a:stretch>
+            <a:fillRect/>
+          </a:stretch>
+        </p:blipFill>
+        <p:spPr>
+          <a:xfrm>
+            <a:off x="6001421" y="3503312"/>
+            <a:ext cx="2536733" cy="2536733"/>
+          </a:xfrm>
+          <a:prstGeom prst="rect">
+            <a:avLst/>
+          </a:prstGeom>
+          <a:ln w="127000" cap="rnd">
+            <a:solidFill>
+              <a:srgbClr val="FFFFFF"/>
+            </a:solidFill>
+          </a:ln>
+          <a:effectLst>
+            <a:outerShdw blurRad="76200" dist="95250" dir="10500000" sx="97000" sy="23000" kx="900000" algn="br" rotWithShape="0">
+              <a:srgbClr val="000000">
+                <a:alpha val="20000"/>
+              </a:srgbClr>
+            </a:outerShdw>
+          </a:effectLst>
+          <a:scene3d>
+            <a:camera prst="orthographicFront"/>
+            <a:lightRig rig="twoPt" dir="t">
+              <a:rot lat="0" lon="0" rev="7800000"/>
+            </a:lightRig>
+          </a:scene3d>
+          <a:sp3d contourW="6350">
+            <a:bevelT w="50800" h="16510"/>
+            <a:contourClr>
+              <a:srgbClr val="C0C0C0"/>
+            </a:contourClr>
+          </a:sp3d>
+        </p:spPr>
+      </p:pic>
     </p:spTree>
     <p:extLst>
       <p:ext uri="{BB962C8B-B14F-4D97-AF65-F5344CB8AC3E}">
@@ -19108,6 +19341,96 @@
                             </p:childTnLst>
                           </p:cTn>
                         </p:par>
+                        <p:par>
+                          <p:cTn id="8" fill="hold">
+                            <p:stCondLst>
+                              <p:cond delay="500"/>
+                            </p:stCondLst>
+                            <p:childTnLst>
+                              <p:par>
+                                <p:cTn id="9" presetID="42" presetClass="entr" presetSubtype="0" fill="hold" nodeType="afterEffect">
+                                  <p:stCondLst>
+                                    <p:cond delay="0"/>
+                                  </p:stCondLst>
+                                  <p:childTnLst>
+                                    <p:set>
+                                      <p:cBhvr>
+                                        <p:cTn id="10" dur="1" fill="hold">
+                                          <p:stCondLst>
+                                            <p:cond delay="0"/>
+                                          </p:stCondLst>
+                                        </p:cTn>
+                                        <p:tgtEl>
+                                          <p:spTgt spid="4"/>
+                                        </p:tgtEl>
+                                        <p:attrNameLst>
+                                          <p:attrName>style.visibility</p:attrName>
+                                        </p:attrNameLst>
+                                      </p:cBhvr>
+                                      <p:to>
+                                        <p:strVal val="visible"/>
+                                      </p:to>
+                                    </p:set>
+                                    <p:animEffect transition="in" filter="fade">
+                                      <p:cBhvr>
+                                        <p:cTn id="11" dur="1000"/>
+                                        <p:tgtEl>
+                                          <p:spTgt spid="4"/>
+                                        </p:tgtEl>
+                                      </p:cBhvr>
+                                    </p:animEffect>
+                                    <p:anim calcmode="lin" valueType="num">
+                                      <p:cBhvr>
+                                        <p:cTn id="12" dur="1000" fill="hold"/>
+                                        <p:tgtEl>
+                                          <p:spTgt spid="4"/>
+                                        </p:tgtEl>
+                                        <p:attrNameLst>
+                                          <p:attrName>ppt_x</p:attrName>
+                                        </p:attrNameLst>
+                                      </p:cBhvr>
+                                      <p:tavLst>
+                                        <p:tav tm="0">
+                                          <p:val>
+                                            <p:strVal val="#ppt_x"/>
+                                          </p:val>
+                                        </p:tav>
+                                        <p:tav tm="100000">
+                                          <p:val>
+                                            <p:strVal val="#ppt_x"/>
+                                          </p:val>
+                                        </p:tav>
+                                      </p:tavLst>
+                                    </p:anim>
+                                    <p:anim calcmode="lin" valueType="num">
+                                      <p:cBhvr>
+                                        <p:cTn id="13" dur="1000" fill="hold"/>
+                                        <p:tgtEl>
+                                          <p:spTgt spid="4"/>
+                                        </p:tgtEl>
+                                        <p:attrNameLst>
+                                          <p:attrName>ppt_y</p:attrName>
+                                        </p:attrNameLst>
+                                      </p:cBhvr>
+                                      <p:tavLst>
+                                        <p:tav tm="0">
+                                          <p:val>
+                                            <p:strVal val="#ppt_y+.1"/>
+                                          </p:val>
+                                        </p:tav>
+                                        <p:tav tm="100000">
+                                          <p:val>
+                                            <p:strVal val="#ppt_y"/>
+                                          </p:val>
+                                        </p:tav>
+                                      </p:tavLst>
+                                    </p:anim>
+                                  </p:childTnLst>
+                                </p:cTn>
+                              </p:par>
+                            </p:childTnLst>
+                          </p:cTn>
+                        </p:par>
                       </p:childTnLst>
                     </p:cTn>
                   </p:par>
@@ -19282,7 +19605,7 @@
           <p:cNvPr id="8" name="CuadroTexto 7">
             <a:extLst>
               <a:ext uri="{FF2B5EF4-FFF2-40B4-BE49-F238E27FC236}">
-                <a16:creationId xmlns:a16="http://schemas.microsoft.com/office/drawing/2014/main" id="{CBDC84F9-135A-4F0D-AB2F-B473B6C241A1}"/>
+                <a16:creationId xmlns:a16="http://schemas.microsoft.com/office/drawing/2014/main" xmlns="" id="{CBDC84F9-135A-4F0D-AB2F-B473B6C241A1}"/>
               </a:ext>
             </a:extLst>
           </p:cNvPr>
@@ -19614,7 +19937,7 @@
           <p:cNvPr id="2" name="CuadroTexto 1">
             <a:extLst>
               <a:ext uri="{FF2B5EF4-FFF2-40B4-BE49-F238E27FC236}">
-                <a16:creationId xmlns:a16="http://schemas.microsoft.com/office/drawing/2014/main" id="{915130B3-5D17-4C05-830F-765403D66A48}"/>
+                <a16:creationId xmlns:a16="http://schemas.microsoft.com/office/drawing/2014/main" xmlns="" id="{915130B3-5D17-4C05-830F-765403D66A48}"/>
               </a:ext>
             </a:extLst>
           </p:cNvPr>
@@ -19735,7 +20058,7 @@
           <p:cNvPr id="3" name="Imagen 2">
             <a:extLst>
               <a:ext uri="{FF2B5EF4-FFF2-40B4-BE49-F238E27FC236}">
-                <a16:creationId xmlns:a16="http://schemas.microsoft.com/office/drawing/2014/main" id="{6C82A4FE-5501-491C-BE39-F281F43F364B}"/>
+                <a16:creationId xmlns:a16="http://schemas.microsoft.com/office/drawing/2014/main" xmlns="" id="{6C82A4FE-5501-491C-BE39-F281F43F364B}"/>
               </a:ext>
             </a:extLst>
           </p:cNvPr>
@@ -19789,7 +20112,7 @@
           <p:cNvPr id="4" name="CuadroTexto 3">
             <a:extLst>
               <a:ext uri="{FF2B5EF4-FFF2-40B4-BE49-F238E27FC236}">
-                <a16:creationId xmlns:a16="http://schemas.microsoft.com/office/drawing/2014/main" id="{58D0739C-99CF-4B79-A897-46C7DFF2673E}"/>
+                <a16:creationId xmlns:a16="http://schemas.microsoft.com/office/drawing/2014/main" xmlns="" id="{58D0739C-99CF-4B79-A897-46C7DFF2673E}"/>
               </a:ext>
             </a:extLst>
           </p:cNvPr>
@@ -20371,7 +20694,7 @@
           <p:cNvPr id="7" name="Google Shape;189;p19">
             <a:extLst>
               <a:ext uri="{FF2B5EF4-FFF2-40B4-BE49-F238E27FC236}">
-                <a16:creationId xmlns:a16="http://schemas.microsoft.com/office/drawing/2014/main" id="{AF0B8AD5-21F9-4B42-97A7-B63D71682CB4}"/>
+                <a16:creationId xmlns:a16="http://schemas.microsoft.com/office/drawing/2014/main" xmlns="" id="{AF0B8AD5-21F9-4B42-97A7-B63D71682CB4}"/>
               </a:ext>
             </a:extLst>
           </p:cNvPr>
@@ -20455,7 +20778,7 @@
           <p:cNvPr id="6" name="CuadroTexto 5">
             <a:extLst>
               <a:ext uri="{FF2B5EF4-FFF2-40B4-BE49-F238E27FC236}">
-                <a16:creationId xmlns:a16="http://schemas.microsoft.com/office/drawing/2014/main" id="{E8A422A1-25DB-4458-8302-394F0EFE40D6}"/>
+                <a16:creationId xmlns:a16="http://schemas.microsoft.com/office/drawing/2014/main" xmlns="" id="{E8A422A1-25DB-4458-8302-394F0EFE40D6}"/>
               </a:ext>
             </a:extLst>
           </p:cNvPr>
@@ -20964,7 +21287,7 @@
           <p:cNvPr id="3" name="Google Shape;149;p16">
             <a:extLst>
               <a:ext uri="{FF2B5EF4-FFF2-40B4-BE49-F238E27FC236}">
-                <a16:creationId xmlns:a16="http://schemas.microsoft.com/office/drawing/2014/main" id="{011A4A3B-4DCF-47D8-9E50-BE6658E4E57E}"/>
+                <a16:creationId xmlns:a16="http://schemas.microsoft.com/office/drawing/2014/main" xmlns="" id="{011A4A3B-4DCF-47D8-9E50-BE6658E4E57E}"/>
               </a:ext>
             </a:extLst>
           </p:cNvPr>
@@ -21023,7 +21346,7 @@
           <p:cNvPr id="4" name="CuadroTexto 3">
             <a:extLst>
               <a:ext uri="{FF2B5EF4-FFF2-40B4-BE49-F238E27FC236}">
-                <a16:creationId xmlns:a16="http://schemas.microsoft.com/office/drawing/2014/main" id="{06B6CE28-C432-4792-8CF2-DFB2D62FCFB8}"/>
+                <a16:creationId xmlns:a16="http://schemas.microsoft.com/office/drawing/2014/main" xmlns="" id="{06B6CE28-C432-4792-8CF2-DFB2D62FCFB8}"/>
               </a:ext>
             </a:extLst>
           </p:cNvPr>
@@ -21067,7 +21390,7 @@
           <p:cNvPr id="6" name="CuadroTexto 5">
             <a:extLst>
               <a:ext uri="{FF2B5EF4-FFF2-40B4-BE49-F238E27FC236}">
-                <a16:creationId xmlns:a16="http://schemas.microsoft.com/office/drawing/2014/main" id="{743E97C1-AED0-448E-9AB9-6F1979DC6125}"/>
+                <a16:creationId xmlns:a16="http://schemas.microsoft.com/office/drawing/2014/main" xmlns="" id="{743E97C1-AED0-448E-9AB9-6F1979DC6125}"/>
               </a:ext>
             </a:extLst>
           </p:cNvPr>
@@ -21104,7 +21427,7 @@
           <p:cNvPr id="2" name="Imagen 1">
             <a:extLst>
               <a:ext uri="{FF2B5EF4-FFF2-40B4-BE49-F238E27FC236}">
-                <a16:creationId xmlns:a16="http://schemas.microsoft.com/office/drawing/2014/main" id="{0394EC30-6384-435B-9766-397DB22ADBDA}"/>
+                <a16:creationId xmlns:a16="http://schemas.microsoft.com/office/drawing/2014/main" xmlns="" id="{0394EC30-6384-435B-9766-397DB22ADBDA}"/>
               </a:ext>
             </a:extLst>
           </p:cNvPr>
@@ -21469,7 +21792,7 @@
           <p:cNvPr id="6" name="CuadroTexto 5">
             <a:extLst>
               <a:ext uri="{FF2B5EF4-FFF2-40B4-BE49-F238E27FC236}">
-                <a16:creationId xmlns:a16="http://schemas.microsoft.com/office/drawing/2014/main" id="{1A46A2CB-6D77-4B89-A69A-5FD282C79841}"/>
+                <a16:creationId xmlns:a16="http://schemas.microsoft.com/office/drawing/2014/main" xmlns="" id="{1A46A2CB-6D77-4B89-A69A-5FD282C79841}"/>
               </a:ext>
             </a:extLst>
           </p:cNvPr>
@@ -21506,7 +21829,7 @@
           <p:cNvPr id="2" name="Imagen 1">
             <a:extLst>
               <a:ext uri="{FF2B5EF4-FFF2-40B4-BE49-F238E27FC236}">
-                <a16:creationId xmlns:a16="http://schemas.microsoft.com/office/drawing/2014/main" id="{3DB37F7F-CF0E-4464-898D-B12A2FF6A88B}"/>
+                <a16:creationId xmlns:a16="http://schemas.microsoft.com/office/drawing/2014/main" xmlns="" id="{3DB37F7F-CF0E-4464-898D-B12A2FF6A88B}"/>
               </a:ext>
             </a:extLst>
           </p:cNvPr>
@@ -21684,7 +22007,7 @@
           <p:cNvPr id="2" name="Rectángulo 1">
             <a:extLst>
               <a:ext uri="{FF2B5EF4-FFF2-40B4-BE49-F238E27FC236}">
-                <a16:creationId xmlns:a16="http://schemas.microsoft.com/office/drawing/2014/main" id="{6376CF23-4F91-46FD-AF5B-103F4F5791EF}"/>
+                <a16:creationId xmlns:a16="http://schemas.microsoft.com/office/drawing/2014/main" xmlns="" id="{6376CF23-4F91-46FD-AF5B-103F4F5791EF}"/>
               </a:ext>
             </a:extLst>
           </p:cNvPr>
@@ -21730,7 +22053,7 @@
           <p:cNvPr id="3" name="Google Shape;204;p21">
             <a:extLst>
               <a:ext uri="{FF2B5EF4-FFF2-40B4-BE49-F238E27FC236}">
-                <a16:creationId xmlns:a16="http://schemas.microsoft.com/office/drawing/2014/main" id="{3F9F8738-FC83-47AE-A765-50189E6682DF}"/>
+                <a16:creationId xmlns:a16="http://schemas.microsoft.com/office/drawing/2014/main" xmlns="" id="{3F9F8738-FC83-47AE-A765-50189E6682DF}"/>
               </a:ext>
             </a:extLst>
           </p:cNvPr>
@@ -21814,7 +22137,7 @@
           <p:cNvPr id="5" name="CuadroTexto 4">
             <a:extLst>
               <a:ext uri="{FF2B5EF4-FFF2-40B4-BE49-F238E27FC236}">
-                <a16:creationId xmlns:a16="http://schemas.microsoft.com/office/drawing/2014/main" id="{B31D82C8-091D-466D-B3CA-40D91545A3E6}"/>
+                <a16:creationId xmlns:a16="http://schemas.microsoft.com/office/drawing/2014/main" xmlns="" id="{B31D82C8-091D-466D-B3CA-40D91545A3E6}"/>
               </a:ext>
             </a:extLst>
           </p:cNvPr>
@@ -21864,7 +22187,7 @@
           <p:cNvPr id="6" name="Imagen 5">
             <a:extLst>
               <a:ext uri="{FF2B5EF4-FFF2-40B4-BE49-F238E27FC236}">
-                <a16:creationId xmlns:a16="http://schemas.microsoft.com/office/drawing/2014/main" id="{C2B353AC-CED5-4118-9701-D5E991F52A52}"/>
+                <a16:creationId xmlns:a16="http://schemas.microsoft.com/office/drawing/2014/main" xmlns="" id="{C2B353AC-CED5-4118-9701-D5E991F52A52}"/>
               </a:ext>
             </a:extLst>
           </p:cNvPr>
@@ -21926,7 +22249,7 @@
           <p:cNvPr id="8" name="CuadroTexto 7">
             <a:extLst>
               <a:ext uri="{FF2B5EF4-FFF2-40B4-BE49-F238E27FC236}">
-                <a16:creationId xmlns:a16="http://schemas.microsoft.com/office/drawing/2014/main" id="{457D34C8-5001-49D4-B806-FBCA2F19A3C7}"/>
+                <a16:creationId xmlns:a16="http://schemas.microsoft.com/office/drawing/2014/main" xmlns="" id="{457D34C8-5001-49D4-B806-FBCA2F19A3C7}"/>
               </a:ext>
             </a:extLst>
           </p:cNvPr>
@@ -22124,7 +22447,7 @@
           <p:cNvPr id="2" name="Rectángulo 1">
             <a:extLst>
               <a:ext uri="{FF2B5EF4-FFF2-40B4-BE49-F238E27FC236}">
-                <a16:creationId xmlns:a16="http://schemas.microsoft.com/office/drawing/2014/main" id="{52A0CD11-1C64-41A2-AFC2-43A9F74231FF}"/>
+                <a16:creationId xmlns:a16="http://schemas.microsoft.com/office/drawing/2014/main" xmlns="" id="{52A0CD11-1C64-41A2-AFC2-43A9F74231FF}"/>
               </a:ext>
             </a:extLst>
           </p:cNvPr>
@@ -22177,7 +22500,7 @@
           <p:cNvPr id="8" name="Imagen 7">
             <a:extLst>
               <a:ext uri="{FF2B5EF4-FFF2-40B4-BE49-F238E27FC236}">
-                <a16:creationId xmlns:a16="http://schemas.microsoft.com/office/drawing/2014/main" id="{4648DCD5-89F8-4183-A72F-FF5297AF9EB6}"/>
+                <a16:creationId xmlns:a16="http://schemas.microsoft.com/office/drawing/2014/main" xmlns="" id="{4648DCD5-89F8-4183-A72F-FF5297AF9EB6}"/>
               </a:ext>
             </a:extLst>
           </p:cNvPr>
@@ -22237,7 +22560,7 @@
           <p:cNvPr id="9" name="Google Shape;204;p21">
             <a:extLst>
               <a:ext uri="{FF2B5EF4-FFF2-40B4-BE49-F238E27FC236}">
-                <a16:creationId xmlns:a16="http://schemas.microsoft.com/office/drawing/2014/main" id="{DD305A2A-BB09-46AA-8FF5-24619180CF1E}"/>
+                <a16:creationId xmlns:a16="http://schemas.microsoft.com/office/drawing/2014/main" xmlns="" id="{DD305A2A-BB09-46AA-8FF5-24619180CF1E}"/>
               </a:ext>
             </a:extLst>
           </p:cNvPr>
@@ -22321,7 +22644,7 @@
           <p:cNvPr id="11" name="CuadroTexto 10">
             <a:extLst>
               <a:ext uri="{FF2B5EF4-FFF2-40B4-BE49-F238E27FC236}">
-                <a16:creationId xmlns:a16="http://schemas.microsoft.com/office/drawing/2014/main" id="{4E00F0A0-1732-4877-B3A6-314F8E4E9E0C}"/>
+                <a16:creationId xmlns:a16="http://schemas.microsoft.com/office/drawing/2014/main" xmlns="" id="{4E00F0A0-1732-4877-B3A6-314F8E4E9E0C}"/>
               </a:ext>
             </a:extLst>
           </p:cNvPr>
@@ -22631,7 +22954,7 @@
           <p:cNvPr id="8" name="CuadroTexto 7">
             <a:extLst>
               <a:ext uri="{FF2B5EF4-FFF2-40B4-BE49-F238E27FC236}">
-                <a16:creationId xmlns:a16="http://schemas.microsoft.com/office/drawing/2014/main" id="{CBDC84F9-135A-4F0D-AB2F-B473B6C241A1}"/>
+                <a16:creationId xmlns:a16="http://schemas.microsoft.com/office/drawing/2014/main" xmlns="" id="{CBDC84F9-135A-4F0D-AB2F-B473B6C241A1}"/>
               </a:ext>
             </a:extLst>
           </p:cNvPr>
@@ -23150,7 +23473,7 @@
           <p:cNvPr id="3" name="Imagen 2">
             <a:extLst>
               <a:ext uri="{FF2B5EF4-FFF2-40B4-BE49-F238E27FC236}">
-                <a16:creationId xmlns:a16="http://schemas.microsoft.com/office/drawing/2014/main" id="{3CC17CBB-6741-4FB9-A5B3-3CEFE9A6A744}"/>
+                <a16:creationId xmlns:a16="http://schemas.microsoft.com/office/drawing/2014/main" xmlns="" id="{3CC17CBB-6741-4FB9-A5B3-3CEFE9A6A744}"/>
               </a:ext>
             </a:extLst>
           </p:cNvPr>
@@ -23188,7 +23511,7 @@
           <p:cNvPr id="6" name="CuadroTexto 5">
             <a:extLst>
               <a:ext uri="{FF2B5EF4-FFF2-40B4-BE49-F238E27FC236}">
-                <a16:creationId xmlns:a16="http://schemas.microsoft.com/office/drawing/2014/main" id="{C656BDAE-E3AF-46D8-A38F-84874D6EB754}"/>
+                <a16:creationId xmlns:a16="http://schemas.microsoft.com/office/drawing/2014/main" xmlns="" id="{C656BDAE-E3AF-46D8-A38F-84874D6EB754}"/>
               </a:ext>
             </a:extLst>
           </p:cNvPr>
@@ -23747,7 +24070,7 @@
           <p:cNvPr id="9" name="Google Shape;204;p21">
             <a:extLst>
               <a:ext uri="{FF2B5EF4-FFF2-40B4-BE49-F238E27FC236}">
-                <a16:creationId xmlns:a16="http://schemas.microsoft.com/office/drawing/2014/main" id="{DD305A2A-BB09-46AA-8FF5-24619180CF1E}"/>
+                <a16:creationId xmlns:a16="http://schemas.microsoft.com/office/drawing/2014/main" xmlns="" id="{DD305A2A-BB09-46AA-8FF5-24619180CF1E}"/>
               </a:ext>
             </a:extLst>
           </p:cNvPr>
@@ -23831,7 +24154,7 @@
           <p:cNvPr id="6" name="Imagen 5">
             <a:extLst>
               <a:ext uri="{FF2B5EF4-FFF2-40B4-BE49-F238E27FC236}">
-                <a16:creationId xmlns:a16="http://schemas.microsoft.com/office/drawing/2014/main" id="{71887398-B0AB-430F-B793-026DE66AFA95}"/>
+                <a16:creationId xmlns:a16="http://schemas.microsoft.com/office/drawing/2014/main" xmlns="" id="{71887398-B0AB-430F-B793-026DE66AFA95}"/>
               </a:ext>
             </a:extLst>
           </p:cNvPr>
@@ -23861,7 +24184,7 @@
           <p:cNvPr id="12" name="Imagen 11">
             <a:extLst>
               <a:ext uri="{FF2B5EF4-FFF2-40B4-BE49-F238E27FC236}">
-                <a16:creationId xmlns:a16="http://schemas.microsoft.com/office/drawing/2014/main" id="{44D095DE-DEE9-400A-86C2-EE9F26903591}"/>
+                <a16:creationId xmlns:a16="http://schemas.microsoft.com/office/drawing/2014/main" xmlns="" id="{44D095DE-DEE9-400A-86C2-EE9F26903591}"/>
               </a:ext>
             </a:extLst>
           </p:cNvPr>
@@ -23963,7 +24286,7 @@
           <p:cNvPr id="9" name="Google Shape;204;p21">
             <a:extLst>
               <a:ext uri="{FF2B5EF4-FFF2-40B4-BE49-F238E27FC236}">
-                <a16:creationId xmlns:a16="http://schemas.microsoft.com/office/drawing/2014/main" id="{DD305A2A-BB09-46AA-8FF5-24619180CF1E}"/>
+                <a16:creationId xmlns:a16="http://schemas.microsoft.com/office/drawing/2014/main" xmlns="" id="{DD305A2A-BB09-46AA-8FF5-24619180CF1E}"/>
               </a:ext>
             </a:extLst>
           </p:cNvPr>
@@ -24047,7 +24370,7 @@
           <p:cNvPr id="3" name="Imagen 2">
             <a:extLst>
               <a:ext uri="{FF2B5EF4-FFF2-40B4-BE49-F238E27FC236}">
-                <a16:creationId xmlns:a16="http://schemas.microsoft.com/office/drawing/2014/main" id="{673C8C75-06C4-48C7-9B34-4FBB4B1080B5}"/>
+                <a16:creationId xmlns:a16="http://schemas.microsoft.com/office/drawing/2014/main" xmlns="" id="{673C8C75-06C4-48C7-9B34-4FBB4B1080B5}"/>
               </a:ext>
             </a:extLst>
           </p:cNvPr>
@@ -24077,7 +24400,7 @@
           <p:cNvPr id="8" name="CuadroTexto 7">
             <a:extLst>
               <a:ext uri="{FF2B5EF4-FFF2-40B4-BE49-F238E27FC236}">
-                <a16:creationId xmlns:a16="http://schemas.microsoft.com/office/drawing/2014/main" id="{3CA2761F-EEB1-4C73-A704-9ED14E5B3069}"/>
+                <a16:creationId xmlns:a16="http://schemas.microsoft.com/office/drawing/2014/main" xmlns="" id="{3CA2761F-EEB1-4C73-A704-9ED14E5B3069}"/>
               </a:ext>
             </a:extLst>
           </p:cNvPr>
@@ -24199,7 +24522,7 @@
           <p:cNvPr id="9" name="Google Shape;204;p21">
             <a:extLst>
               <a:ext uri="{FF2B5EF4-FFF2-40B4-BE49-F238E27FC236}">
-                <a16:creationId xmlns:a16="http://schemas.microsoft.com/office/drawing/2014/main" id="{DD305A2A-BB09-46AA-8FF5-24619180CF1E}"/>
+                <a16:creationId xmlns:a16="http://schemas.microsoft.com/office/drawing/2014/main" xmlns="" id="{DD305A2A-BB09-46AA-8FF5-24619180CF1E}"/>
               </a:ext>
             </a:extLst>
           </p:cNvPr>
@@ -24285,7 +24608,7 @@
           <p:cNvPr id="3" name="Imagen 2">
             <a:extLst>
               <a:ext uri="{FF2B5EF4-FFF2-40B4-BE49-F238E27FC236}">
-                <a16:creationId xmlns:a16="http://schemas.microsoft.com/office/drawing/2014/main" id="{1B17DD32-509A-4748-B75A-F9A1BD57E534}"/>
+                <a16:creationId xmlns:a16="http://schemas.microsoft.com/office/drawing/2014/main" xmlns="" id="{1B17DD32-509A-4748-B75A-F9A1BD57E534}"/>
               </a:ext>
             </a:extLst>
           </p:cNvPr>
@@ -24315,7 +24638,7 @@
           <p:cNvPr id="10" name="Imagen 9">
             <a:extLst>
               <a:ext uri="{FF2B5EF4-FFF2-40B4-BE49-F238E27FC236}">
-                <a16:creationId xmlns:a16="http://schemas.microsoft.com/office/drawing/2014/main" id="{EC195134-1408-4D45-B379-2E6C3E108FAB}"/>
+                <a16:creationId xmlns:a16="http://schemas.microsoft.com/office/drawing/2014/main" xmlns="" id="{EC195134-1408-4D45-B379-2E6C3E108FAB}"/>
               </a:ext>
             </a:extLst>
           </p:cNvPr>
@@ -24345,7 +24668,7 @@
           <p:cNvPr id="12" name="Imagen 11">
             <a:extLst>
               <a:ext uri="{FF2B5EF4-FFF2-40B4-BE49-F238E27FC236}">
-                <a16:creationId xmlns:a16="http://schemas.microsoft.com/office/drawing/2014/main" id="{9629ECF0-58E3-4EB1-99F6-A525BA259614}"/>
+                <a16:creationId xmlns:a16="http://schemas.microsoft.com/office/drawing/2014/main" xmlns="" id="{9629ECF0-58E3-4EB1-99F6-A525BA259614}"/>
               </a:ext>
             </a:extLst>
           </p:cNvPr>
@@ -24375,7 +24698,7 @@
           <p:cNvPr id="13" name="Imagen 12">
             <a:extLst>
               <a:ext uri="{FF2B5EF4-FFF2-40B4-BE49-F238E27FC236}">
-                <a16:creationId xmlns:a16="http://schemas.microsoft.com/office/drawing/2014/main" id="{D84C7F77-17D8-4EFF-84D8-20B7A04F73AD}"/>
+                <a16:creationId xmlns:a16="http://schemas.microsoft.com/office/drawing/2014/main" xmlns="" id="{D84C7F77-17D8-4EFF-84D8-20B7A04F73AD}"/>
               </a:ext>
             </a:extLst>
           </p:cNvPr>
@@ -24447,7 +24770,7 @@
           <p:cNvPr id="9" name="Google Shape;204;p21">
             <a:extLst>
               <a:ext uri="{FF2B5EF4-FFF2-40B4-BE49-F238E27FC236}">
-                <a16:creationId xmlns:a16="http://schemas.microsoft.com/office/drawing/2014/main" id="{DD305A2A-BB09-46AA-8FF5-24619180CF1E}"/>
+                <a16:creationId xmlns:a16="http://schemas.microsoft.com/office/drawing/2014/main" xmlns="" id="{DD305A2A-BB09-46AA-8FF5-24619180CF1E}"/>
               </a:ext>
             </a:extLst>
           </p:cNvPr>
@@ -24533,7 +24856,7 @@
           <p:cNvPr id="2" name="Imagen 1">
             <a:extLst>
               <a:ext uri="{FF2B5EF4-FFF2-40B4-BE49-F238E27FC236}">
-                <a16:creationId xmlns:a16="http://schemas.microsoft.com/office/drawing/2014/main" id="{CA2C5094-C92C-4347-922A-39AE11741055}"/>
+                <a16:creationId xmlns:a16="http://schemas.microsoft.com/office/drawing/2014/main" xmlns="" id="{CA2C5094-C92C-4347-922A-39AE11741055}"/>
               </a:ext>
             </a:extLst>
           </p:cNvPr>
@@ -24563,7 +24886,7 @@
           <p:cNvPr id="5" name="Imagen 4">
             <a:extLst>
               <a:ext uri="{FF2B5EF4-FFF2-40B4-BE49-F238E27FC236}">
-                <a16:creationId xmlns:a16="http://schemas.microsoft.com/office/drawing/2014/main" id="{911011FD-670B-4D7E-A9B9-4F20F2BE7F85}"/>
+                <a16:creationId xmlns:a16="http://schemas.microsoft.com/office/drawing/2014/main" xmlns="" id="{911011FD-670B-4D7E-A9B9-4F20F2BE7F85}"/>
               </a:ext>
             </a:extLst>
           </p:cNvPr>
@@ -24593,7 +24916,7 @@
           <p:cNvPr id="11" name="Imagen 10">
             <a:extLst>
               <a:ext uri="{FF2B5EF4-FFF2-40B4-BE49-F238E27FC236}">
-                <a16:creationId xmlns:a16="http://schemas.microsoft.com/office/drawing/2014/main" id="{50CFA4DF-08A9-401E-AD89-99B7F29D462C}"/>
+                <a16:creationId xmlns:a16="http://schemas.microsoft.com/office/drawing/2014/main" xmlns="" id="{50CFA4DF-08A9-401E-AD89-99B7F29D462C}"/>
               </a:ext>
             </a:extLst>
           </p:cNvPr>
@@ -24623,7 +24946,7 @@
           <p:cNvPr id="6" name="Imagen 5">
             <a:extLst>
               <a:ext uri="{FF2B5EF4-FFF2-40B4-BE49-F238E27FC236}">
-                <a16:creationId xmlns:a16="http://schemas.microsoft.com/office/drawing/2014/main" id="{7F99A04B-0E97-4836-B72E-973F927E83C3}"/>
+                <a16:creationId xmlns:a16="http://schemas.microsoft.com/office/drawing/2014/main" xmlns="" id="{7F99A04B-0E97-4836-B72E-973F927E83C3}"/>
               </a:ext>
             </a:extLst>
           </p:cNvPr>
@@ -24686,7 +25009,7 @@
           <p:cNvPr id="9" name="Google Shape;204;p21">
             <a:extLst>
               <a:ext uri="{FF2B5EF4-FFF2-40B4-BE49-F238E27FC236}">
-                <a16:creationId xmlns:a16="http://schemas.microsoft.com/office/drawing/2014/main" id="{DD305A2A-BB09-46AA-8FF5-24619180CF1E}"/>
+                <a16:creationId xmlns:a16="http://schemas.microsoft.com/office/drawing/2014/main" xmlns="" id="{DD305A2A-BB09-46AA-8FF5-24619180CF1E}"/>
               </a:ext>
             </a:extLst>
           </p:cNvPr>
@@ -24772,7 +25095,7 @@
           <p:cNvPr id="2" name="Imagen 1">
             <a:extLst>
               <a:ext uri="{FF2B5EF4-FFF2-40B4-BE49-F238E27FC236}">
-                <a16:creationId xmlns:a16="http://schemas.microsoft.com/office/drawing/2014/main" id="{D53DBF4F-1942-40B8-9130-CA2016379EB2}"/>
+                <a16:creationId xmlns:a16="http://schemas.microsoft.com/office/drawing/2014/main" xmlns="" id="{D53DBF4F-1942-40B8-9130-CA2016379EB2}"/>
               </a:ext>
             </a:extLst>
           </p:cNvPr>
@@ -24802,7 +25125,7 @@
           <p:cNvPr id="6" name="Imagen 5">
             <a:extLst>
               <a:ext uri="{FF2B5EF4-FFF2-40B4-BE49-F238E27FC236}">
-                <a16:creationId xmlns:a16="http://schemas.microsoft.com/office/drawing/2014/main" id="{ECBC4978-5681-4589-AB49-CE30BF7F5121}"/>
+                <a16:creationId xmlns:a16="http://schemas.microsoft.com/office/drawing/2014/main" xmlns="" id="{ECBC4978-5681-4589-AB49-CE30BF7F5121}"/>
               </a:ext>
             </a:extLst>
           </p:cNvPr>
@@ -24832,7 +25155,7 @@
           <p:cNvPr id="4" name="Imagen 3">
             <a:extLst>
               <a:ext uri="{FF2B5EF4-FFF2-40B4-BE49-F238E27FC236}">
-                <a16:creationId xmlns:a16="http://schemas.microsoft.com/office/drawing/2014/main" id="{8212B52B-2011-4F44-A89C-E8CF21DD07F1}"/>
+                <a16:creationId xmlns:a16="http://schemas.microsoft.com/office/drawing/2014/main" xmlns="" id="{8212B52B-2011-4F44-A89C-E8CF21DD07F1}"/>
               </a:ext>
             </a:extLst>
           </p:cNvPr>
@@ -24862,7 +25185,7 @@
           <p:cNvPr id="5" name="Imagen 4">
             <a:extLst>
               <a:ext uri="{FF2B5EF4-FFF2-40B4-BE49-F238E27FC236}">
-                <a16:creationId xmlns:a16="http://schemas.microsoft.com/office/drawing/2014/main" id="{66068302-5EF2-463D-81B7-E9706D92CF0A}"/>
+                <a16:creationId xmlns:a16="http://schemas.microsoft.com/office/drawing/2014/main" xmlns="" id="{66068302-5EF2-463D-81B7-E9706D92CF0A}"/>
               </a:ext>
             </a:extLst>
           </p:cNvPr>
@@ -24925,7 +25248,7 @@
           <p:cNvPr id="9" name="Google Shape;204;p21">
             <a:extLst>
               <a:ext uri="{FF2B5EF4-FFF2-40B4-BE49-F238E27FC236}">
-                <a16:creationId xmlns:a16="http://schemas.microsoft.com/office/drawing/2014/main" id="{DD305A2A-BB09-46AA-8FF5-24619180CF1E}"/>
+                <a16:creationId xmlns:a16="http://schemas.microsoft.com/office/drawing/2014/main" xmlns="" id="{DD305A2A-BB09-46AA-8FF5-24619180CF1E}"/>
               </a:ext>
             </a:extLst>
           </p:cNvPr>
@@ -25009,7 +25332,7 @@
           <p:cNvPr id="6" name="Imagen 5">
             <a:extLst>
               <a:ext uri="{FF2B5EF4-FFF2-40B4-BE49-F238E27FC236}">
-                <a16:creationId xmlns:a16="http://schemas.microsoft.com/office/drawing/2014/main" id="{16B984B6-AE50-4DDF-9E20-C009F5C1CD34}"/>
+                <a16:creationId xmlns:a16="http://schemas.microsoft.com/office/drawing/2014/main" xmlns="" id="{16B984B6-AE50-4DDF-9E20-C009F5C1CD34}"/>
               </a:ext>
             </a:extLst>
           </p:cNvPr>
@@ -25039,7 +25362,7 @@
           <p:cNvPr id="7" name="Imagen 6">
             <a:extLst>
               <a:ext uri="{FF2B5EF4-FFF2-40B4-BE49-F238E27FC236}">
-                <a16:creationId xmlns:a16="http://schemas.microsoft.com/office/drawing/2014/main" id="{C3008AA1-CD74-4DBB-A01C-51E5AA01AC17}"/>
+                <a16:creationId xmlns:a16="http://schemas.microsoft.com/office/drawing/2014/main" xmlns="" id="{C3008AA1-CD74-4DBB-A01C-51E5AA01AC17}"/>
               </a:ext>
             </a:extLst>
           </p:cNvPr>
@@ -25069,7 +25392,7 @@
           <p:cNvPr id="3" name="Imagen 2">
             <a:extLst>
               <a:ext uri="{FF2B5EF4-FFF2-40B4-BE49-F238E27FC236}">
-                <a16:creationId xmlns:a16="http://schemas.microsoft.com/office/drawing/2014/main" id="{6F40AAE6-2883-428E-A785-7F501A8B9996}"/>
+                <a16:creationId xmlns:a16="http://schemas.microsoft.com/office/drawing/2014/main" xmlns="" id="{6F40AAE6-2883-428E-A785-7F501A8B9996}"/>
               </a:ext>
             </a:extLst>
           </p:cNvPr>
@@ -25099,7 +25422,7 @@
           <p:cNvPr id="4" name="Imagen 3">
             <a:extLst>
               <a:ext uri="{FF2B5EF4-FFF2-40B4-BE49-F238E27FC236}">
-                <a16:creationId xmlns:a16="http://schemas.microsoft.com/office/drawing/2014/main" id="{728372BB-C773-4019-9886-DE647AF8E689}"/>
+                <a16:creationId xmlns:a16="http://schemas.microsoft.com/office/drawing/2014/main" xmlns="" id="{728372BB-C773-4019-9886-DE647AF8E689}"/>
               </a:ext>
             </a:extLst>
           </p:cNvPr>
@@ -25192,7 +25515,7 @@
           <p:cNvPr id="9" name="Google Shape;204;p21">
             <a:extLst>
               <a:ext uri="{FF2B5EF4-FFF2-40B4-BE49-F238E27FC236}">
-                <a16:creationId xmlns:a16="http://schemas.microsoft.com/office/drawing/2014/main" id="{DD305A2A-BB09-46AA-8FF5-24619180CF1E}"/>
+                <a16:creationId xmlns:a16="http://schemas.microsoft.com/office/drawing/2014/main" xmlns="" id="{DD305A2A-BB09-46AA-8FF5-24619180CF1E}"/>
               </a:ext>
             </a:extLst>
           </p:cNvPr>
@@ -25278,7 +25601,7 @@
           <p:cNvPr id="5" name="Imagen 4">
             <a:extLst>
               <a:ext uri="{FF2B5EF4-FFF2-40B4-BE49-F238E27FC236}">
-                <a16:creationId xmlns:a16="http://schemas.microsoft.com/office/drawing/2014/main" id="{33D60D5D-C10C-4F93-8354-14E75821AEB9}"/>
+                <a16:creationId xmlns:a16="http://schemas.microsoft.com/office/drawing/2014/main" xmlns="" id="{33D60D5D-C10C-4F93-8354-14E75821AEB9}"/>
               </a:ext>
             </a:extLst>
           </p:cNvPr>
@@ -25308,7 +25631,7 @@
           <p:cNvPr id="6" name="Imagen 5">
             <a:extLst>
               <a:ext uri="{FF2B5EF4-FFF2-40B4-BE49-F238E27FC236}">
-                <a16:creationId xmlns:a16="http://schemas.microsoft.com/office/drawing/2014/main" id="{F80BEC49-F16D-4255-A2CC-BD457445DB40}"/>
+                <a16:creationId xmlns:a16="http://schemas.microsoft.com/office/drawing/2014/main" xmlns="" id="{F80BEC49-F16D-4255-A2CC-BD457445DB40}"/>
               </a:ext>
             </a:extLst>
           </p:cNvPr>
@@ -25338,7 +25661,7 @@
           <p:cNvPr id="2" name="Imagen 1">
             <a:extLst>
               <a:ext uri="{FF2B5EF4-FFF2-40B4-BE49-F238E27FC236}">
-                <a16:creationId xmlns:a16="http://schemas.microsoft.com/office/drawing/2014/main" id="{0C5615FB-DB53-4850-97C7-FC72E62BED29}"/>
+                <a16:creationId xmlns:a16="http://schemas.microsoft.com/office/drawing/2014/main" xmlns="" id="{0C5615FB-DB53-4850-97C7-FC72E62BED29}"/>
               </a:ext>
             </a:extLst>
           </p:cNvPr>
@@ -25368,7 +25691,7 @@
           <p:cNvPr id="4" name="Imagen 3">
             <a:extLst>
               <a:ext uri="{FF2B5EF4-FFF2-40B4-BE49-F238E27FC236}">
-                <a16:creationId xmlns:a16="http://schemas.microsoft.com/office/drawing/2014/main" id="{A89B8C70-7401-43C5-9BBC-62E7196351B7}"/>
+                <a16:creationId xmlns:a16="http://schemas.microsoft.com/office/drawing/2014/main" xmlns="" id="{A89B8C70-7401-43C5-9BBC-62E7196351B7}"/>
               </a:ext>
             </a:extLst>
           </p:cNvPr>
@@ -25431,7 +25754,7 @@
           <p:cNvPr id="9" name="Google Shape;204;p21">
             <a:extLst>
               <a:ext uri="{FF2B5EF4-FFF2-40B4-BE49-F238E27FC236}">
-                <a16:creationId xmlns:a16="http://schemas.microsoft.com/office/drawing/2014/main" id="{DD305A2A-BB09-46AA-8FF5-24619180CF1E}"/>
+                <a16:creationId xmlns:a16="http://schemas.microsoft.com/office/drawing/2014/main" xmlns="" id="{DD305A2A-BB09-46AA-8FF5-24619180CF1E}"/>
               </a:ext>
             </a:extLst>
           </p:cNvPr>
@@ -25517,7 +25840,7 @@
           <p:cNvPr id="5" name="Imagen 4">
             <a:extLst>
               <a:ext uri="{FF2B5EF4-FFF2-40B4-BE49-F238E27FC236}">
-                <a16:creationId xmlns:a16="http://schemas.microsoft.com/office/drawing/2014/main" id="{405A6F2F-4242-4928-8359-78ABEACEEEF0}"/>
+                <a16:creationId xmlns:a16="http://schemas.microsoft.com/office/drawing/2014/main" xmlns="" id="{405A6F2F-4242-4928-8359-78ABEACEEEF0}"/>
               </a:ext>
             </a:extLst>
           </p:cNvPr>
@@ -25547,7 +25870,7 @@
           <p:cNvPr id="6" name="Imagen 5">
             <a:extLst>
               <a:ext uri="{FF2B5EF4-FFF2-40B4-BE49-F238E27FC236}">
-                <a16:creationId xmlns:a16="http://schemas.microsoft.com/office/drawing/2014/main" id="{5758B656-0225-42A3-88DA-71436E3DDF1B}"/>
+                <a16:creationId xmlns:a16="http://schemas.microsoft.com/office/drawing/2014/main" xmlns="" id="{5758B656-0225-42A3-88DA-71436E3DDF1B}"/>
               </a:ext>
             </a:extLst>
           </p:cNvPr>
@@ -25577,7 +25900,7 @@
           <p:cNvPr id="2" name="Imagen 1">
             <a:extLst>
               <a:ext uri="{FF2B5EF4-FFF2-40B4-BE49-F238E27FC236}">
-                <a16:creationId xmlns:a16="http://schemas.microsoft.com/office/drawing/2014/main" id="{5080AA6A-8316-4E5B-9D3D-F56BDB523685}"/>
+                <a16:creationId xmlns:a16="http://schemas.microsoft.com/office/drawing/2014/main" xmlns="" id="{5080AA6A-8316-4E5B-9D3D-F56BDB523685}"/>
               </a:ext>
             </a:extLst>
           </p:cNvPr>
@@ -25607,7 +25930,7 @@
           <p:cNvPr id="4" name="Imagen 3">
             <a:extLst>
               <a:ext uri="{FF2B5EF4-FFF2-40B4-BE49-F238E27FC236}">
-                <a16:creationId xmlns:a16="http://schemas.microsoft.com/office/drawing/2014/main" id="{31DF16B1-1306-489D-BDED-463F58353821}"/>
+                <a16:creationId xmlns:a16="http://schemas.microsoft.com/office/drawing/2014/main" xmlns="" id="{31DF16B1-1306-489D-BDED-463F58353821}"/>
               </a:ext>
             </a:extLst>
           </p:cNvPr>
@@ -25791,7 +26114,7 @@
           <p:cNvPr id="8" name="CuadroTexto 7">
             <a:extLst>
               <a:ext uri="{FF2B5EF4-FFF2-40B4-BE49-F238E27FC236}">
-                <a16:creationId xmlns:a16="http://schemas.microsoft.com/office/drawing/2014/main" id="{CBDC84F9-135A-4F0D-AB2F-B473B6C241A1}"/>
+                <a16:creationId xmlns:a16="http://schemas.microsoft.com/office/drawing/2014/main" xmlns="" id="{CBDC84F9-135A-4F0D-AB2F-B473B6C241A1}"/>
               </a:ext>
             </a:extLst>
           </p:cNvPr>
@@ -25904,7 +26227,7 @@
           <p:cNvPr id="9" name="Google Shape;204;p21">
             <a:extLst>
               <a:ext uri="{FF2B5EF4-FFF2-40B4-BE49-F238E27FC236}">
-                <a16:creationId xmlns:a16="http://schemas.microsoft.com/office/drawing/2014/main" id="{DD305A2A-BB09-46AA-8FF5-24619180CF1E}"/>
+                <a16:creationId xmlns:a16="http://schemas.microsoft.com/office/drawing/2014/main" xmlns="" id="{DD305A2A-BB09-46AA-8FF5-24619180CF1E}"/>
               </a:ext>
             </a:extLst>
           </p:cNvPr>
@@ -25988,7 +26311,7 @@
           <p:cNvPr id="4" name="Imagen 3">
             <a:extLst>
               <a:ext uri="{FF2B5EF4-FFF2-40B4-BE49-F238E27FC236}">
-                <a16:creationId xmlns:a16="http://schemas.microsoft.com/office/drawing/2014/main" id="{D6C1F789-172F-4DD9-8020-4559417574E5}"/>
+                <a16:creationId xmlns:a16="http://schemas.microsoft.com/office/drawing/2014/main" xmlns="" id="{D6C1F789-172F-4DD9-8020-4559417574E5}"/>
               </a:ext>
             </a:extLst>
           </p:cNvPr>
@@ -26385,7 +26708,7 @@
           <p:cNvPr id="6" name="CuadroTexto 5">
             <a:extLst>
               <a:ext uri="{FF2B5EF4-FFF2-40B4-BE49-F238E27FC236}">
-                <a16:creationId xmlns:a16="http://schemas.microsoft.com/office/drawing/2014/main" id="{C656BDAE-E3AF-46D8-A38F-84874D6EB754}"/>
+                <a16:creationId xmlns:a16="http://schemas.microsoft.com/office/drawing/2014/main" xmlns="" id="{C656BDAE-E3AF-46D8-A38F-84874D6EB754}"/>
               </a:ext>
             </a:extLst>
           </p:cNvPr>
@@ -26435,7 +26758,7 @@
           <p:cNvPr id="2" name="Imagen 1">
             <a:extLst>
               <a:ext uri="{FF2B5EF4-FFF2-40B4-BE49-F238E27FC236}">
-                <a16:creationId xmlns:a16="http://schemas.microsoft.com/office/drawing/2014/main" id="{56538B82-0823-4699-A2B9-3E4FA8DEFC9D}"/>
+                <a16:creationId xmlns:a16="http://schemas.microsoft.com/office/drawing/2014/main" xmlns="" id="{56538B82-0823-4699-A2B9-3E4FA8DEFC9D}"/>
               </a:ext>
             </a:extLst>
           </p:cNvPr>
@@ -26831,7 +27154,7 @@
           <p:cNvPr id="9" name="Google Shape;204;p21">
             <a:extLst>
               <a:ext uri="{FF2B5EF4-FFF2-40B4-BE49-F238E27FC236}">
-                <a16:creationId xmlns:a16="http://schemas.microsoft.com/office/drawing/2014/main" id="{DD305A2A-BB09-46AA-8FF5-24619180CF1E}"/>
+                <a16:creationId xmlns:a16="http://schemas.microsoft.com/office/drawing/2014/main" xmlns="" id="{DD305A2A-BB09-46AA-8FF5-24619180CF1E}"/>
               </a:ext>
             </a:extLst>
           </p:cNvPr>
@@ -26915,7 +27238,7 @@
           <p:cNvPr id="2" name="Tabla 1">
             <a:extLst>
               <a:ext uri="{FF2B5EF4-FFF2-40B4-BE49-F238E27FC236}">
-                <a16:creationId xmlns:a16="http://schemas.microsoft.com/office/drawing/2014/main" id="{80AC7249-3B8A-4087-955D-B17B34124EAF}"/>
+                <a16:creationId xmlns:a16="http://schemas.microsoft.com/office/drawing/2014/main" xmlns="" id="{80AC7249-3B8A-4087-955D-B17B34124EAF}"/>
               </a:ext>
             </a:extLst>
           </p:cNvPr>
@@ -26944,14 +27267,14 @@
                 <a:gridCol w="1778786">
                   <a:extLst>
                     <a:ext uri="{9D8B030D-6E8A-4147-A177-3AD203B41FA5}">
-                      <a16:colId xmlns:a16="http://schemas.microsoft.com/office/drawing/2014/main" val="1175486583"/>
+                      <a16:colId xmlns:a16="http://schemas.microsoft.com/office/drawing/2014/main" xmlns="" val="1175486583"/>
                     </a:ext>
                   </a:extLst>
                 </a:gridCol>
                 <a:gridCol w="6106546">
                   <a:extLst>
                     <a:ext uri="{9D8B030D-6E8A-4147-A177-3AD203B41FA5}">
-                      <a16:colId xmlns:a16="http://schemas.microsoft.com/office/drawing/2014/main" val="628884995"/>
+                      <a16:colId xmlns:a16="http://schemas.microsoft.com/office/drawing/2014/main" xmlns="" val="628884995"/>
                     </a:ext>
                   </a:extLst>
                 </a:gridCol>
@@ -27019,7 +27342,7 @@
                 </a:tc>
                 <a:extLst>
                   <a:ext uri="{0D108BD9-81ED-4DB2-BD59-A6C34878D82A}">
-                    <a16:rowId xmlns:a16="http://schemas.microsoft.com/office/drawing/2014/main" val="473091387"/>
+                    <a16:rowId xmlns:a16="http://schemas.microsoft.com/office/drawing/2014/main" xmlns="" val="473091387"/>
                   </a:ext>
                 </a:extLst>
               </a:tr>
@@ -27098,7 +27421,7 @@
                 </a:tc>
                 <a:extLst>
                   <a:ext uri="{0D108BD9-81ED-4DB2-BD59-A6C34878D82A}">
-                    <a16:rowId xmlns:a16="http://schemas.microsoft.com/office/drawing/2014/main" val="3328956751"/>
+                    <a16:rowId xmlns:a16="http://schemas.microsoft.com/office/drawing/2014/main" xmlns="" val="3328956751"/>
                   </a:ext>
                 </a:extLst>
               </a:tr>
@@ -27165,7 +27488,7 @@
                 </a:tc>
                 <a:extLst>
                   <a:ext uri="{0D108BD9-81ED-4DB2-BD59-A6C34878D82A}">
-                    <a16:rowId xmlns:a16="http://schemas.microsoft.com/office/drawing/2014/main" val="3135755598"/>
+                    <a16:rowId xmlns:a16="http://schemas.microsoft.com/office/drawing/2014/main" xmlns="" val="3135755598"/>
                   </a:ext>
                 </a:extLst>
               </a:tr>
@@ -27244,7 +27567,7 @@
                 </a:tc>
                 <a:extLst>
                   <a:ext uri="{0D108BD9-81ED-4DB2-BD59-A6C34878D82A}">
-                    <a16:rowId xmlns:a16="http://schemas.microsoft.com/office/drawing/2014/main" val="3883951968"/>
+                    <a16:rowId xmlns:a16="http://schemas.microsoft.com/office/drawing/2014/main" xmlns="" val="3883951968"/>
                   </a:ext>
                 </a:extLst>
               </a:tr>
@@ -27312,7 +27635,7 @@
                 </a:tc>
                 <a:extLst>
                   <a:ext uri="{0D108BD9-81ED-4DB2-BD59-A6C34878D82A}">
-                    <a16:rowId xmlns:a16="http://schemas.microsoft.com/office/drawing/2014/main" val="55285962"/>
+                    <a16:rowId xmlns:a16="http://schemas.microsoft.com/office/drawing/2014/main" xmlns="" val="55285962"/>
                   </a:ext>
                 </a:extLst>
               </a:tr>
@@ -27388,7 +27711,7 @@
           <p:cNvPr id="9" name="Google Shape;204;p21">
             <a:extLst>
               <a:ext uri="{FF2B5EF4-FFF2-40B4-BE49-F238E27FC236}">
-                <a16:creationId xmlns:a16="http://schemas.microsoft.com/office/drawing/2014/main" id="{DD305A2A-BB09-46AA-8FF5-24619180CF1E}"/>
+                <a16:creationId xmlns:a16="http://schemas.microsoft.com/office/drawing/2014/main" xmlns="" id="{DD305A2A-BB09-46AA-8FF5-24619180CF1E}"/>
               </a:ext>
             </a:extLst>
           </p:cNvPr>
@@ -27472,7 +27795,7 @@
           <p:cNvPr id="3" name="Tabla 2">
             <a:extLst>
               <a:ext uri="{FF2B5EF4-FFF2-40B4-BE49-F238E27FC236}">
-                <a16:creationId xmlns:a16="http://schemas.microsoft.com/office/drawing/2014/main" id="{1694E2BE-8D17-4700-A33E-384900F84CD9}"/>
+                <a16:creationId xmlns:a16="http://schemas.microsoft.com/office/drawing/2014/main" xmlns="" id="{1694E2BE-8D17-4700-A33E-384900F84CD9}"/>
               </a:ext>
             </a:extLst>
           </p:cNvPr>
@@ -27501,14 +27824,14 @@
                 <a:gridCol w="1840332">
                   <a:extLst>
                     <a:ext uri="{9D8B030D-6E8A-4147-A177-3AD203B41FA5}">
-                      <a16:colId xmlns:a16="http://schemas.microsoft.com/office/drawing/2014/main" val="56195747"/>
+                      <a16:colId xmlns:a16="http://schemas.microsoft.com/office/drawing/2014/main" xmlns="" val="56195747"/>
                     </a:ext>
                   </a:extLst>
                 </a:gridCol>
                 <a:gridCol w="6318936">
                   <a:extLst>
                     <a:ext uri="{9D8B030D-6E8A-4147-A177-3AD203B41FA5}">
-                      <a16:colId xmlns:a16="http://schemas.microsoft.com/office/drawing/2014/main" val="778520980"/>
+                      <a16:colId xmlns:a16="http://schemas.microsoft.com/office/drawing/2014/main" xmlns="" val="778520980"/>
                     </a:ext>
                   </a:extLst>
                 </a:gridCol>
@@ -27576,7 +27899,7 @@
                 </a:tc>
                 <a:extLst>
                   <a:ext uri="{0D108BD9-81ED-4DB2-BD59-A6C34878D82A}">
-                    <a16:rowId xmlns:a16="http://schemas.microsoft.com/office/drawing/2014/main" val="2013511557"/>
+                    <a16:rowId xmlns:a16="http://schemas.microsoft.com/office/drawing/2014/main" xmlns="" val="2013511557"/>
                   </a:ext>
                 </a:extLst>
               </a:tr>
@@ -27655,7 +27978,7 @@
                 </a:tc>
                 <a:extLst>
                   <a:ext uri="{0D108BD9-81ED-4DB2-BD59-A6C34878D82A}">
-                    <a16:rowId xmlns:a16="http://schemas.microsoft.com/office/drawing/2014/main" val="3324935551"/>
+                    <a16:rowId xmlns:a16="http://schemas.microsoft.com/office/drawing/2014/main" xmlns="" val="3324935551"/>
                   </a:ext>
                 </a:extLst>
               </a:tr>
@@ -27734,7 +28057,7 @@
                 </a:tc>
                 <a:extLst>
                   <a:ext uri="{0D108BD9-81ED-4DB2-BD59-A6C34878D82A}">
-                    <a16:rowId xmlns:a16="http://schemas.microsoft.com/office/drawing/2014/main" val="153116274"/>
+                    <a16:rowId xmlns:a16="http://schemas.microsoft.com/office/drawing/2014/main" xmlns="" val="153116274"/>
                   </a:ext>
                 </a:extLst>
               </a:tr>
@@ -27813,7 +28136,7 @@
                 </a:tc>
                 <a:extLst>
                   <a:ext uri="{0D108BD9-81ED-4DB2-BD59-A6C34878D82A}">
-                    <a16:rowId xmlns:a16="http://schemas.microsoft.com/office/drawing/2014/main" val="1808601728"/>
+                    <a16:rowId xmlns:a16="http://schemas.microsoft.com/office/drawing/2014/main" xmlns="" val="1808601728"/>
                   </a:ext>
                 </a:extLst>
               </a:tr>
@@ -27881,7 +28204,7 @@
                 </a:tc>
                 <a:extLst>
                   <a:ext uri="{0D108BD9-81ED-4DB2-BD59-A6C34878D82A}">
-                    <a16:rowId xmlns:a16="http://schemas.microsoft.com/office/drawing/2014/main" val="3082158039"/>
+                    <a16:rowId xmlns:a16="http://schemas.microsoft.com/office/drawing/2014/main" xmlns="" val="3082158039"/>
                   </a:ext>
                 </a:extLst>
               </a:tr>
@@ -27957,7 +28280,7 @@
           <p:cNvPr id="9" name="Google Shape;204;p21">
             <a:extLst>
               <a:ext uri="{FF2B5EF4-FFF2-40B4-BE49-F238E27FC236}">
-                <a16:creationId xmlns:a16="http://schemas.microsoft.com/office/drawing/2014/main" id="{DD305A2A-BB09-46AA-8FF5-24619180CF1E}"/>
+                <a16:creationId xmlns:a16="http://schemas.microsoft.com/office/drawing/2014/main" xmlns="" id="{DD305A2A-BB09-46AA-8FF5-24619180CF1E}"/>
               </a:ext>
             </a:extLst>
           </p:cNvPr>
@@ -28041,7 +28364,7 @@
           <p:cNvPr id="2" name="Tabla 1">
             <a:extLst>
               <a:ext uri="{FF2B5EF4-FFF2-40B4-BE49-F238E27FC236}">
-                <a16:creationId xmlns:a16="http://schemas.microsoft.com/office/drawing/2014/main" id="{BC2B0C19-C00E-4181-A392-8952E69063C9}"/>
+                <a16:creationId xmlns:a16="http://schemas.microsoft.com/office/drawing/2014/main" xmlns="" id="{BC2B0C19-C00E-4181-A392-8952E69063C9}"/>
               </a:ext>
             </a:extLst>
           </p:cNvPr>
@@ -28070,14 +28393,14 @@
                 <a:gridCol w="1881726">
                   <a:extLst>
                     <a:ext uri="{9D8B030D-6E8A-4147-A177-3AD203B41FA5}">
-                      <a16:colId xmlns:a16="http://schemas.microsoft.com/office/drawing/2014/main" val="729991836"/>
+                      <a16:colId xmlns:a16="http://schemas.microsoft.com/office/drawing/2014/main" xmlns="" val="729991836"/>
                     </a:ext>
                   </a:extLst>
                 </a:gridCol>
                 <a:gridCol w="6460416">
                   <a:extLst>
                     <a:ext uri="{9D8B030D-6E8A-4147-A177-3AD203B41FA5}">
-                      <a16:colId xmlns:a16="http://schemas.microsoft.com/office/drawing/2014/main" val="1884380216"/>
+                      <a16:colId xmlns:a16="http://schemas.microsoft.com/office/drawing/2014/main" xmlns="" val="1884380216"/>
                     </a:ext>
                   </a:extLst>
                 </a:gridCol>
@@ -28145,7 +28468,7 @@
                 </a:tc>
                 <a:extLst>
                   <a:ext uri="{0D108BD9-81ED-4DB2-BD59-A6C34878D82A}">
-                    <a16:rowId xmlns:a16="http://schemas.microsoft.com/office/drawing/2014/main" val="2721755539"/>
+                    <a16:rowId xmlns:a16="http://schemas.microsoft.com/office/drawing/2014/main" xmlns="" val="2721755539"/>
                   </a:ext>
                 </a:extLst>
               </a:tr>
@@ -28224,7 +28547,7 @@
                 </a:tc>
                 <a:extLst>
                   <a:ext uri="{0D108BD9-81ED-4DB2-BD59-A6C34878D82A}">
-                    <a16:rowId xmlns:a16="http://schemas.microsoft.com/office/drawing/2014/main" val="348139698"/>
+                    <a16:rowId xmlns:a16="http://schemas.microsoft.com/office/drawing/2014/main" xmlns="" val="348139698"/>
                   </a:ext>
                 </a:extLst>
               </a:tr>
@@ -28303,7 +28626,7 @@
                 </a:tc>
                 <a:extLst>
                   <a:ext uri="{0D108BD9-81ED-4DB2-BD59-A6C34878D82A}">
-                    <a16:rowId xmlns:a16="http://schemas.microsoft.com/office/drawing/2014/main" val="3905259593"/>
+                    <a16:rowId xmlns:a16="http://schemas.microsoft.com/office/drawing/2014/main" xmlns="" val="3905259593"/>
                   </a:ext>
                 </a:extLst>
               </a:tr>
@@ -28382,7 +28705,7 @@
                 </a:tc>
                 <a:extLst>
                   <a:ext uri="{0D108BD9-81ED-4DB2-BD59-A6C34878D82A}">
-                    <a16:rowId xmlns:a16="http://schemas.microsoft.com/office/drawing/2014/main" val="2305282620"/>
+                    <a16:rowId xmlns:a16="http://schemas.microsoft.com/office/drawing/2014/main" xmlns="" val="2305282620"/>
                   </a:ext>
                 </a:extLst>
               </a:tr>
@@ -28450,7 +28773,7 @@
                 </a:tc>
                 <a:extLst>
                   <a:ext uri="{0D108BD9-81ED-4DB2-BD59-A6C34878D82A}">
-                    <a16:rowId xmlns:a16="http://schemas.microsoft.com/office/drawing/2014/main" val="2461492740"/>
+                    <a16:rowId xmlns:a16="http://schemas.microsoft.com/office/drawing/2014/main" xmlns="" val="2461492740"/>
                   </a:ext>
                 </a:extLst>
               </a:tr>
@@ -28526,7 +28849,7 @@
           <p:cNvPr id="9" name="Google Shape;204;p21">
             <a:extLst>
               <a:ext uri="{FF2B5EF4-FFF2-40B4-BE49-F238E27FC236}">
-                <a16:creationId xmlns:a16="http://schemas.microsoft.com/office/drawing/2014/main" id="{DD305A2A-BB09-46AA-8FF5-24619180CF1E}"/>
+                <a16:creationId xmlns:a16="http://schemas.microsoft.com/office/drawing/2014/main" xmlns="" id="{DD305A2A-BB09-46AA-8FF5-24619180CF1E}"/>
               </a:ext>
             </a:extLst>
           </p:cNvPr>
@@ -28610,7 +28933,7 @@
           <p:cNvPr id="2" name="Tabla 1">
             <a:extLst>
               <a:ext uri="{FF2B5EF4-FFF2-40B4-BE49-F238E27FC236}">
-                <a16:creationId xmlns:a16="http://schemas.microsoft.com/office/drawing/2014/main" id="{8AA1B363-4F59-45A5-B602-D16B6E5414F0}"/>
+                <a16:creationId xmlns:a16="http://schemas.microsoft.com/office/drawing/2014/main" xmlns="" id="{8AA1B363-4F59-45A5-B602-D16B6E5414F0}"/>
               </a:ext>
             </a:extLst>
           </p:cNvPr>
@@ -28639,14 +28962,14 @@
                 <a:gridCol w="1838850">
                   <a:extLst>
                     <a:ext uri="{9D8B030D-6E8A-4147-A177-3AD203B41FA5}">
-                      <a16:colId xmlns:a16="http://schemas.microsoft.com/office/drawing/2014/main" val="466670209"/>
+                      <a16:colId xmlns:a16="http://schemas.microsoft.com/office/drawing/2014/main" xmlns="" val="466670209"/>
                     </a:ext>
                   </a:extLst>
                 </a:gridCol>
                 <a:gridCol w="6308730">
                   <a:extLst>
                     <a:ext uri="{9D8B030D-6E8A-4147-A177-3AD203B41FA5}">
-                      <a16:colId xmlns:a16="http://schemas.microsoft.com/office/drawing/2014/main" val="3775180032"/>
+                      <a16:colId xmlns:a16="http://schemas.microsoft.com/office/drawing/2014/main" xmlns="" val="3775180032"/>
                     </a:ext>
                   </a:extLst>
                 </a:gridCol>
@@ -28714,7 +29037,7 @@
                 </a:tc>
                 <a:extLst>
                   <a:ext uri="{0D108BD9-81ED-4DB2-BD59-A6C34878D82A}">
-                    <a16:rowId xmlns:a16="http://schemas.microsoft.com/office/drawing/2014/main" val="2849240125"/>
+                    <a16:rowId xmlns:a16="http://schemas.microsoft.com/office/drawing/2014/main" xmlns="" val="2849240125"/>
                   </a:ext>
                 </a:extLst>
               </a:tr>
@@ -28793,7 +29116,7 @@
                 </a:tc>
                 <a:extLst>
                   <a:ext uri="{0D108BD9-81ED-4DB2-BD59-A6C34878D82A}">
-                    <a16:rowId xmlns:a16="http://schemas.microsoft.com/office/drawing/2014/main" val="106012198"/>
+                    <a16:rowId xmlns:a16="http://schemas.microsoft.com/office/drawing/2014/main" xmlns="" val="106012198"/>
                   </a:ext>
                 </a:extLst>
               </a:tr>
@@ -28872,7 +29195,7 @@
                 </a:tc>
                 <a:extLst>
                   <a:ext uri="{0D108BD9-81ED-4DB2-BD59-A6C34878D82A}">
-                    <a16:rowId xmlns:a16="http://schemas.microsoft.com/office/drawing/2014/main" val="2942677339"/>
+                    <a16:rowId xmlns:a16="http://schemas.microsoft.com/office/drawing/2014/main" xmlns="" val="2942677339"/>
                   </a:ext>
                 </a:extLst>
               </a:tr>
@@ -28951,7 +29274,7 @@
                 </a:tc>
                 <a:extLst>
                   <a:ext uri="{0D108BD9-81ED-4DB2-BD59-A6C34878D82A}">
-                    <a16:rowId xmlns:a16="http://schemas.microsoft.com/office/drawing/2014/main" val="745358314"/>
+                    <a16:rowId xmlns:a16="http://schemas.microsoft.com/office/drawing/2014/main" xmlns="" val="745358314"/>
                   </a:ext>
                 </a:extLst>
               </a:tr>
@@ -29022,7 +29345,7 @@
                 </a:tc>
                 <a:extLst>
                   <a:ext uri="{0D108BD9-81ED-4DB2-BD59-A6C34878D82A}">
-                    <a16:rowId xmlns:a16="http://schemas.microsoft.com/office/drawing/2014/main" val="2050915839"/>
+                    <a16:rowId xmlns:a16="http://schemas.microsoft.com/office/drawing/2014/main" xmlns="" val="2050915839"/>
                   </a:ext>
                 </a:extLst>
               </a:tr>
@@ -29098,7 +29421,7 @@
           <p:cNvPr id="9" name="Google Shape;204;p21">
             <a:extLst>
               <a:ext uri="{FF2B5EF4-FFF2-40B4-BE49-F238E27FC236}">
-                <a16:creationId xmlns:a16="http://schemas.microsoft.com/office/drawing/2014/main" id="{DD305A2A-BB09-46AA-8FF5-24619180CF1E}"/>
+                <a16:creationId xmlns:a16="http://schemas.microsoft.com/office/drawing/2014/main" xmlns="" id="{DD305A2A-BB09-46AA-8FF5-24619180CF1E}"/>
               </a:ext>
             </a:extLst>
           </p:cNvPr>
@@ -29182,7 +29505,7 @@
           <p:cNvPr id="3" name="Tabla 2">
             <a:extLst>
               <a:ext uri="{FF2B5EF4-FFF2-40B4-BE49-F238E27FC236}">
-                <a16:creationId xmlns:a16="http://schemas.microsoft.com/office/drawing/2014/main" id="{0FAC0D16-71BF-4063-B865-679CEB02B200}"/>
+                <a16:creationId xmlns:a16="http://schemas.microsoft.com/office/drawing/2014/main" xmlns="" id="{0FAC0D16-71BF-4063-B865-679CEB02B200}"/>
               </a:ext>
             </a:extLst>
           </p:cNvPr>
@@ -29211,14 +29534,14 @@
                 <a:gridCol w="1838797">
                   <a:extLst>
                     <a:ext uri="{9D8B030D-6E8A-4147-A177-3AD203B41FA5}">
-                      <a16:colId xmlns:a16="http://schemas.microsoft.com/office/drawing/2014/main" val="3133101363"/>
+                      <a16:colId xmlns:a16="http://schemas.microsoft.com/office/drawing/2014/main" xmlns="" val="3133101363"/>
                     </a:ext>
                   </a:extLst>
                 </a:gridCol>
                 <a:gridCol w="6308783">
                   <a:extLst>
                     <a:ext uri="{9D8B030D-6E8A-4147-A177-3AD203B41FA5}">
-                      <a16:colId xmlns:a16="http://schemas.microsoft.com/office/drawing/2014/main" val="2411454356"/>
+                      <a16:colId xmlns:a16="http://schemas.microsoft.com/office/drawing/2014/main" xmlns="" val="2411454356"/>
                     </a:ext>
                   </a:extLst>
                 </a:gridCol>
@@ -29286,7 +29609,7 @@
                 </a:tc>
                 <a:extLst>
                   <a:ext uri="{0D108BD9-81ED-4DB2-BD59-A6C34878D82A}">
-                    <a16:rowId xmlns:a16="http://schemas.microsoft.com/office/drawing/2014/main" val="2332126732"/>
+                    <a16:rowId xmlns:a16="http://schemas.microsoft.com/office/drawing/2014/main" xmlns="" val="2332126732"/>
                   </a:ext>
                 </a:extLst>
               </a:tr>
@@ -29365,7 +29688,7 @@
                 </a:tc>
                 <a:extLst>
                   <a:ext uri="{0D108BD9-81ED-4DB2-BD59-A6C34878D82A}">
-                    <a16:rowId xmlns:a16="http://schemas.microsoft.com/office/drawing/2014/main" val="3978124382"/>
+                    <a16:rowId xmlns:a16="http://schemas.microsoft.com/office/drawing/2014/main" xmlns="" val="3978124382"/>
                   </a:ext>
                 </a:extLst>
               </a:tr>
@@ -29444,7 +29767,7 @@
                 </a:tc>
                 <a:extLst>
                   <a:ext uri="{0D108BD9-81ED-4DB2-BD59-A6C34878D82A}">
-                    <a16:rowId xmlns:a16="http://schemas.microsoft.com/office/drawing/2014/main" val="1724874363"/>
+                    <a16:rowId xmlns:a16="http://schemas.microsoft.com/office/drawing/2014/main" xmlns="" val="1724874363"/>
                   </a:ext>
                 </a:extLst>
               </a:tr>
@@ -29523,7 +29846,7 @@
                 </a:tc>
                 <a:extLst>
                   <a:ext uri="{0D108BD9-81ED-4DB2-BD59-A6C34878D82A}">
-                    <a16:rowId xmlns:a16="http://schemas.microsoft.com/office/drawing/2014/main" val="615482675"/>
+                    <a16:rowId xmlns:a16="http://schemas.microsoft.com/office/drawing/2014/main" xmlns="" val="615482675"/>
                   </a:ext>
                 </a:extLst>
               </a:tr>
@@ -29591,7 +29914,7 @@
                 </a:tc>
                 <a:extLst>
                   <a:ext uri="{0D108BD9-81ED-4DB2-BD59-A6C34878D82A}">
-                    <a16:rowId xmlns:a16="http://schemas.microsoft.com/office/drawing/2014/main" val="4224271363"/>
+                    <a16:rowId xmlns:a16="http://schemas.microsoft.com/office/drawing/2014/main" xmlns="" val="4224271363"/>
                   </a:ext>
                 </a:extLst>
               </a:tr>
@@ -29667,7 +29990,7 @@
           <p:cNvPr id="9" name="Google Shape;204;p21">
             <a:extLst>
               <a:ext uri="{FF2B5EF4-FFF2-40B4-BE49-F238E27FC236}">
-                <a16:creationId xmlns:a16="http://schemas.microsoft.com/office/drawing/2014/main" id="{DD305A2A-BB09-46AA-8FF5-24619180CF1E}"/>
+                <a16:creationId xmlns:a16="http://schemas.microsoft.com/office/drawing/2014/main" xmlns="" id="{DD305A2A-BB09-46AA-8FF5-24619180CF1E}"/>
               </a:ext>
             </a:extLst>
           </p:cNvPr>
@@ -29751,7 +30074,7 @@
           <p:cNvPr id="10" name="Tabla 9">
             <a:extLst>
               <a:ext uri="{FF2B5EF4-FFF2-40B4-BE49-F238E27FC236}">
-                <a16:creationId xmlns:a16="http://schemas.microsoft.com/office/drawing/2014/main" id="{1F95A91D-28F7-430E-8444-D4D8B22FDC97}"/>
+                <a16:creationId xmlns:a16="http://schemas.microsoft.com/office/drawing/2014/main" xmlns="" id="{1F95A91D-28F7-430E-8444-D4D8B22FDC97}"/>
               </a:ext>
             </a:extLst>
           </p:cNvPr>
@@ -29780,14 +30103,14 @@
                 <a:gridCol w="1828600">
                   <a:extLst>
                     <a:ext uri="{9D8B030D-6E8A-4147-A177-3AD203B41FA5}">
-                      <a16:colId xmlns:a16="http://schemas.microsoft.com/office/drawing/2014/main" val="3265555264"/>
+                      <a16:colId xmlns:a16="http://schemas.microsoft.com/office/drawing/2014/main" xmlns="" val="3265555264"/>
                     </a:ext>
                   </a:extLst>
                 </a:gridCol>
                 <a:gridCol w="6275266">
                   <a:extLst>
                     <a:ext uri="{9D8B030D-6E8A-4147-A177-3AD203B41FA5}">
-                      <a16:colId xmlns:a16="http://schemas.microsoft.com/office/drawing/2014/main" val="2843963975"/>
+                      <a16:colId xmlns:a16="http://schemas.microsoft.com/office/drawing/2014/main" xmlns="" val="2843963975"/>
                     </a:ext>
                   </a:extLst>
                 </a:gridCol>
@@ -29853,7 +30176,7 @@
                 </a:tc>
                 <a:extLst>
                   <a:ext uri="{0D108BD9-81ED-4DB2-BD59-A6C34878D82A}">
-                    <a16:rowId xmlns:a16="http://schemas.microsoft.com/office/drawing/2014/main" val="3394810274"/>
+                    <a16:rowId xmlns:a16="http://schemas.microsoft.com/office/drawing/2014/main" xmlns="" val="3394810274"/>
                   </a:ext>
                 </a:extLst>
               </a:tr>
@@ -29931,7 +30254,7 @@
                 </a:tc>
                 <a:extLst>
                   <a:ext uri="{0D108BD9-81ED-4DB2-BD59-A6C34878D82A}">
-                    <a16:rowId xmlns:a16="http://schemas.microsoft.com/office/drawing/2014/main" val="1730418186"/>
+                    <a16:rowId xmlns:a16="http://schemas.microsoft.com/office/drawing/2014/main" xmlns="" val="1730418186"/>
                   </a:ext>
                 </a:extLst>
               </a:tr>
@@ -30009,7 +30332,7 @@
                 </a:tc>
                 <a:extLst>
                   <a:ext uri="{0D108BD9-81ED-4DB2-BD59-A6C34878D82A}">
-                    <a16:rowId xmlns:a16="http://schemas.microsoft.com/office/drawing/2014/main" val="3826165435"/>
+                    <a16:rowId xmlns:a16="http://schemas.microsoft.com/office/drawing/2014/main" xmlns="" val="3826165435"/>
                   </a:ext>
                 </a:extLst>
               </a:tr>
@@ -30087,7 +30410,7 @@
                 </a:tc>
                 <a:extLst>
                   <a:ext uri="{0D108BD9-81ED-4DB2-BD59-A6C34878D82A}">
-                    <a16:rowId xmlns:a16="http://schemas.microsoft.com/office/drawing/2014/main" val="1768353946"/>
+                    <a16:rowId xmlns:a16="http://schemas.microsoft.com/office/drawing/2014/main" xmlns="" val="1768353946"/>
                   </a:ext>
                 </a:extLst>
               </a:tr>
@@ -30152,7 +30475,7 @@
                 </a:tc>
                 <a:extLst>
                   <a:ext uri="{0D108BD9-81ED-4DB2-BD59-A6C34878D82A}">
-                    <a16:rowId xmlns:a16="http://schemas.microsoft.com/office/drawing/2014/main" val="2397556717"/>
+                    <a16:rowId xmlns:a16="http://schemas.microsoft.com/office/drawing/2014/main" xmlns="" val="2397556717"/>
                   </a:ext>
                 </a:extLst>
               </a:tr>
@@ -30480,7 +30803,7 @@
           <p:cNvPr id="4" name="Rectángulo 3">
             <a:extLst>
               <a:ext uri="{FF2B5EF4-FFF2-40B4-BE49-F238E27FC236}">
-                <a16:creationId xmlns:a16="http://schemas.microsoft.com/office/drawing/2014/main" id="{12F6AC61-001A-4CA8-B437-8543EA4A91EA}"/>
+                <a16:creationId xmlns:a16="http://schemas.microsoft.com/office/drawing/2014/main" xmlns="" id="{12F6AC61-001A-4CA8-B437-8543EA4A91EA}"/>
               </a:ext>
             </a:extLst>
           </p:cNvPr>
@@ -30588,7 +30911,7 @@
           <p:cNvPr id="8" name="CuadroTexto 7">
             <a:extLst>
               <a:ext uri="{FF2B5EF4-FFF2-40B4-BE49-F238E27FC236}">
-                <a16:creationId xmlns:a16="http://schemas.microsoft.com/office/drawing/2014/main" id="{52CD3A0A-2724-4B3E-BCA4-9C97D35B3FA2}"/>
+                <a16:creationId xmlns:a16="http://schemas.microsoft.com/office/drawing/2014/main" xmlns="" id="{52CD3A0A-2724-4B3E-BCA4-9C97D35B3FA2}"/>
               </a:ext>
             </a:extLst>
           </p:cNvPr>
@@ -30838,7 +31161,7 @@
           <p:cNvPr id="2" name="Google Shape;139;p15">
             <a:extLst>
               <a:ext uri="{FF2B5EF4-FFF2-40B4-BE49-F238E27FC236}">
-                <a16:creationId xmlns:a16="http://schemas.microsoft.com/office/drawing/2014/main" id="{72370965-E794-4752-9E1E-0DBF633C5967}"/>
+                <a16:creationId xmlns:a16="http://schemas.microsoft.com/office/drawing/2014/main" xmlns="" id="{72370965-E794-4752-9E1E-0DBF633C5967}"/>
               </a:ext>
             </a:extLst>
           </p:cNvPr>
@@ -30909,7 +31232,7 @@
           <p:cNvPr id="3" name="CuadroTexto 2">
             <a:extLst>
               <a:ext uri="{FF2B5EF4-FFF2-40B4-BE49-F238E27FC236}">
-                <a16:creationId xmlns:a16="http://schemas.microsoft.com/office/drawing/2014/main" id="{255A3C4F-37DB-4EBB-B388-06040B97A3E3}"/>
+                <a16:creationId xmlns:a16="http://schemas.microsoft.com/office/drawing/2014/main" xmlns="" id="{255A3C4F-37DB-4EBB-B388-06040B97A3E3}"/>
               </a:ext>
             </a:extLst>
           </p:cNvPr>
@@ -31128,7 +31451,7 @@
           <p:cNvPr id="5" name="Imagen 4">
             <a:extLst>
               <a:ext uri="{FF2B5EF4-FFF2-40B4-BE49-F238E27FC236}">
-                <a16:creationId xmlns:a16="http://schemas.microsoft.com/office/drawing/2014/main" id="{8D7F49D8-EE58-497E-A301-A6E735882BAB}"/>
+                <a16:creationId xmlns:a16="http://schemas.microsoft.com/office/drawing/2014/main" xmlns="" id="{8D7F49D8-EE58-497E-A301-A6E735882BAB}"/>
               </a:ext>
             </a:extLst>
           </p:cNvPr>
@@ -31182,7 +31505,7 @@
           <p:cNvPr id="7" name="CuadroTexto 6">
             <a:extLst>
               <a:ext uri="{FF2B5EF4-FFF2-40B4-BE49-F238E27FC236}">
-                <a16:creationId xmlns:a16="http://schemas.microsoft.com/office/drawing/2014/main" id="{7FE07F8E-6D6F-468C-995E-4559567BE790}"/>
+                <a16:creationId xmlns:a16="http://schemas.microsoft.com/office/drawing/2014/main" xmlns="" id="{7FE07F8E-6D6F-468C-995E-4559567BE790}"/>
               </a:ext>
             </a:extLst>
           </p:cNvPr>
@@ -31528,7 +31851,7 @@
           <p:cNvPr id="2" name="Google Shape;139;p15">
             <a:extLst>
               <a:ext uri="{FF2B5EF4-FFF2-40B4-BE49-F238E27FC236}">
-                <a16:creationId xmlns:a16="http://schemas.microsoft.com/office/drawing/2014/main" id="{72370965-E794-4752-9E1E-0DBF633C5967}"/>
+                <a16:creationId xmlns:a16="http://schemas.microsoft.com/office/drawing/2014/main" xmlns="" id="{72370965-E794-4752-9E1E-0DBF633C5967}"/>
               </a:ext>
             </a:extLst>
           </p:cNvPr>
@@ -31599,7 +31922,7 @@
           <p:cNvPr id="3" name="CuadroTexto 2">
             <a:extLst>
               <a:ext uri="{FF2B5EF4-FFF2-40B4-BE49-F238E27FC236}">
-                <a16:creationId xmlns:a16="http://schemas.microsoft.com/office/drawing/2014/main" id="{255A3C4F-37DB-4EBB-B388-06040B97A3E3}"/>
+                <a16:creationId xmlns:a16="http://schemas.microsoft.com/office/drawing/2014/main" xmlns="" id="{255A3C4F-37DB-4EBB-B388-06040B97A3E3}"/>
               </a:ext>
             </a:extLst>
           </p:cNvPr>
@@ -31812,7 +32135,7 @@
           <p:cNvPr id="7" name="CuadroTexto 6">
             <a:extLst>
               <a:ext uri="{FF2B5EF4-FFF2-40B4-BE49-F238E27FC236}">
-                <a16:creationId xmlns:a16="http://schemas.microsoft.com/office/drawing/2014/main" id="{7FE07F8E-6D6F-468C-995E-4559567BE790}"/>
+                <a16:creationId xmlns:a16="http://schemas.microsoft.com/office/drawing/2014/main" xmlns="" id="{7FE07F8E-6D6F-468C-995E-4559567BE790}"/>
               </a:ext>
             </a:extLst>
           </p:cNvPr>
@@ -31862,7 +32185,7 @@
           <p:cNvPr id="8" name="Imagen 7">
             <a:extLst>
               <a:ext uri="{FF2B5EF4-FFF2-40B4-BE49-F238E27FC236}">
-                <a16:creationId xmlns:a16="http://schemas.microsoft.com/office/drawing/2014/main" id="{1C7FDF93-627E-4AEB-8370-04452376B8C3}"/>
+                <a16:creationId xmlns:a16="http://schemas.microsoft.com/office/drawing/2014/main" xmlns="" id="{1C7FDF93-627E-4AEB-8370-04452376B8C3}"/>
               </a:ext>
             </a:extLst>
           </p:cNvPr>
@@ -32212,7 +32535,7 @@
           <p:cNvPr id="2" name="Google Shape;139;p15">
             <a:extLst>
               <a:ext uri="{FF2B5EF4-FFF2-40B4-BE49-F238E27FC236}">
-                <a16:creationId xmlns:a16="http://schemas.microsoft.com/office/drawing/2014/main" id="{72370965-E794-4752-9E1E-0DBF633C5967}"/>
+                <a16:creationId xmlns:a16="http://schemas.microsoft.com/office/drawing/2014/main" xmlns="" id="{72370965-E794-4752-9E1E-0DBF633C5967}"/>
               </a:ext>
             </a:extLst>
           </p:cNvPr>
@@ -32283,7 +32606,7 @@
           <p:cNvPr id="3" name="CuadroTexto 2">
             <a:extLst>
               <a:ext uri="{FF2B5EF4-FFF2-40B4-BE49-F238E27FC236}">
-                <a16:creationId xmlns:a16="http://schemas.microsoft.com/office/drawing/2014/main" id="{255A3C4F-37DB-4EBB-B388-06040B97A3E3}"/>
+                <a16:creationId xmlns:a16="http://schemas.microsoft.com/office/drawing/2014/main" xmlns="" id="{255A3C4F-37DB-4EBB-B388-06040B97A3E3}"/>
               </a:ext>
             </a:extLst>
           </p:cNvPr>
@@ -32467,7 +32790,7 @@
           <p:cNvPr id="7" name="CuadroTexto 6">
             <a:extLst>
               <a:ext uri="{FF2B5EF4-FFF2-40B4-BE49-F238E27FC236}">
-                <a16:creationId xmlns:a16="http://schemas.microsoft.com/office/drawing/2014/main" id="{7FE07F8E-6D6F-468C-995E-4559567BE790}"/>
+                <a16:creationId xmlns:a16="http://schemas.microsoft.com/office/drawing/2014/main" xmlns="" id="{7FE07F8E-6D6F-468C-995E-4559567BE790}"/>
               </a:ext>
             </a:extLst>
           </p:cNvPr>
@@ -32517,7 +32840,7 @@
           <p:cNvPr id="9" name="Imagen 8">
             <a:extLst>
               <a:ext uri="{FF2B5EF4-FFF2-40B4-BE49-F238E27FC236}">
-                <a16:creationId xmlns:a16="http://schemas.microsoft.com/office/drawing/2014/main" id="{65365264-1A5F-4476-824E-164686DB555C}"/>
+                <a16:creationId xmlns:a16="http://schemas.microsoft.com/office/drawing/2014/main" xmlns="" id="{65365264-1A5F-4476-824E-164686DB555C}"/>
               </a:ext>
             </a:extLst>
           </p:cNvPr>
@@ -32867,7 +33190,7 @@
           <p:cNvPr id="2" name="Google Shape;139;p15">
             <a:extLst>
               <a:ext uri="{FF2B5EF4-FFF2-40B4-BE49-F238E27FC236}">
-                <a16:creationId xmlns:a16="http://schemas.microsoft.com/office/drawing/2014/main" id="{72370965-E794-4752-9E1E-0DBF633C5967}"/>
+                <a16:creationId xmlns:a16="http://schemas.microsoft.com/office/drawing/2014/main" xmlns="" id="{72370965-E794-4752-9E1E-0DBF633C5967}"/>
               </a:ext>
             </a:extLst>
           </p:cNvPr>
@@ -32938,7 +33261,7 @@
           <p:cNvPr id="3" name="CuadroTexto 2">
             <a:extLst>
               <a:ext uri="{FF2B5EF4-FFF2-40B4-BE49-F238E27FC236}">
-                <a16:creationId xmlns:a16="http://schemas.microsoft.com/office/drawing/2014/main" id="{255A3C4F-37DB-4EBB-B388-06040B97A3E3}"/>
+                <a16:creationId xmlns:a16="http://schemas.microsoft.com/office/drawing/2014/main" xmlns="" id="{255A3C4F-37DB-4EBB-B388-06040B97A3E3}"/>
               </a:ext>
             </a:extLst>
           </p:cNvPr>
@@ -33076,7 +33399,7 @@
           <p:cNvPr id="7" name="CuadroTexto 6">
             <a:extLst>
               <a:ext uri="{FF2B5EF4-FFF2-40B4-BE49-F238E27FC236}">
-                <a16:creationId xmlns:a16="http://schemas.microsoft.com/office/drawing/2014/main" id="{7FE07F8E-6D6F-468C-995E-4559567BE790}"/>
+                <a16:creationId xmlns:a16="http://schemas.microsoft.com/office/drawing/2014/main" xmlns="" id="{7FE07F8E-6D6F-468C-995E-4559567BE790}"/>
               </a:ext>
             </a:extLst>
           </p:cNvPr>
@@ -33126,7 +33449,7 @@
           <p:cNvPr id="4" name="Imagen 3">
             <a:extLst>
               <a:ext uri="{FF2B5EF4-FFF2-40B4-BE49-F238E27FC236}">
-                <a16:creationId xmlns:a16="http://schemas.microsoft.com/office/drawing/2014/main" id="{0333AA62-F59B-4546-83F2-FE6F3AD8D8F6}"/>
+                <a16:creationId xmlns:a16="http://schemas.microsoft.com/office/drawing/2014/main" xmlns="" id="{0333AA62-F59B-4546-83F2-FE6F3AD8D8F6}"/>
               </a:ext>
             </a:extLst>
           </p:cNvPr>
@@ -33166,7 +33489,7 @@
           <p:cNvPr id="6" name="Imagen 5">
             <a:extLst>
               <a:ext uri="{FF2B5EF4-FFF2-40B4-BE49-F238E27FC236}">
-                <a16:creationId xmlns:a16="http://schemas.microsoft.com/office/drawing/2014/main" id="{155C6BFA-E294-4B4C-BA5D-CC17D324FA28}"/>
+                <a16:creationId xmlns:a16="http://schemas.microsoft.com/office/drawing/2014/main" xmlns="" id="{155C6BFA-E294-4B4C-BA5D-CC17D324FA28}"/>
               </a:ext>
             </a:extLst>
           </p:cNvPr>
@@ -33196,7 +33519,7 @@
           <p:cNvPr id="9" name="Imagen 8">
             <a:extLst>
               <a:ext uri="{FF2B5EF4-FFF2-40B4-BE49-F238E27FC236}">
-                <a16:creationId xmlns:a16="http://schemas.microsoft.com/office/drawing/2014/main" id="{60F56DA5-3260-4CF0-B909-5E198EA568C9}"/>
+                <a16:creationId xmlns:a16="http://schemas.microsoft.com/office/drawing/2014/main" xmlns="" id="{60F56DA5-3260-4CF0-B909-5E198EA568C9}"/>
               </a:ext>
             </a:extLst>
           </p:cNvPr>
@@ -33754,7 +34077,7 @@
         <p:spPr>
           <a:xfrm>
             <a:off x="605790" y="1998979"/>
-            <a:ext cx="7864475" cy="3416320"/>
+            <a:ext cx="7864475" cy="3847207"/>
           </a:xfrm>
           <a:prstGeom prst="rect">
             <a:avLst/>
@@ -33921,7 +34244,93 @@
                 <a:ea typeface="Segoe UI" charset="0"/>
                 <a:cs typeface="Segoe UI" charset="0"/>
               </a:rPr>
-              <a:t>Modelo entidad relación-Modelo relacional.</a:t>
+              <a:t>Modelo entidad </a:t>
+            </a:r>
+            <a:r>
+              <a:rPr lang="es-CO" altLang="ko-KR" sz="2800" b="0" i="0" strike="noStrike" cap="none" dirty="0" smtClean="0">
+                <a:solidFill>
+                  <a:schemeClr val="tx1">
+                    <a:lumMod val="65000"/>
+                    <a:lumOff val="35000"/>
+                  </a:schemeClr>
+                </a:solidFill>
+                <a:latin typeface="Segoe UI" charset="0"/>
+                <a:ea typeface="Segoe UI" charset="0"/>
+                <a:cs typeface="Segoe UI" charset="0"/>
+              </a:rPr>
+              <a:t>relación,</a:t>
+            </a:r>
+          </a:p>
+          <a:p>
+            <a:pPr algn="l" defTabSz="508000">
+              <a:lnSpc>
+                <a:spcPct val="100000"/>
+              </a:lnSpc>
+              <a:spcBef>
+                <a:spcPts val="0"/>
+              </a:spcBef>
+              <a:spcAft>
+                <a:spcPts val="0"/>
+              </a:spcAft>
+              <a:buClr>
+                <a:srgbClr val="000000"/>
+              </a:buClr>
+            </a:pPr>
+            <a:r>
+              <a:rPr lang="es-CO" altLang="ko-KR" sz="2800" dirty="0">
+                <a:solidFill>
+                  <a:schemeClr val="tx1">
+                    <a:lumMod val="65000"/>
+                    <a:lumOff val="35000"/>
+                  </a:schemeClr>
+                </a:solidFill>
+                <a:latin typeface="Segoe UI" charset="0"/>
+                <a:ea typeface="Segoe UI" charset="0"/>
+                <a:cs typeface="Segoe UI" charset="0"/>
+              </a:rPr>
+              <a:t> </a:t>
+            </a:r>
+            <a:r>
+              <a:rPr lang="es-CO" altLang="ko-KR" sz="2800" dirty="0" smtClean="0">
+                <a:solidFill>
+                  <a:schemeClr val="tx1">
+                    <a:lumMod val="65000"/>
+                    <a:lumOff val="35000"/>
+                  </a:schemeClr>
+                </a:solidFill>
+                <a:latin typeface="Segoe UI" charset="0"/>
+                <a:ea typeface="Segoe UI" charset="0"/>
+                <a:cs typeface="Segoe UI" charset="0"/>
+              </a:rPr>
+              <a:t>   </a:t>
+            </a:r>
+            <a:r>
+              <a:rPr lang="es-CO" altLang="ko-KR" sz="2800" b="0" i="0" strike="noStrike" cap="none" dirty="0" smtClean="0">
+                <a:solidFill>
+                  <a:schemeClr val="tx1">
+                    <a:lumMod val="65000"/>
+                    <a:lumOff val="35000"/>
+                  </a:schemeClr>
+                </a:solidFill>
+                <a:latin typeface="Segoe UI" charset="0"/>
+                <a:ea typeface="Segoe UI" charset="0"/>
+                <a:cs typeface="Segoe UI" charset="0"/>
+              </a:rPr>
+              <a:t>Modelo </a:t>
+            </a:r>
+            <a:r>
+              <a:rPr lang="es-CO" altLang="ko-KR" sz="2800" b="0" i="0" strike="noStrike" cap="none" dirty="0">
+                <a:solidFill>
+                  <a:schemeClr val="tx1">
+                    <a:lumMod val="65000"/>
+                    <a:lumOff val="35000"/>
+                  </a:schemeClr>
+                </a:solidFill>
+                <a:latin typeface="Segoe UI" charset="0"/>
+                <a:ea typeface="Segoe UI" charset="0"/>
+                <a:cs typeface="Segoe UI" charset="0"/>
+              </a:rPr>
+              <a:t>relacional.</a:t>
             </a:r>
           </a:p>
           <a:p>
@@ -34024,6 +34433,60 @@
           </a:p>
         </p:txBody>
       </p:sp>
+      <p:pic>
+        <p:nvPicPr>
+          <p:cNvPr id="4" name="Imagen 3">
+            <a:extLst>
+              <a:ext uri="{FF2B5EF4-FFF2-40B4-BE49-F238E27FC236}">
+                <a16:creationId xmlns:a16="http://schemas.microsoft.com/office/drawing/2014/main" xmlns="" id="{65365264-1A5F-4476-824E-164686DB555C}"/>
+              </a:ext>
+            </a:extLst>
+          </p:cNvPr>
+          <p:cNvPicPr>
+            <a:picLocks noChangeAspect="1"/>
+          </p:cNvPicPr>
+          <p:nvPr/>
+        </p:nvPicPr>
+        <p:blipFill>
+          <a:blip r:embed="rId2"/>
+          <a:stretch>
+            <a:fillRect/>
+          </a:stretch>
+        </p:blipFill>
+        <p:spPr>
+          <a:xfrm>
+            <a:off x="5816184" y="3496999"/>
+            <a:ext cx="2482128" cy="2482128"/>
+          </a:xfrm>
+          <a:prstGeom prst="rect">
+            <a:avLst/>
+          </a:prstGeom>
+          <a:ln w="127000" cap="rnd">
+            <a:solidFill>
+              <a:srgbClr val="FFFFFF"/>
+            </a:solidFill>
+          </a:ln>
+          <a:effectLst>
+            <a:outerShdw blurRad="76200" dist="95250" dir="10500000" sx="97000" sy="23000" kx="900000" algn="br" rotWithShape="0">
+              <a:srgbClr val="000000">
+                <a:alpha val="20000"/>
+              </a:srgbClr>
+            </a:outerShdw>
+          </a:effectLst>
+          <a:scene3d>
+            <a:camera prst="orthographicFront"/>
+            <a:lightRig rig="twoPt" dir="t">
+              <a:rot lat="0" lon="0" rev="7800000"/>
+            </a:lightRig>
+          </a:scene3d>
+          <a:sp3d contourW="6350">
+            <a:bevelT w="50800" h="16510"/>
+            <a:contourClr>
+              <a:srgbClr val="C0C0C0"/>
+            </a:contourClr>
+          </a:sp3d>
+        </p:spPr>
+      </p:pic>
     </p:spTree>
   </p:cSld>
   <p:clrMapOvr>
@@ -34096,6 +34559,96 @@
                                         </p:tgtEl>
                                       </p:cBhvr>
                                     </p:animEffect>
+                                  </p:childTnLst>
+                                </p:cTn>
+                              </p:par>
+                            </p:childTnLst>
+                          </p:cTn>
+                        </p:par>
+                        <p:par>
+                          <p:cTn id="8" fill="hold">
+                            <p:stCondLst>
+                              <p:cond delay="500"/>
+                            </p:stCondLst>
+                            <p:childTnLst>
+                              <p:par>
+                                <p:cTn id="9" presetID="42" presetClass="entr" presetSubtype="0" fill="hold" nodeType="afterEffect">
+                                  <p:stCondLst>
+                                    <p:cond delay="0"/>
+                                  </p:stCondLst>
+                                  <p:childTnLst>
+                                    <p:set>
+                                      <p:cBhvr>
+                                        <p:cTn id="10" dur="1" fill="hold">
+                                          <p:stCondLst>
+                                            <p:cond delay="0"/>
+                                          </p:stCondLst>
+                                        </p:cTn>
+                                        <p:tgtEl>
+                                          <p:spTgt spid="4"/>
+                                        </p:tgtEl>
+                                        <p:attrNameLst>
+                                          <p:attrName>style.visibility</p:attrName>
+                                        </p:attrNameLst>
+                                      </p:cBhvr>
+                                      <p:to>
+                                        <p:strVal val="visible"/>
+                                      </p:to>
+                                    </p:set>
+                                    <p:animEffect transition="in" filter="fade">
+                                      <p:cBhvr>
+                                        <p:cTn id="11" dur="1000"/>
+                                        <p:tgtEl>
+                                          <p:spTgt spid="4"/>
+                                        </p:tgtEl>
+                                      </p:cBhvr>
+                                    </p:animEffect>
+                                    <p:anim calcmode="lin" valueType="num">
+                                      <p:cBhvr>
+                                        <p:cTn id="12" dur="1000" fill="hold"/>
+                                        <p:tgtEl>
+                                          <p:spTgt spid="4"/>
+                                        </p:tgtEl>
+                                        <p:attrNameLst>
+                                          <p:attrName>ppt_x</p:attrName>
+                                        </p:attrNameLst>
+                                      </p:cBhvr>
+                                      <p:tavLst>
+                                        <p:tav tm="0">
+                                          <p:val>
+                                            <p:strVal val="#ppt_x"/>
+                                          </p:val>
+                                        </p:tav>
+                                        <p:tav tm="100000">
+                                          <p:val>
+                                            <p:strVal val="#ppt_x"/>
+                                          </p:val>
+                                        </p:tav>
+                                      </p:tavLst>
+                                    </p:anim>
+                                    <p:anim calcmode="lin" valueType="num">
+                                      <p:cBhvr>
+                                        <p:cTn id="13" dur="1000" fill="hold"/>
+                                        <p:tgtEl>
+                                          <p:spTgt spid="4"/>
+                                        </p:tgtEl>
+                                        <p:attrNameLst>
+                                          <p:attrName>ppt_y</p:attrName>
+                                        </p:attrNameLst>
+                                      </p:cBhvr>
+                                      <p:tavLst>
+                                        <p:tav tm="0">
+                                          <p:val>
+                                            <p:strVal val="#ppt_y+.1"/>
+                                          </p:val>
+                                        </p:tav>
+                                        <p:tav tm="100000">
+                                          <p:val>
+                                            <p:strVal val="#ppt_y"/>
+                                          </p:val>
+                                        </p:tav>
+                                      </p:tavLst>
+                                    </p:anim>
                                   </p:childTnLst>
                                 </p:cTn>
                               </p:par>

--- a/Developer Documentation/Presentación_Help_Cert Tr_1.pptx
+++ b/Developer Documentation/Presentación_Help_Cert Tr_1.pptx
@@ -18777,7 +18777,7 @@
         <p:spPr>
           <a:xfrm>
             <a:off x="605790" y="1998979"/>
-            <a:ext cx="7864475" cy="5139869"/>
+            <a:ext cx="7864475" cy="4708981"/>
           </a:xfrm>
           <a:prstGeom prst="rect">
             <a:avLst/>
@@ -18931,7 +18931,7 @@
               </a:buClr>
             </a:pPr>
             <a:r>
-              <a:rPr lang="es-CO" altLang="ko-KR" sz="2800">
+              <a:rPr lang="es-CO" altLang="ko-KR" sz="2800" dirty="0">
                 <a:solidFill>
                   <a:schemeClr val="tx1">
                     <a:lumMod val="65000"/>
@@ -18942,21 +18942,7 @@
                 <a:ea typeface="Segoe UI" charset="0"/>
                 <a:cs typeface="Segoe UI" charset="0"/>
               </a:rPr>
-              <a:t>	-Roles </a:t>
-            </a:r>
-            <a:r>
-              <a:rPr lang="es-CO" altLang="ko-KR" sz="2800" dirty="0">
-                <a:solidFill>
-                  <a:schemeClr val="tx1">
-                    <a:lumMod val="65000"/>
-                    <a:lumOff val="35000"/>
-                  </a:schemeClr>
-                </a:solidFill>
-                <a:latin typeface="Segoe UI" charset="0"/>
-                <a:ea typeface="Segoe UI" charset="0"/>
-                <a:cs typeface="Segoe UI" charset="0"/>
-              </a:rPr>
-              <a:t>del sistema.</a:t>
+              <a:t>	-Roles del sistema.</a:t>
             </a:r>
           </a:p>
           <a:p>
@@ -19073,26 +19059,10 @@
                 <a:ea typeface="Segoe UI" charset="0"/>
                 <a:cs typeface="Segoe UI" charset="0"/>
               </a:rPr>
-              <a:t>	-Diagrama de clases.</a:t>
+              <a:t>	-Diagrama de clases</a:t>
             </a:r>
-          </a:p>
-          <a:p>
-            <a:pPr algn="l" defTabSz="508000">
-              <a:lnSpc>
-                <a:spcPct val="100000"/>
-              </a:lnSpc>
-              <a:spcBef>
-                <a:spcPts val="0"/>
-              </a:spcBef>
-              <a:spcAft>
-                <a:spcPts val="0"/>
-              </a:spcAft>
-              <a:buClr>
-                <a:srgbClr val="000000"/>
-              </a:buClr>
-            </a:pPr>
             <a:r>
-              <a:rPr lang="es-CO" altLang="ko-KR" sz="2800" b="0" i="0" strike="noStrike" cap="none" dirty="0">
+              <a:rPr lang="es-CO" altLang="ko-KR" sz="2800" dirty="0" smtClean="0">
                 <a:solidFill>
                   <a:schemeClr val="tx1">
                     <a:lumMod val="65000"/>
@@ -19103,8 +19073,19 @@
                 <a:ea typeface="Segoe UI" charset="0"/>
                 <a:cs typeface="Segoe UI" charset="0"/>
               </a:rPr>
-              <a:t>	-Diccionario de datos.</a:t>
+              <a:t>.</a:t>
             </a:r>
+            <a:endParaRPr lang="es-CO" altLang="ko-KR" sz="2800" b="0" i="0" strike="noStrike" cap="none" dirty="0">
+              <a:solidFill>
+                <a:schemeClr val="tx1">
+                  <a:lumMod val="65000"/>
+                  <a:lumOff val="35000"/>
+                </a:schemeClr>
+              </a:solidFill>
+              <a:latin typeface="Segoe UI" charset="0"/>
+              <a:ea typeface="Segoe UI" charset="0"/>
+              <a:cs typeface="Segoe UI" charset="0"/>
+            </a:endParaRPr>
           </a:p>
           <a:p>
             <a:pPr algn="l" defTabSz="508000">
